--- a/lectures/lecture-03/charts.pptx
+++ b/lectures/lecture-03/charts.pptx
@@ -7,7 +7,8 @@
   <p:sldIdLst>
     <p:sldId id="256" r:id="rId2"/>
     <p:sldId id="257" r:id="rId3"/>
-    <p:sldId id="258" r:id="rId4"/>
+    <p:sldId id="259" r:id="rId4"/>
+    <p:sldId id="258" r:id="rId5"/>
   </p:sldIdLst>
   <p:sldSz cx="12192000" cy="6858000"/>
   <p:notesSz cx="6858000" cy="9144000"/>
@@ -106,6 +107,11 @@
       </a:defRPr>
     </a:lvl9pPr>
   </p:defaultTextStyle>
+  <p:extLst>
+    <p:ext uri="{EFAFB233-063F-42B5-8137-9DF3F51BA10A}">
+      <p15:sldGuideLst xmlns:p15="http://schemas.microsoft.com/office/powerpoint/2012/main"/>
+    </p:ext>
+  </p:extLst>
 </p:presentation>
 </file>
 
@@ -8452,7 +8458,7 @@
       </p:grpSpPr>
       <p:sp>
         <p:nvSpPr>
-          <p:cNvPr id="28" name="Rectangle 27"/>
+          <p:cNvPr id="29" name="Rectangle 28"/>
           <p:cNvSpPr>
             <a:spLocks noChangeArrowheads="1"/>
           </p:cNvSpPr>
@@ -8460,8 +8466,8 @@
         </p:nvSpPr>
         <p:spPr bwMode="auto">
           <a:xfrm>
-            <a:off x="9213605" y="5047352"/>
-            <a:ext cx="918520" cy="459100"/>
+            <a:off x="573875" y="1119482"/>
+            <a:ext cx="1654298" cy="828432"/>
           </a:xfrm>
           <a:prstGeom prst="rect">
             <a:avLst/>
@@ -8634,7 +8640,15 @@
               <a:rPr lang="en-US" altLang="en-US" sz="2400" b="1" dirty="0" smtClean="0">
                 <a:latin typeface="Arial" panose="020B0604020202020204" pitchFamily="34" charset="0"/>
               </a:rPr>
-              <a:t>price</a:t>
+              <a:t>Relative </a:t>
+            </a:r>
+          </a:p>
+          <a:p>
+            <a:r>
+              <a:rPr lang="en-US" altLang="en-US" sz="2400" b="1" dirty="0" smtClean="0">
+                <a:latin typeface="Arial" panose="020B0604020202020204" pitchFamily="34" charset="0"/>
+              </a:rPr>
+              <a:t>frequency</a:t>
             </a:r>
             <a:endParaRPr lang="en-US" altLang="en-US" sz="2400" b="1" dirty="0">
               <a:latin typeface="Arial" panose="020B0604020202020204" pitchFamily="34" charset="0"/>
@@ -8642,6 +8656,5373 @@
           </a:p>
         </p:txBody>
       </p:sp>
+      <p:grpSp>
+        <p:nvGrpSpPr>
+          <p:cNvPr id="3" name="Group 2"/>
+          <p:cNvGrpSpPr/>
+          <p:nvPr/>
+        </p:nvGrpSpPr>
+        <p:grpSpPr>
+          <a:xfrm>
+            <a:off x="932864" y="1952962"/>
+            <a:ext cx="8124509" cy="3323940"/>
+            <a:chOff x="3579812" y="2287588"/>
+            <a:chExt cx="5029200" cy="2438400"/>
+          </a:xfrm>
+        </p:grpSpPr>
+        <p:sp>
+          <p:nvSpPr>
+            <p:cNvPr id="5" name="Freeform 4"/>
+            <p:cNvSpPr>
+              <a:spLocks/>
+            </p:cNvSpPr>
+            <p:nvPr/>
+          </p:nvSpPr>
+          <p:spPr bwMode="auto">
+            <a:xfrm>
+              <a:off x="3579812" y="2287588"/>
+              <a:ext cx="5029200" cy="2438400"/>
+            </a:xfrm>
+            <a:custGeom>
+              <a:avLst/>
+              <a:gdLst>
+                <a:gd name="T0" fmla="*/ 0 w 1893"/>
+                <a:gd name="T1" fmla="*/ 0 h 765"/>
+                <a:gd name="T2" fmla="*/ 0 w 1893"/>
+                <a:gd name="T3" fmla="*/ 764 h 765"/>
+                <a:gd name="T4" fmla="*/ 1892 w 1893"/>
+                <a:gd name="T5" fmla="*/ 764 h 765"/>
+              </a:gdLst>
+              <a:ahLst/>
+              <a:cxnLst>
+                <a:cxn ang="0">
+                  <a:pos x="T0" y="T1"/>
+                </a:cxn>
+                <a:cxn ang="0">
+                  <a:pos x="T2" y="T3"/>
+                </a:cxn>
+                <a:cxn ang="0">
+                  <a:pos x="T4" y="T5"/>
+                </a:cxn>
+              </a:cxnLst>
+              <a:rect l="0" t="0" r="r" b="b"/>
+              <a:pathLst>
+                <a:path w="1893" h="765">
+                  <a:moveTo>
+                    <a:pt x="0" y="0"/>
+                  </a:moveTo>
+                  <a:lnTo>
+                    <a:pt x="0" y="764"/>
+                  </a:lnTo>
+                  <a:lnTo>
+                    <a:pt x="1892" y="764"/>
+                  </a:lnTo>
+                </a:path>
+              </a:pathLst>
+            </a:custGeom>
+            <a:noFill/>
+            <a:ln w="25400" cap="rnd" cmpd="sng">
+              <a:solidFill>
+                <a:schemeClr val="tx1"/>
+              </a:solidFill>
+              <a:prstDash val="solid"/>
+              <a:round/>
+              <a:headEnd type="none" w="med" len="med"/>
+              <a:tailEnd type="none" w="med" len="med"/>
+            </a:ln>
+            <a:effectLst/>
+            <a:extLst>
+              <a:ext uri="{909E8E84-426E-40DD-AFC4-6F175D3DCCD1}">
+                <a14:hiddenFill xmlns:a14="http://schemas.microsoft.com/office/drawing/2010/main">
+                  <a:solidFill>
+                    <a:schemeClr val="accent1"/>
+                  </a:solidFill>
+                </a14:hiddenFill>
+              </a:ext>
+              <a:ext uri="{AF507438-7753-43E0-B8FC-AC1667EBCBE1}">
+                <a14:hiddenEffects xmlns:a14="http://schemas.microsoft.com/office/drawing/2010/main">
+                  <a:effectLst>
+                    <a:outerShdw dist="35921" dir="2700000" algn="ctr" rotWithShape="0">
+                      <a:schemeClr val="bg2"/>
+                    </a:outerShdw>
+                  </a:effectLst>
+                </a14:hiddenEffects>
+              </a:ext>
+            </a:extLst>
+          </p:spPr>
+          <p:txBody>
+            <a:bodyPr/>
+            <a:lstStyle>
+              <a:defPPr>
+                <a:defRPr lang="en-US"/>
+              </a:defPPr>
+              <a:lvl1pPr algn="l" rtl="0" eaLnBrk="0" fontAlgn="base" hangingPunct="0">
+                <a:spcBef>
+                  <a:spcPct val="0"/>
+                </a:spcBef>
+                <a:spcAft>
+                  <a:spcPct val="0"/>
+                </a:spcAft>
+                <a:defRPr kern="1200">
+                  <a:solidFill>
+                    <a:schemeClr val="tx1"/>
+                  </a:solidFill>
+                  <a:latin typeface="Tahoma" panose="020B0604030504040204" pitchFamily="34" charset="0"/>
+                  <a:ea typeface="+mn-ea"/>
+                  <a:cs typeface="+mn-cs"/>
+                </a:defRPr>
+              </a:lvl1pPr>
+              <a:lvl2pPr marL="457200" algn="l" rtl="0" eaLnBrk="0" fontAlgn="base" hangingPunct="0">
+                <a:spcBef>
+                  <a:spcPct val="0"/>
+                </a:spcBef>
+                <a:spcAft>
+                  <a:spcPct val="0"/>
+                </a:spcAft>
+                <a:defRPr kern="1200">
+                  <a:solidFill>
+                    <a:schemeClr val="tx1"/>
+                  </a:solidFill>
+                  <a:latin typeface="Tahoma" panose="020B0604030504040204" pitchFamily="34" charset="0"/>
+                  <a:ea typeface="+mn-ea"/>
+                  <a:cs typeface="+mn-cs"/>
+                </a:defRPr>
+              </a:lvl2pPr>
+              <a:lvl3pPr marL="914400" algn="l" rtl="0" eaLnBrk="0" fontAlgn="base" hangingPunct="0">
+                <a:spcBef>
+                  <a:spcPct val="0"/>
+                </a:spcBef>
+                <a:spcAft>
+                  <a:spcPct val="0"/>
+                </a:spcAft>
+                <a:defRPr kern="1200">
+                  <a:solidFill>
+                    <a:schemeClr val="tx1"/>
+                  </a:solidFill>
+                  <a:latin typeface="Tahoma" panose="020B0604030504040204" pitchFamily="34" charset="0"/>
+                  <a:ea typeface="+mn-ea"/>
+                  <a:cs typeface="+mn-cs"/>
+                </a:defRPr>
+              </a:lvl3pPr>
+              <a:lvl4pPr marL="1371600" algn="l" rtl="0" eaLnBrk="0" fontAlgn="base" hangingPunct="0">
+                <a:spcBef>
+                  <a:spcPct val="0"/>
+                </a:spcBef>
+                <a:spcAft>
+                  <a:spcPct val="0"/>
+                </a:spcAft>
+                <a:defRPr kern="1200">
+                  <a:solidFill>
+                    <a:schemeClr val="tx1"/>
+                  </a:solidFill>
+                  <a:latin typeface="Tahoma" panose="020B0604030504040204" pitchFamily="34" charset="0"/>
+                  <a:ea typeface="+mn-ea"/>
+                  <a:cs typeface="+mn-cs"/>
+                </a:defRPr>
+              </a:lvl4pPr>
+              <a:lvl5pPr marL="1828800" algn="l" rtl="0" eaLnBrk="0" fontAlgn="base" hangingPunct="0">
+                <a:spcBef>
+                  <a:spcPct val="0"/>
+                </a:spcBef>
+                <a:spcAft>
+                  <a:spcPct val="0"/>
+                </a:spcAft>
+                <a:defRPr kern="1200">
+                  <a:solidFill>
+                    <a:schemeClr val="tx1"/>
+                  </a:solidFill>
+                  <a:latin typeface="Tahoma" panose="020B0604030504040204" pitchFamily="34" charset="0"/>
+                  <a:ea typeface="+mn-ea"/>
+                  <a:cs typeface="+mn-cs"/>
+                </a:defRPr>
+              </a:lvl5pPr>
+              <a:lvl6pPr marL="2286000" algn="l" defTabSz="914400" rtl="0" eaLnBrk="1" latinLnBrk="0" hangingPunct="1">
+                <a:defRPr kern="1200">
+                  <a:solidFill>
+                    <a:schemeClr val="tx1"/>
+                  </a:solidFill>
+                  <a:latin typeface="Tahoma" panose="020B0604030504040204" pitchFamily="34" charset="0"/>
+                  <a:ea typeface="+mn-ea"/>
+                  <a:cs typeface="+mn-cs"/>
+                </a:defRPr>
+              </a:lvl6pPr>
+              <a:lvl7pPr marL="2743200" algn="l" defTabSz="914400" rtl="0" eaLnBrk="1" latinLnBrk="0" hangingPunct="1">
+                <a:defRPr kern="1200">
+                  <a:solidFill>
+                    <a:schemeClr val="tx1"/>
+                  </a:solidFill>
+                  <a:latin typeface="Tahoma" panose="020B0604030504040204" pitchFamily="34" charset="0"/>
+                  <a:ea typeface="+mn-ea"/>
+                  <a:cs typeface="+mn-cs"/>
+                </a:defRPr>
+              </a:lvl7pPr>
+              <a:lvl8pPr marL="3200400" algn="l" defTabSz="914400" rtl="0" eaLnBrk="1" latinLnBrk="0" hangingPunct="1">
+                <a:defRPr kern="1200">
+                  <a:solidFill>
+                    <a:schemeClr val="tx1"/>
+                  </a:solidFill>
+                  <a:latin typeface="Tahoma" panose="020B0604030504040204" pitchFamily="34" charset="0"/>
+                  <a:ea typeface="+mn-ea"/>
+                  <a:cs typeface="+mn-cs"/>
+                </a:defRPr>
+              </a:lvl8pPr>
+              <a:lvl9pPr marL="3657600" algn="l" defTabSz="914400" rtl="0" eaLnBrk="1" latinLnBrk="0" hangingPunct="1">
+                <a:defRPr kern="1200">
+                  <a:solidFill>
+                    <a:schemeClr val="tx1"/>
+                  </a:solidFill>
+                  <a:latin typeface="Tahoma" panose="020B0604030504040204" pitchFamily="34" charset="0"/>
+                  <a:ea typeface="+mn-ea"/>
+                  <a:cs typeface="+mn-cs"/>
+                </a:defRPr>
+              </a:lvl9pPr>
+            </a:lstStyle>
+            <a:p>
+              <a:endParaRPr lang="en-US"/>
+            </a:p>
+          </p:txBody>
+        </p:sp>
+        <p:sp>
+          <p:nvSpPr>
+            <p:cNvPr id="6" name="Line 5"/>
+            <p:cNvSpPr>
+              <a:spLocks noChangeShapeType="1"/>
+            </p:cNvSpPr>
+            <p:nvPr/>
+          </p:nvSpPr>
+          <p:spPr bwMode="auto">
+            <a:xfrm>
+              <a:off x="4651375" y="2522538"/>
+              <a:ext cx="1587" cy="0"/>
+            </a:xfrm>
+            <a:prstGeom prst="line">
+              <a:avLst/>
+            </a:prstGeom>
+            <a:noFill/>
+            <a:ln w="12700">
+              <a:solidFill>
+                <a:srgbClr val="CDCDCD"/>
+              </a:solidFill>
+              <a:round/>
+              <a:headEnd/>
+              <a:tailEnd/>
+            </a:ln>
+            <a:effectLst/>
+            <a:extLst>
+              <a:ext uri="{909E8E84-426E-40DD-AFC4-6F175D3DCCD1}">
+                <a14:hiddenFill xmlns:a14="http://schemas.microsoft.com/office/drawing/2010/main">
+                  <a:noFill/>
+                </a14:hiddenFill>
+              </a:ext>
+              <a:ext uri="{AF507438-7753-43E0-B8FC-AC1667EBCBE1}">
+                <a14:hiddenEffects xmlns:a14="http://schemas.microsoft.com/office/drawing/2010/main">
+                  <a:effectLst>
+                    <a:outerShdw dist="35921" dir="2700000" algn="ctr" rotWithShape="0">
+                      <a:schemeClr val="bg2"/>
+                    </a:outerShdw>
+                  </a:effectLst>
+                </a14:hiddenEffects>
+              </a:ext>
+            </a:extLst>
+          </p:spPr>
+          <p:txBody>
+            <a:bodyPr wrap="none" anchor="ctr"/>
+            <a:lstStyle>
+              <a:defPPr>
+                <a:defRPr lang="en-US"/>
+              </a:defPPr>
+              <a:lvl1pPr algn="l" rtl="0" eaLnBrk="0" fontAlgn="base" hangingPunct="0">
+                <a:spcBef>
+                  <a:spcPct val="0"/>
+                </a:spcBef>
+                <a:spcAft>
+                  <a:spcPct val="0"/>
+                </a:spcAft>
+                <a:defRPr kern="1200">
+                  <a:solidFill>
+                    <a:schemeClr val="tx1"/>
+                  </a:solidFill>
+                  <a:latin typeface="Tahoma" panose="020B0604030504040204" pitchFamily="34" charset="0"/>
+                  <a:ea typeface="+mn-ea"/>
+                  <a:cs typeface="+mn-cs"/>
+                </a:defRPr>
+              </a:lvl1pPr>
+              <a:lvl2pPr marL="457200" algn="l" rtl="0" eaLnBrk="0" fontAlgn="base" hangingPunct="0">
+                <a:spcBef>
+                  <a:spcPct val="0"/>
+                </a:spcBef>
+                <a:spcAft>
+                  <a:spcPct val="0"/>
+                </a:spcAft>
+                <a:defRPr kern="1200">
+                  <a:solidFill>
+                    <a:schemeClr val="tx1"/>
+                  </a:solidFill>
+                  <a:latin typeface="Tahoma" panose="020B0604030504040204" pitchFamily="34" charset="0"/>
+                  <a:ea typeface="+mn-ea"/>
+                  <a:cs typeface="+mn-cs"/>
+                </a:defRPr>
+              </a:lvl2pPr>
+              <a:lvl3pPr marL="914400" algn="l" rtl="0" eaLnBrk="0" fontAlgn="base" hangingPunct="0">
+                <a:spcBef>
+                  <a:spcPct val="0"/>
+                </a:spcBef>
+                <a:spcAft>
+                  <a:spcPct val="0"/>
+                </a:spcAft>
+                <a:defRPr kern="1200">
+                  <a:solidFill>
+                    <a:schemeClr val="tx1"/>
+                  </a:solidFill>
+                  <a:latin typeface="Tahoma" panose="020B0604030504040204" pitchFamily="34" charset="0"/>
+                  <a:ea typeface="+mn-ea"/>
+                  <a:cs typeface="+mn-cs"/>
+                </a:defRPr>
+              </a:lvl3pPr>
+              <a:lvl4pPr marL="1371600" algn="l" rtl="0" eaLnBrk="0" fontAlgn="base" hangingPunct="0">
+                <a:spcBef>
+                  <a:spcPct val="0"/>
+                </a:spcBef>
+                <a:spcAft>
+                  <a:spcPct val="0"/>
+                </a:spcAft>
+                <a:defRPr kern="1200">
+                  <a:solidFill>
+                    <a:schemeClr val="tx1"/>
+                  </a:solidFill>
+                  <a:latin typeface="Tahoma" panose="020B0604030504040204" pitchFamily="34" charset="0"/>
+                  <a:ea typeface="+mn-ea"/>
+                  <a:cs typeface="+mn-cs"/>
+                </a:defRPr>
+              </a:lvl4pPr>
+              <a:lvl5pPr marL="1828800" algn="l" rtl="0" eaLnBrk="0" fontAlgn="base" hangingPunct="0">
+                <a:spcBef>
+                  <a:spcPct val="0"/>
+                </a:spcBef>
+                <a:spcAft>
+                  <a:spcPct val="0"/>
+                </a:spcAft>
+                <a:defRPr kern="1200">
+                  <a:solidFill>
+                    <a:schemeClr val="tx1"/>
+                  </a:solidFill>
+                  <a:latin typeface="Tahoma" panose="020B0604030504040204" pitchFamily="34" charset="0"/>
+                  <a:ea typeface="+mn-ea"/>
+                  <a:cs typeface="+mn-cs"/>
+                </a:defRPr>
+              </a:lvl5pPr>
+              <a:lvl6pPr marL="2286000" algn="l" defTabSz="914400" rtl="0" eaLnBrk="1" latinLnBrk="0" hangingPunct="1">
+                <a:defRPr kern="1200">
+                  <a:solidFill>
+                    <a:schemeClr val="tx1"/>
+                  </a:solidFill>
+                  <a:latin typeface="Tahoma" panose="020B0604030504040204" pitchFamily="34" charset="0"/>
+                  <a:ea typeface="+mn-ea"/>
+                  <a:cs typeface="+mn-cs"/>
+                </a:defRPr>
+              </a:lvl6pPr>
+              <a:lvl7pPr marL="2743200" algn="l" defTabSz="914400" rtl="0" eaLnBrk="1" latinLnBrk="0" hangingPunct="1">
+                <a:defRPr kern="1200">
+                  <a:solidFill>
+                    <a:schemeClr val="tx1"/>
+                  </a:solidFill>
+                  <a:latin typeface="Tahoma" panose="020B0604030504040204" pitchFamily="34" charset="0"/>
+                  <a:ea typeface="+mn-ea"/>
+                  <a:cs typeface="+mn-cs"/>
+                </a:defRPr>
+              </a:lvl7pPr>
+              <a:lvl8pPr marL="3200400" algn="l" defTabSz="914400" rtl="0" eaLnBrk="1" latinLnBrk="0" hangingPunct="1">
+                <a:defRPr kern="1200">
+                  <a:solidFill>
+                    <a:schemeClr val="tx1"/>
+                  </a:solidFill>
+                  <a:latin typeface="Tahoma" panose="020B0604030504040204" pitchFamily="34" charset="0"/>
+                  <a:ea typeface="+mn-ea"/>
+                  <a:cs typeface="+mn-cs"/>
+                </a:defRPr>
+              </a:lvl8pPr>
+              <a:lvl9pPr marL="3657600" algn="l" defTabSz="914400" rtl="0" eaLnBrk="1" latinLnBrk="0" hangingPunct="1">
+                <a:defRPr kern="1200">
+                  <a:solidFill>
+                    <a:schemeClr val="tx1"/>
+                  </a:solidFill>
+                  <a:latin typeface="Tahoma" panose="020B0604030504040204" pitchFamily="34" charset="0"/>
+                  <a:ea typeface="+mn-ea"/>
+                  <a:cs typeface="+mn-cs"/>
+                </a:defRPr>
+              </a:lvl9pPr>
+            </a:lstStyle>
+            <a:p>
+              <a:endParaRPr lang="en-US"/>
+            </a:p>
+          </p:txBody>
+        </p:sp>
+        <p:sp>
+          <p:nvSpPr>
+            <p:cNvPr id="7" name="Line 6"/>
+            <p:cNvSpPr>
+              <a:spLocks noChangeShapeType="1"/>
+            </p:cNvSpPr>
+            <p:nvPr/>
+          </p:nvSpPr>
+          <p:spPr bwMode="auto">
+            <a:xfrm>
+              <a:off x="4651375" y="2644776"/>
+              <a:ext cx="1587" cy="0"/>
+            </a:xfrm>
+            <a:prstGeom prst="line">
+              <a:avLst/>
+            </a:prstGeom>
+            <a:noFill/>
+            <a:ln w="12700">
+              <a:solidFill>
+                <a:srgbClr val="CDCDCD"/>
+              </a:solidFill>
+              <a:round/>
+              <a:headEnd/>
+              <a:tailEnd/>
+            </a:ln>
+            <a:effectLst/>
+            <a:extLst>
+              <a:ext uri="{909E8E84-426E-40DD-AFC4-6F175D3DCCD1}">
+                <a14:hiddenFill xmlns:a14="http://schemas.microsoft.com/office/drawing/2010/main">
+                  <a:noFill/>
+                </a14:hiddenFill>
+              </a:ext>
+              <a:ext uri="{AF507438-7753-43E0-B8FC-AC1667EBCBE1}">
+                <a14:hiddenEffects xmlns:a14="http://schemas.microsoft.com/office/drawing/2010/main">
+                  <a:effectLst>
+                    <a:outerShdw dist="35921" dir="2700000" algn="ctr" rotWithShape="0">
+                      <a:schemeClr val="bg2"/>
+                    </a:outerShdw>
+                  </a:effectLst>
+                </a14:hiddenEffects>
+              </a:ext>
+            </a:extLst>
+          </p:spPr>
+          <p:txBody>
+            <a:bodyPr wrap="none" anchor="ctr"/>
+            <a:lstStyle>
+              <a:defPPr>
+                <a:defRPr lang="en-US"/>
+              </a:defPPr>
+              <a:lvl1pPr algn="l" rtl="0" eaLnBrk="0" fontAlgn="base" hangingPunct="0">
+                <a:spcBef>
+                  <a:spcPct val="0"/>
+                </a:spcBef>
+                <a:spcAft>
+                  <a:spcPct val="0"/>
+                </a:spcAft>
+                <a:defRPr kern="1200">
+                  <a:solidFill>
+                    <a:schemeClr val="tx1"/>
+                  </a:solidFill>
+                  <a:latin typeface="Tahoma" panose="020B0604030504040204" pitchFamily="34" charset="0"/>
+                  <a:ea typeface="+mn-ea"/>
+                  <a:cs typeface="+mn-cs"/>
+                </a:defRPr>
+              </a:lvl1pPr>
+              <a:lvl2pPr marL="457200" algn="l" rtl="0" eaLnBrk="0" fontAlgn="base" hangingPunct="0">
+                <a:spcBef>
+                  <a:spcPct val="0"/>
+                </a:spcBef>
+                <a:spcAft>
+                  <a:spcPct val="0"/>
+                </a:spcAft>
+                <a:defRPr kern="1200">
+                  <a:solidFill>
+                    <a:schemeClr val="tx1"/>
+                  </a:solidFill>
+                  <a:latin typeface="Tahoma" panose="020B0604030504040204" pitchFamily="34" charset="0"/>
+                  <a:ea typeface="+mn-ea"/>
+                  <a:cs typeface="+mn-cs"/>
+                </a:defRPr>
+              </a:lvl2pPr>
+              <a:lvl3pPr marL="914400" algn="l" rtl="0" eaLnBrk="0" fontAlgn="base" hangingPunct="0">
+                <a:spcBef>
+                  <a:spcPct val="0"/>
+                </a:spcBef>
+                <a:spcAft>
+                  <a:spcPct val="0"/>
+                </a:spcAft>
+                <a:defRPr kern="1200">
+                  <a:solidFill>
+                    <a:schemeClr val="tx1"/>
+                  </a:solidFill>
+                  <a:latin typeface="Tahoma" panose="020B0604030504040204" pitchFamily="34" charset="0"/>
+                  <a:ea typeface="+mn-ea"/>
+                  <a:cs typeface="+mn-cs"/>
+                </a:defRPr>
+              </a:lvl3pPr>
+              <a:lvl4pPr marL="1371600" algn="l" rtl="0" eaLnBrk="0" fontAlgn="base" hangingPunct="0">
+                <a:spcBef>
+                  <a:spcPct val="0"/>
+                </a:spcBef>
+                <a:spcAft>
+                  <a:spcPct val="0"/>
+                </a:spcAft>
+                <a:defRPr kern="1200">
+                  <a:solidFill>
+                    <a:schemeClr val="tx1"/>
+                  </a:solidFill>
+                  <a:latin typeface="Tahoma" panose="020B0604030504040204" pitchFamily="34" charset="0"/>
+                  <a:ea typeface="+mn-ea"/>
+                  <a:cs typeface="+mn-cs"/>
+                </a:defRPr>
+              </a:lvl4pPr>
+              <a:lvl5pPr marL="1828800" algn="l" rtl="0" eaLnBrk="0" fontAlgn="base" hangingPunct="0">
+                <a:spcBef>
+                  <a:spcPct val="0"/>
+                </a:spcBef>
+                <a:spcAft>
+                  <a:spcPct val="0"/>
+                </a:spcAft>
+                <a:defRPr kern="1200">
+                  <a:solidFill>
+                    <a:schemeClr val="tx1"/>
+                  </a:solidFill>
+                  <a:latin typeface="Tahoma" panose="020B0604030504040204" pitchFamily="34" charset="0"/>
+                  <a:ea typeface="+mn-ea"/>
+                  <a:cs typeface="+mn-cs"/>
+                </a:defRPr>
+              </a:lvl5pPr>
+              <a:lvl6pPr marL="2286000" algn="l" defTabSz="914400" rtl="0" eaLnBrk="1" latinLnBrk="0" hangingPunct="1">
+                <a:defRPr kern="1200">
+                  <a:solidFill>
+                    <a:schemeClr val="tx1"/>
+                  </a:solidFill>
+                  <a:latin typeface="Tahoma" panose="020B0604030504040204" pitchFamily="34" charset="0"/>
+                  <a:ea typeface="+mn-ea"/>
+                  <a:cs typeface="+mn-cs"/>
+                </a:defRPr>
+              </a:lvl6pPr>
+              <a:lvl7pPr marL="2743200" algn="l" defTabSz="914400" rtl="0" eaLnBrk="1" latinLnBrk="0" hangingPunct="1">
+                <a:defRPr kern="1200">
+                  <a:solidFill>
+                    <a:schemeClr val="tx1"/>
+                  </a:solidFill>
+                  <a:latin typeface="Tahoma" panose="020B0604030504040204" pitchFamily="34" charset="0"/>
+                  <a:ea typeface="+mn-ea"/>
+                  <a:cs typeface="+mn-cs"/>
+                </a:defRPr>
+              </a:lvl7pPr>
+              <a:lvl8pPr marL="3200400" algn="l" defTabSz="914400" rtl="0" eaLnBrk="1" latinLnBrk="0" hangingPunct="1">
+                <a:defRPr kern="1200">
+                  <a:solidFill>
+                    <a:schemeClr val="tx1"/>
+                  </a:solidFill>
+                  <a:latin typeface="Tahoma" panose="020B0604030504040204" pitchFamily="34" charset="0"/>
+                  <a:ea typeface="+mn-ea"/>
+                  <a:cs typeface="+mn-cs"/>
+                </a:defRPr>
+              </a:lvl8pPr>
+              <a:lvl9pPr marL="3657600" algn="l" defTabSz="914400" rtl="0" eaLnBrk="1" latinLnBrk="0" hangingPunct="1">
+                <a:defRPr kern="1200">
+                  <a:solidFill>
+                    <a:schemeClr val="tx1"/>
+                  </a:solidFill>
+                  <a:latin typeface="Tahoma" panose="020B0604030504040204" pitchFamily="34" charset="0"/>
+                  <a:ea typeface="+mn-ea"/>
+                  <a:cs typeface="+mn-cs"/>
+                </a:defRPr>
+              </a:lvl9pPr>
+            </a:lstStyle>
+            <a:p>
+              <a:endParaRPr lang="en-US"/>
+            </a:p>
+          </p:txBody>
+        </p:sp>
+        <p:sp>
+          <p:nvSpPr>
+            <p:cNvPr id="8" name="Line 7"/>
+            <p:cNvSpPr>
+              <a:spLocks noChangeShapeType="1"/>
+            </p:cNvSpPr>
+            <p:nvPr/>
+          </p:nvSpPr>
+          <p:spPr bwMode="auto">
+            <a:xfrm>
+              <a:off x="4651375" y="2765426"/>
+              <a:ext cx="1587" cy="0"/>
+            </a:xfrm>
+            <a:prstGeom prst="line">
+              <a:avLst/>
+            </a:prstGeom>
+            <a:noFill/>
+            <a:ln w="12700">
+              <a:solidFill>
+                <a:srgbClr val="CDCDCD"/>
+              </a:solidFill>
+              <a:round/>
+              <a:headEnd/>
+              <a:tailEnd/>
+            </a:ln>
+            <a:effectLst/>
+            <a:extLst>
+              <a:ext uri="{909E8E84-426E-40DD-AFC4-6F175D3DCCD1}">
+                <a14:hiddenFill xmlns:a14="http://schemas.microsoft.com/office/drawing/2010/main">
+                  <a:noFill/>
+                </a14:hiddenFill>
+              </a:ext>
+              <a:ext uri="{AF507438-7753-43E0-B8FC-AC1667EBCBE1}">
+                <a14:hiddenEffects xmlns:a14="http://schemas.microsoft.com/office/drawing/2010/main">
+                  <a:effectLst>
+                    <a:outerShdw dist="35921" dir="2700000" algn="ctr" rotWithShape="0">
+                      <a:schemeClr val="bg2"/>
+                    </a:outerShdw>
+                  </a:effectLst>
+                </a14:hiddenEffects>
+              </a:ext>
+            </a:extLst>
+          </p:spPr>
+          <p:txBody>
+            <a:bodyPr wrap="none" anchor="ctr"/>
+            <a:lstStyle>
+              <a:defPPr>
+                <a:defRPr lang="en-US"/>
+              </a:defPPr>
+              <a:lvl1pPr algn="l" rtl="0" eaLnBrk="0" fontAlgn="base" hangingPunct="0">
+                <a:spcBef>
+                  <a:spcPct val="0"/>
+                </a:spcBef>
+                <a:spcAft>
+                  <a:spcPct val="0"/>
+                </a:spcAft>
+                <a:defRPr kern="1200">
+                  <a:solidFill>
+                    <a:schemeClr val="tx1"/>
+                  </a:solidFill>
+                  <a:latin typeface="Tahoma" panose="020B0604030504040204" pitchFamily="34" charset="0"/>
+                  <a:ea typeface="+mn-ea"/>
+                  <a:cs typeface="+mn-cs"/>
+                </a:defRPr>
+              </a:lvl1pPr>
+              <a:lvl2pPr marL="457200" algn="l" rtl="0" eaLnBrk="0" fontAlgn="base" hangingPunct="0">
+                <a:spcBef>
+                  <a:spcPct val="0"/>
+                </a:spcBef>
+                <a:spcAft>
+                  <a:spcPct val="0"/>
+                </a:spcAft>
+                <a:defRPr kern="1200">
+                  <a:solidFill>
+                    <a:schemeClr val="tx1"/>
+                  </a:solidFill>
+                  <a:latin typeface="Tahoma" panose="020B0604030504040204" pitchFamily="34" charset="0"/>
+                  <a:ea typeface="+mn-ea"/>
+                  <a:cs typeface="+mn-cs"/>
+                </a:defRPr>
+              </a:lvl2pPr>
+              <a:lvl3pPr marL="914400" algn="l" rtl="0" eaLnBrk="0" fontAlgn="base" hangingPunct="0">
+                <a:spcBef>
+                  <a:spcPct val="0"/>
+                </a:spcBef>
+                <a:spcAft>
+                  <a:spcPct val="0"/>
+                </a:spcAft>
+                <a:defRPr kern="1200">
+                  <a:solidFill>
+                    <a:schemeClr val="tx1"/>
+                  </a:solidFill>
+                  <a:latin typeface="Tahoma" panose="020B0604030504040204" pitchFamily="34" charset="0"/>
+                  <a:ea typeface="+mn-ea"/>
+                  <a:cs typeface="+mn-cs"/>
+                </a:defRPr>
+              </a:lvl3pPr>
+              <a:lvl4pPr marL="1371600" algn="l" rtl="0" eaLnBrk="0" fontAlgn="base" hangingPunct="0">
+                <a:spcBef>
+                  <a:spcPct val="0"/>
+                </a:spcBef>
+                <a:spcAft>
+                  <a:spcPct val="0"/>
+                </a:spcAft>
+                <a:defRPr kern="1200">
+                  <a:solidFill>
+                    <a:schemeClr val="tx1"/>
+                  </a:solidFill>
+                  <a:latin typeface="Tahoma" panose="020B0604030504040204" pitchFamily="34" charset="0"/>
+                  <a:ea typeface="+mn-ea"/>
+                  <a:cs typeface="+mn-cs"/>
+                </a:defRPr>
+              </a:lvl4pPr>
+              <a:lvl5pPr marL="1828800" algn="l" rtl="0" eaLnBrk="0" fontAlgn="base" hangingPunct="0">
+                <a:spcBef>
+                  <a:spcPct val="0"/>
+                </a:spcBef>
+                <a:spcAft>
+                  <a:spcPct val="0"/>
+                </a:spcAft>
+                <a:defRPr kern="1200">
+                  <a:solidFill>
+                    <a:schemeClr val="tx1"/>
+                  </a:solidFill>
+                  <a:latin typeface="Tahoma" panose="020B0604030504040204" pitchFamily="34" charset="0"/>
+                  <a:ea typeface="+mn-ea"/>
+                  <a:cs typeface="+mn-cs"/>
+                </a:defRPr>
+              </a:lvl5pPr>
+              <a:lvl6pPr marL="2286000" algn="l" defTabSz="914400" rtl="0" eaLnBrk="1" latinLnBrk="0" hangingPunct="1">
+                <a:defRPr kern="1200">
+                  <a:solidFill>
+                    <a:schemeClr val="tx1"/>
+                  </a:solidFill>
+                  <a:latin typeface="Tahoma" panose="020B0604030504040204" pitchFamily="34" charset="0"/>
+                  <a:ea typeface="+mn-ea"/>
+                  <a:cs typeface="+mn-cs"/>
+                </a:defRPr>
+              </a:lvl6pPr>
+              <a:lvl7pPr marL="2743200" algn="l" defTabSz="914400" rtl="0" eaLnBrk="1" latinLnBrk="0" hangingPunct="1">
+                <a:defRPr kern="1200">
+                  <a:solidFill>
+                    <a:schemeClr val="tx1"/>
+                  </a:solidFill>
+                  <a:latin typeface="Tahoma" panose="020B0604030504040204" pitchFamily="34" charset="0"/>
+                  <a:ea typeface="+mn-ea"/>
+                  <a:cs typeface="+mn-cs"/>
+                </a:defRPr>
+              </a:lvl7pPr>
+              <a:lvl8pPr marL="3200400" algn="l" defTabSz="914400" rtl="0" eaLnBrk="1" latinLnBrk="0" hangingPunct="1">
+                <a:defRPr kern="1200">
+                  <a:solidFill>
+                    <a:schemeClr val="tx1"/>
+                  </a:solidFill>
+                  <a:latin typeface="Tahoma" panose="020B0604030504040204" pitchFamily="34" charset="0"/>
+                  <a:ea typeface="+mn-ea"/>
+                  <a:cs typeface="+mn-cs"/>
+                </a:defRPr>
+              </a:lvl8pPr>
+              <a:lvl9pPr marL="3657600" algn="l" defTabSz="914400" rtl="0" eaLnBrk="1" latinLnBrk="0" hangingPunct="1">
+                <a:defRPr kern="1200">
+                  <a:solidFill>
+                    <a:schemeClr val="tx1"/>
+                  </a:solidFill>
+                  <a:latin typeface="Tahoma" panose="020B0604030504040204" pitchFamily="34" charset="0"/>
+                  <a:ea typeface="+mn-ea"/>
+                  <a:cs typeface="+mn-cs"/>
+                </a:defRPr>
+              </a:lvl9pPr>
+            </a:lstStyle>
+            <a:p>
+              <a:endParaRPr lang="en-US"/>
+            </a:p>
+          </p:txBody>
+        </p:sp>
+        <p:sp>
+          <p:nvSpPr>
+            <p:cNvPr id="9" name="Line 8"/>
+            <p:cNvSpPr>
+              <a:spLocks noChangeShapeType="1"/>
+            </p:cNvSpPr>
+            <p:nvPr/>
+          </p:nvSpPr>
+          <p:spPr bwMode="auto">
+            <a:xfrm>
+              <a:off x="4651375" y="2887663"/>
+              <a:ext cx="1587" cy="0"/>
+            </a:xfrm>
+            <a:prstGeom prst="line">
+              <a:avLst/>
+            </a:prstGeom>
+            <a:noFill/>
+            <a:ln w="12700">
+              <a:solidFill>
+                <a:srgbClr val="CDCDCD"/>
+              </a:solidFill>
+              <a:round/>
+              <a:headEnd/>
+              <a:tailEnd/>
+            </a:ln>
+            <a:effectLst/>
+            <a:extLst>
+              <a:ext uri="{909E8E84-426E-40DD-AFC4-6F175D3DCCD1}">
+                <a14:hiddenFill xmlns:a14="http://schemas.microsoft.com/office/drawing/2010/main">
+                  <a:noFill/>
+                </a14:hiddenFill>
+              </a:ext>
+              <a:ext uri="{AF507438-7753-43E0-B8FC-AC1667EBCBE1}">
+                <a14:hiddenEffects xmlns:a14="http://schemas.microsoft.com/office/drawing/2010/main">
+                  <a:effectLst>
+                    <a:outerShdw dist="35921" dir="2700000" algn="ctr" rotWithShape="0">
+                      <a:schemeClr val="bg2"/>
+                    </a:outerShdw>
+                  </a:effectLst>
+                </a14:hiddenEffects>
+              </a:ext>
+            </a:extLst>
+          </p:spPr>
+          <p:txBody>
+            <a:bodyPr wrap="none" anchor="ctr"/>
+            <a:lstStyle>
+              <a:defPPr>
+                <a:defRPr lang="en-US"/>
+              </a:defPPr>
+              <a:lvl1pPr algn="l" rtl="0" eaLnBrk="0" fontAlgn="base" hangingPunct="0">
+                <a:spcBef>
+                  <a:spcPct val="0"/>
+                </a:spcBef>
+                <a:spcAft>
+                  <a:spcPct val="0"/>
+                </a:spcAft>
+                <a:defRPr kern="1200">
+                  <a:solidFill>
+                    <a:schemeClr val="tx1"/>
+                  </a:solidFill>
+                  <a:latin typeface="Tahoma" panose="020B0604030504040204" pitchFamily="34" charset="0"/>
+                  <a:ea typeface="+mn-ea"/>
+                  <a:cs typeface="+mn-cs"/>
+                </a:defRPr>
+              </a:lvl1pPr>
+              <a:lvl2pPr marL="457200" algn="l" rtl="0" eaLnBrk="0" fontAlgn="base" hangingPunct="0">
+                <a:spcBef>
+                  <a:spcPct val="0"/>
+                </a:spcBef>
+                <a:spcAft>
+                  <a:spcPct val="0"/>
+                </a:spcAft>
+                <a:defRPr kern="1200">
+                  <a:solidFill>
+                    <a:schemeClr val="tx1"/>
+                  </a:solidFill>
+                  <a:latin typeface="Tahoma" panose="020B0604030504040204" pitchFamily="34" charset="0"/>
+                  <a:ea typeface="+mn-ea"/>
+                  <a:cs typeface="+mn-cs"/>
+                </a:defRPr>
+              </a:lvl2pPr>
+              <a:lvl3pPr marL="914400" algn="l" rtl="0" eaLnBrk="0" fontAlgn="base" hangingPunct="0">
+                <a:spcBef>
+                  <a:spcPct val="0"/>
+                </a:spcBef>
+                <a:spcAft>
+                  <a:spcPct val="0"/>
+                </a:spcAft>
+                <a:defRPr kern="1200">
+                  <a:solidFill>
+                    <a:schemeClr val="tx1"/>
+                  </a:solidFill>
+                  <a:latin typeface="Tahoma" panose="020B0604030504040204" pitchFamily="34" charset="0"/>
+                  <a:ea typeface="+mn-ea"/>
+                  <a:cs typeface="+mn-cs"/>
+                </a:defRPr>
+              </a:lvl3pPr>
+              <a:lvl4pPr marL="1371600" algn="l" rtl="0" eaLnBrk="0" fontAlgn="base" hangingPunct="0">
+                <a:spcBef>
+                  <a:spcPct val="0"/>
+                </a:spcBef>
+                <a:spcAft>
+                  <a:spcPct val="0"/>
+                </a:spcAft>
+                <a:defRPr kern="1200">
+                  <a:solidFill>
+                    <a:schemeClr val="tx1"/>
+                  </a:solidFill>
+                  <a:latin typeface="Tahoma" panose="020B0604030504040204" pitchFamily="34" charset="0"/>
+                  <a:ea typeface="+mn-ea"/>
+                  <a:cs typeface="+mn-cs"/>
+                </a:defRPr>
+              </a:lvl4pPr>
+              <a:lvl5pPr marL="1828800" algn="l" rtl="0" eaLnBrk="0" fontAlgn="base" hangingPunct="0">
+                <a:spcBef>
+                  <a:spcPct val="0"/>
+                </a:spcBef>
+                <a:spcAft>
+                  <a:spcPct val="0"/>
+                </a:spcAft>
+                <a:defRPr kern="1200">
+                  <a:solidFill>
+                    <a:schemeClr val="tx1"/>
+                  </a:solidFill>
+                  <a:latin typeface="Tahoma" panose="020B0604030504040204" pitchFamily="34" charset="0"/>
+                  <a:ea typeface="+mn-ea"/>
+                  <a:cs typeface="+mn-cs"/>
+                </a:defRPr>
+              </a:lvl5pPr>
+              <a:lvl6pPr marL="2286000" algn="l" defTabSz="914400" rtl="0" eaLnBrk="1" latinLnBrk="0" hangingPunct="1">
+                <a:defRPr kern="1200">
+                  <a:solidFill>
+                    <a:schemeClr val="tx1"/>
+                  </a:solidFill>
+                  <a:latin typeface="Tahoma" panose="020B0604030504040204" pitchFamily="34" charset="0"/>
+                  <a:ea typeface="+mn-ea"/>
+                  <a:cs typeface="+mn-cs"/>
+                </a:defRPr>
+              </a:lvl6pPr>
+              <a:lvl7pPr marL="2743200" algn="l" defTabSz="914400" rtl="0" eaLnBrk="1" latinLnBrk="0" hangingPunct="1">
+                <a:defRPr kern="1200">
+                  <a:solidFill>
+                    <a:schemeClr val="tx1"/>
+                  </a:solidFill>
+                  <a:latin typeface="Tahoma" panose="020B0604030504040204" pitchFamily="34" charset="0"/>
+                  <a:ea typeface="+mn-ea"/>
+                  <a:cs typeface="+mn-cs"/>
+                </a:defRPr>
+              </a:lvl7pPr>
+              <a:lvl8pPr marL="3200400" algn="l" defTabSz="914400" rtl="0" eaLnBrk="1" latinLnBrk="0" hangingPunct="1">
+                <a:defRPr kern="1200">
+                  <a:solidFill>
+                    <a:schemeClr val="tx1"/>
+                  </a:solidFill>
+                  <a:latin typeface="Tahoma" panose="020B0604030504040204" pitchFamily="34" charset="0"/>
+                  <a:ea typeface="+mn-ea"/>
+                  <a:cs typeface="+mn-cs"/>
+                </a:defRPr>
+              </a:lvl8pPr>
+              <a:lvl9pPr marL="3657600" algn="l" defTabSz="914400" rtl="0" eaLnBrk="1" latinLnBrk="0" hangingPunct="1">
+                <a:defRPr kern="1200">
+                  <a:solidFill>
+                    <a:schemeClr val="tx1"/>
+                  </a:solidFill>
+                  <a:latin typeface="Tahoma" panose="020B0604030504040204" pitchFamily="34" charset="0"/>
+                  <a:ea typeface="+mn-ea"/>
+                  <a:cs typeface="+mn-cs"/>
+                </a:defRPr>
+              </a:lvl9pPr>
+            </a:lstStyle>
+            <a:p>
+              <a:endParaRPr lang="en-US"/>
+            </a:p>
+          </p:txBody>
+        </p:sp>
+        <p:sp>
+          <p:nvSpPr>
+            <p:cNvPr id="10" name="Line 9"/>
+            <p:cNvSpPr>
+              <a:spLocks noChangeShapeType="1"/>
+            </p:cNvSpPr>
+            <p:nvPr/>
+          </p:nvSpPr>
+          <p:spPr bwMode="auto">
+            <a:xfrm>
+              <a:off x="4651375" y="3008313"/>
+              <a:ext cx="1587" cy="0"/>
+            </a:xfrm>
+            <a:prstGeom prst="line">
+              <a:avLst/>
+            </a:prstGeom>
+            <a:noFill/>
+            <a:ln w="12700">
+              <a:solidFill>
+                <a:srgbClr val="CDCDCD"/>
+              </a:solidFill>
+              <a:round/>
+              <a:headEnd/>
+              <a:tailEnd/>
+            </a:ln>
+            <a:effectLst/>
+            <a:extLst>
+              <a:ext uri="{909E8E84-426E-40DD-AFC4-6F175D3DCCD1}">
+                <a14:hiddenFill xmlns:a14="http://schemas.microsoft.com/office/drawing/2010/main">
+                  <a:noFill/>
+                </a14:hiddenFill>
+              </a:ext>
+              <a:ext uri="{AF507438-7753-43E0-B8FC-AC1667EBCBE1}">
+                <a14:hiddenEffects xmlns:a14="http://schemas.microsoft.com/office/drawing/2010/main">
+                  <a:effectLst>
+                    <a:outerShdw dist="35921" dir="2700000" algn="ctr" rotWithShape="0">
+                      <a:schemeClr val="bg2"/>
+                    </a:outerShdw>
+                  </a:effectLst>
+                </a14:hiddenEffects>
+              </a:ext>
+            </a:extLst>
+          </p:spPr>
+          <p:txBody>
+            <a:bodyPr wrap="none" anchor="ctr"/>
+            <a:lstStyle>
+              <a:defPPr>
+                <a:defRPr lang="en-US"/>
+              </a:defPPr>
+              <a:lvl1pPr algn="l" rtl="0" eaLnBrk="0" fontAlgn="base" hangingPunct="0">
+                <a:spcBef>
+                  <a:spcPct val="0"/>
+                </a:spcBef>
+                <a:spcAft>
+                  <a:spcPct val="0"/>
+                </a:spcAft>
+                <a:defRPr kern="1200">
+                  <a:solidFill>
+                    <a:schemeClr val="tx1"/>
+                  </a:solidFill>
+                  <a:latin typeface="Tahoma" panose="020B0604030504040204" pitchFamily="34" charset="0"/>
+                  <a:ea typeface="+mn-ea"/>
+                  <a:cs typeface="+mn-cs"/>
+                </a:defRPr>
+              </a:lvl1pPr>
+              <a:lvl2pPr marL="457200" algn="l" rtl="0" eaLnBrk="0" fontAlgn="base" hangingPunct="0">
+                <a:spcBef>
+                  <a:spcPct val="0"/>
+                </a:spcBef>
+                <a:spcAft>
+                  <a:spcPct val="0"/>
+                </a:spcAft>
+                <a:defRPr kern="1200">
+                  <a:solidFill>
+                    <a:schemeClr val="tx1"/>
+                  </a:solidFill>
+                  <a:latin typeface="Tahoma" panose="020B0604030504040204" pitchFamily="34" charset="0"/>
+                  <a:ea typeface="+mn-ea"/>
+                  <a:cs typeface="+mn-cs"/>
+                </a:defRPr>
+              </a:lvl2pPr>
+              <a:lvl3pPr marL="914400" algn="l" rtl="0" eaLnBrk="0" fontAlgn="base" hangingPunct="0">
+                <a:spcBef>
+                  <a:spcPct val="0"/>
+                </a:spcBef>
+                <a:spcAft>
+                  <a:spcPct val="0"/>
+                </a:spcAft>
+                <a:defRPr kern="1200">
+                  <a:solidFill>
+                    <a:schemeClr val="tx1"/>
+                  </a:solidFill>
+                  <a:latin typeface="Tahoma" panose="020B0604030504040204" pitchFamily="34" charset="0"/>
+                  <a:ea typeface="+mn-ea"/>
+                  <a:cs typeface="+mn-cs"/>
+                </a:defRPr>
+              </a:lvl3pPr>
+              <a:lvl4pPr marL="1371600" algn="l" rtl="0" eaLnBrk="0" fontAlgn="base" hangingPunct="0">
+                <a:spcBef>
+                  <a:spcPct val="0"/>
+                </a:spcBef>
+                <a:spcAft>
+                  <a:spcPct val="0"/>
+                </a:spcAft>
+                <a:defRPr kern="1200">
+                  <a:solidFill>
+                    <a:schemeClr val="tx1"/>
+                  </a:solidFill>
+                  <a:latin typeface="Tahoma" panose="020B0604030504040204" pitchFamily="34" charset="0"/>
+                  <a:ea typeface="+mn-ea"/>
+                  <a:cs typeface="+mn-cs"/>
+                </a:defRPr>
+              </a:lvl4pPr>
+              <a:lvl5pPr marL="1828800" algn="l" rtl="0" eaLnBrk="0" fontAlgn="base" hangingPunct="0">
+                <a:spcBef>
+                  <a:spcPct val="0"/>
+                </a:spcBef>
+                <a:spcAft>
+                  <a:spcPct val="0"/>
+                </a:spcAft>
+                <a:defRPr kern="1200">
+                  <a:solidFill>
+                    <a:schemeClr val="tx1"/>
+                  </a:solidFill>
+                  <a:latin typeface="Tahoma" panose="020B0604030504040204" pitchFamily="34" charset="0"/>
+                  <a:ea typeface="+mn-ea"/>
+                  <a:cs typeface="+mn-cs"/>
+                </a:defRPr>
+              </a:lvl5pPr>
+              <a:lvl6pPr marL="2286000" algn="l" defTabSz="914400" rtl="0" eaLnBrk="1" latinLnBrk="0" hangingPunct="1">
+                <a:defRPr kern="1200">
+                  <a:solidFill>
+                    <a:schemeClr val="tx1"/>
+                  </a:solidFill>
+                  <a:latin typeface="Tahoma" panose="020B0604030504040204" pitchFamily="34" charset="0"/>
+                  <a:ea typeface="+mn-ea"/>
+                  <a:cs typeface="+mn-cs"/>
+                </a:defRPr>
+              </a:lvl6pPr>
+              <a:lvl7pPr marL="2743200" algn="l" defTabSz="914400" rtl="0" eaLnBrk="1" latinLnBrk="0" hangingPunct="1">
+                <a:defRPr kern="1200">
+                  <a:solidFill>
+                    <a:schemeClr val="tx1"/>
+                  </a:solidFill>
+                  <a:latin typeface="Tahoma" panose="020B0604030504040204" pitchFamily="34" charset="0"/>
+                  <a:ea typeface="+mn-ea"/>
+                  <a:cs typeface="+mn-cs"/>
+                </a:defRPr>
+              </a:lvl7pPr>
+              <a:lvl8pPr marL="3200400" algn="l" defTabSz="914400" rtl="0" eaLnBrk="1" latinLnBrk="0" hangingPunct="1">
+                <a:defRPr kern="1200">
+                  <a:solidFill>
+                    <a:schemeClr val="tx1"/>
+                  </a:solidFill>
+                  <a:latin typeface="Tahoma" panose="020B0604030504040204" pitchFamily="34" charset="0"/>
+                  <a:ea typeface="+mn-ea"/>
+                  <a:cs typeface="+mn-cs"/>
+                </a:defRPr>
+              </a:lvl8pPr>
+              <a:lvl9pPr marL="3657600" algn="l" defTabSz="914400" rtl="0" eaLnBrk="1" latinLnBrk="0" hangingPunct="1">
+                <a:defRPr kern="1200">
+                  <a:solidFill>
+                    <a:schemeClr val="tx1"/>
+                  </a:solidFill>
+                  <a:latin typeface="Tahoma" panose="020B0604030504040204" pitchFamily="34" charset="0"/>
+                  <a:ea typeface="+mn-ea"/>
+                  <a:cs typeface="+mn-cs"/>
+                </a:defRPr>
+              </a:lvl9pPr>
+            </a:lstStyle>
+            <a:p>
+              <a:endParaRPr lang="en-US"/>
+            </a:p>
+          </p:txBody>
+        </p:sp>
+        <p:sp>
+          <p:nvSpPr>
+            <p:cNvPr id="11" name="Line 10"/>
+            <p:cNvSpPr>
+              <a:spLocks noChangeShapeType="1"/>
+            </p:cNvSpPr>
+            <p:nvPr/>
+          </p:nvSpPr>
+          <p:spPr bwMode="auto">
+            <a:xfrm>
+              <a:off x="4651375" y="3130551"/>
+              <a:ext cx="1587" cy="0"/>
+            </a:xfrm>
+            <a:prstGeom prst="line">
+              <a:avLst/>
+            </a:prstGeom>
+            <a:noFill/>
+            <a:ln w="12700">
+              <a:solidFill>
+                <a:srgbClr val="CDCDCD"/>
+              </a:solidFill>
+              <a:round/>
+              <a:headEnd/>
+              <a:tailEnd/>
+            </a:ln>
+            <a:effectLst/>
+            <a:extLst>
+              <a:ext uri="{909E8E84-426E-40DD-AFC4-6F175D3DCCD1}">
+                <a14:hiddenFill xmlns:a14="http://schemas.microsoft.com/office/drawing/2010/main">
+                  <a:noFill/>
+                </a14:hiddenFill>
+              </a:ext>
+              <a:ext uri="{AF507438-7753-43E0-B8FC-AC1667EBCBE1}">
+                <a14:hiddenEffects xmlns:a14="http://schemas.microsoft.com/office/drawing/2010/main">
+                  <a:effectLst>
+                    <a:outerShdw dist="35921" dir="2700000" algn="ctr" rotWithShape="0">
+                      <a:schemeClr val="bg2"/>
+                    </a:outerShdw>
+                  </a:effectLst>
+                </a14:hiddenEffects>
+              </a:ext>
+            </a:extLst>
+          </p:spPr>
+          <p:txBody>
+            <a:bodyPr wrap="none" anchor="ctr"/>
+            <a:lstStyle>
+              <a:defPPr>
+                <a:defRPr lang="en-US"/>
+              </a:defPPr>
+              <a:lvl1pPr algn="l" rtl="0" eaLnBrk="0" fontAlgn="base" hangingPunct="0">
+                <a:spcBef>
+                  <a:spcPct val="0"/>
+                </a:spcBef>
+                <a:spcAft>
+                  <a:spcPct val="0"/>
+                </a:spcAft>
+                <a:defRPr kern="1200">
+                  <a:solidFill>
+                    <a:schemeClr val="tx1"/>
+                  </a:solidFill>
+                  <a:latin typeface="Tahoma" panose="020B0604030504040204" pitchFamily="34" charset="0"/>
+                  <a:ea typeface="+mn-ea"/>
+                  <a:cs typeface="+mn-cs"/>
+                </a:defRPr>
+              </a:lvl1pPr>
+              <a:lvl2pPr marL="457200" algn="l" rtl="0" eaLnBrk="0" fontAlgn="base" hangingPunct="0">
+                <a:spcBef>
+                  <a:spcPct val="0"/>
+                </a:spcBef>
+                <a:spcAft>
+                  <a:spcPct val="0"/>
+                </a:spcAft>
+                <a:defRPr kern="1200">
+                  <a:solidFill>
+                    <a:schemeClr val="tx1"/>
+                  </a:solidFill>
+                  <a:latin typeface="Tahoma" panose="020B0604030504040204" pitchFamily="34" charset="0"/>
+                  <a:ea typeface="+mn-ea"/>
+                  <a:cs typeface="+mn-cs"/>
+                </a:defRPr>
+              </a:lvl2pPr>
+              <a:lvl3pPr marL="914400" algn="l" rtl="0" eaLnBrk="0" fontAlgn="base" hangingPunct="0">
+                <a:spcBef>
+                  <a:spcPct val="0"/>
+                </a:spcBef>
+                <a:spcAft>
+                  <a:spcPct val="0"/>
+                </a:spcAft>
+                <a:defRPr kern="1200">
+                  <a:solidFill>
+                    <a:schemeClr val="tx1"/>
+                  </a:solidFill>
+                  <a:latin typeface="Tahoma" panose="020B0604030504040204" pitchFamily="34" charset="0"/>
+                  <a:ea typeface="+mn-ea"/>
+                  <a:cs typeface="+mn-cs"/>
+                </a:defRPr>
+              </a:lvl3pPr>
+              <a:lvl4pPr marL="1371600" algn="l" rtl="0" eaLnBrk="0" fontAlgn="base" hangingPunct="0">
+                <a:spcBef>
+                  <a:spcPct val="0"/>
+                </a:spcBef>
+                <a:spcAft>
+                  <a:spcPct val="0"/>
+                </a:spcAft>
+                <a:defRPr kern="1200">
+                  <a:solidFill>
+                    <a:schemeClr val="tx1"/>
+                  </a:solidFill>
+                  <a:latin typeface="Tahoma" panose="020B0604030504040204" pitchFamily="34" charset="0"/>
+                  <a:ea typeface="+mn-ea"/>
+                  <a:cs typeface="+mn-cs"/>
+                </a:defRPr>
+              </a:lvl4pPr>
+              <a:lvl5pPr marL="1828800" algn="l" rtl="0" eaLnBrk="0" fontAlgn="base" hangingPunct="0">
+                <a:spcBef>
+                  <a:spcPct val="0"/>
+                </a:spcBef>
+                <a:spcAft>
+                  <a:spcPct val="0"/>
+                </a:spcAft>
+                <a:defRPr kern="1200">
+                  <a:solidFill>
+                    <a:schemeClr val="tx1"/>
+                  </a:solidFill>
+                  <a:latin typeface="Tahoma" panose="020B0604030504040204" pitchFamily="34" charset="0"/>
+                  <a:ea typeface="+mn-ea"/>
+                  <a:cs typeface="+mn-cs"/>
+                </a:defRPr>
+              </a:lvl5pPr>
+              <a:lvl6pPr marL="2286000" algn="l" defTabSz="914400" rtl="0" eaLnBrk="1" latinLnBrk="0" hangingPunct="1">
+                <a:defRPr kern="1200">
+                  <a:solidFill>
+                    <a:schemeClr val="tx1"/>
+                  </a:solidFill>
+                  <a:latin typeface="Tahoma" panose="020B0604030504040204" pitchFamily="34" charset="0"/>
+                  <a:ea typeface="+mn-ea"/>
+                  <a:cs typeface="+mn-cs"/>
+                </a:defRPr>
+              </a:lvl6pPr>
+              <a:lvl7pPr marL="2743200" algn="l" defTabSz="914400" rtl="0" eaLnBrk="1" latinLnBrk="0" hangingPunct="1">
+                <a:defRPr kern="1200">
+                  <a:solidFill>
+                    <a:schemeClr val="tx1"/>
+                  </a:solidFill>
+                  <a:latin typeface="Tahoma" panose="020B0604030504040204" pitchFamily="34" charset="0"/>
+                  <a:ea typeface="+mn-ea"/>
+                  <a:cs typeface="+mn-cs"/>
+                </a:defRPr>
+              </a:lvl7pPr>
+              <a:lvl8pPr marL="3200400" algn="l" defTabSz="914400" rtl="0" eaLnBrk="1" latinLnBrk="0" hangingPunct="1">
+                <a:defRPr kern="1200">
+                  <a:solidFill>
+                    <a:schemeClr val="tx1"/>
+                  </a:solidFill>
+                  <a:latin typeface="Tahoma" panose="020B0604030504040204" pitchFamily="34" charset="0"/>
+                  <a:ea typeface="+mn-ea"/>
+                  <a:cs typeface="+mn-cs"/>
+                </a:defRPr>
+              </a:lvl8pPr>
+              <a:lvl9pPr marL="3657600" algn="l" defTabSz="914400" rtl="0" eaLnBrk="1" latinLnBrk="0" hangingPunct="1">
+                <a:defRPr kern="1200">
+                  <a:solidFill>
+                    <a:schemeClr val="tx1"/>
+                  </a:solidFill>
+                  <a:latin typeface="Tahoma" panose="020B0604030504040204" pitchFamily="34" charset="0"/>
+                  <a:ea typeface="+mn-ea"/>
+                  <a:cs typeface="+mn-cs"/>
+                </a:defRPr>
+              </a:lvl9pPr>
+            </a:lstStyle>
+            <a:p>
+              <a:endParaRPr lang="en-US"/>
+            </a:p>
+          </p:txBody>
+        </p:sp>
+        <p:sp>
+          <p:nvSpPr>
+            <p:cNvPr id="12" name="Line 11"/>
+            <p:cNvSpPr>
+              <a:spLocks noChangeShapeType="1"/>
+            </p:cNvSpPr>
+            <p:nvPr/>
+          </p:nvSpPr>
+          <p:spPr bwMode="auto">
+            <a:xfrm>
+              <a:off x="4651375" y="3251201"/>
+              <a:ext cx="1587" cy="0"/>
+            </a:xfrm>
+            <a:prstGeom prst="line">
+              <a:avLst/>
+            </a:prstGeom>
+            <a:noFill/>
+            <a:ln w="12700">
+              <a:solidFill>
+                <a:srgbClr val="CDCDCD"/>
+              </a:solidFill>
+              <a:round/>
+              <a:headEnd/>
+              <a:tailEnd/>
+            </a:ln>
+            <a:effectLst/>
+            <a:extLst>
+              <a:ext uri="{909E8E84-426E-40DD-AFC4-6F175D3DCCD1}">
+                <a14:hiddenFill xmlns:a14="http://schemas.microsoft.com/office/drawing/2010/main">
+                  <a:noFill/>
+                </a14:hiddenFill>
+              </a:ext>
+              <a:ext uri="{AF507438-7753-43E0-B8FC-AC1667EBCBE1}">
+                <a14:hiddenEffects xmlns:a14="http://schemas.microsoft.com/office/drawing/2010/main">
+                  <a:effectLst>
+                    <a:outerShdw dist="35921" dir="2700000" algn="ctr" rotWithShape="0">
+                      <a:schemeClr val="bg2"/>
+                    </a:outerShdw>
+                  </a:effectLst>
+                </a14:hiddenEffects>
+              </a:ext>
+            </a:extLst>
+          </p:spPr>
+          <p:txBody>
+            <a:bodyPr wrap="none" anchor="ctr"/>
+            <a:lstStyle>
+              <a:defPPr>
+                <a:defRPr lang="en-US"/>
+              </a:defPPr>
+              <a:lvl1pPr algn="l" rtl="0" eaLnBrk="0" fontAlgn="base" hangingPunct="0">
+                <a:spcBef>
+                  <a:spcPct val="0"/>
+                </a:spcBef>
+                <a:spcAft>
+                  <a:spcPct val="0"/>
+                </a:spcAft>
+                <a:defRPr kern="1200">
+                  <a:solidFill>
+                    <a:schemeClr val="tx1"/>
+                  </a:solidFill>
+                  <a:latin typeface="Tahoma" panose="020B0604030504040204" pitchFamily="34" charset="0"/>
+                  <a:ea typeface="+mn-ea"/>
+                  <a:cs typeface="+mn-cs"/>
+                </a:defRPr>
+              </a:lvl1pPr>
+              <a:lvl2pPr marL="457200" algn="l" rtl="0" eaLnBrk="0" fontAlgn="base" hangingPunct="0">
+                <a:spcBef>
+                  <a:spcPct val="0"/>
+                </a:spcBef>
+                <a:spcAft>
+                  <a:spcPct val="0"/>
+                </a:spcAft>
+                <a:defRPr kern="1200">
+                  <a:solidFill>
+                    <a:schemeClr val="tx1"/>
+                  </a:solidFill>
+                  <a:latin typeface="Tahoma" panose="020B0604030504040204" pitchFamily="34" charset="0"/>
+                  <a:ea typeface="+mn-ea"/>
+                  <a:cs typeface="+mn-cs"/>
+                </a:defRPr>
+              </a:lvl2pPr>
+              <a:lvl3pPr marL="914400" algn="l" rtl="0" eaLnBrk="0" fontAlgn="base" hangingPunct="0">
+                <a:spcBef>
+                  <a:spcPct val="0"/>
+                </a:spcBef>
+                <a:spcAft>
+                  <a:spcPct val="0"/>
+                </a:spcAft>
+                <a:defRPr kern="1200">
+                  <a:solidFill>
+                    <a:schemeClr val="tx1"/>
+                  </a:solidFill>
+                  <a:latin typeface="Tahoma" panose="020B0604030504040204" pitchFamily="34" charset="0"/>
+                  <a:ea typeface="+mn-ea"/>
+                  <a:cs typeface="+mn-cs"/>
+                </a:defRPr>
+              </a:lvl3pPr>
+              <a:lvl4pPr marL="1371600" algn="l" rtl="0" eaLnBrk="0" fontAlgn="base" hangingPunct="0">
+                <a:spcBef>
+                  <a:spcPct val="0"/>
+                </a:spcBef>
+                <a:spcAft>
+                  <a:spcPct val="0"/>
+                </a:spcAft>
+                <a:defRPr kern="1200">
+                  <a:solidFill>
+                    <a:schemeClr val="tx1"/>
+                  </a:solidFill>
+                  <a:latin typeface="Tahoma" panose="020B0604030504040204" pitchFamily="34" charset="0"/>
+                  <a:ea typeface="+mn-ea"/>
+                  <a:cs typeface="+mn-cs"/>
+                </a:defRPr>
+              </a:lvl4pPr>
+              <a:lvl5pPr marL="1828800" algn="l" rtl="0" eaLnBrk="0" fontAlgn="base" hangingPunct="0">
+                <a:spcBef>
+                  <a:spcPct val="0"/>
+                </a:spcBef>
+                <a:spcAft>
+                  <a:spcPct val="0"/>
+                </a:spcAft>
+                <a:defRPr kern="1200">
+                  <a:solidFill>
+                    <a:schemeClr val="tx1"/>
+                  </a:solidFill>
+                  <a:latin typeface="Tahoma" panose="020B0604030504040204" pitchFamily="34" charset="0"/>
+                  <a:ea typeface="+mn-ea"/>
+                  <a:cs typeface="+mn-cs"/>
+                </a:defRPr>
+              </a:lvl5pPr>
+              <a:lvl6pPr marL="2286000" algn="l" defTabSz="914400" rtl="0" eaLnBrk="1" latinLnBrk="0" hangingPunct="1">
+                <a:defRPr kern="1200">
+                  <a:solidFill>
+                    <a:schemeClr val="tx1"/>
+                  </a:solidFill>
+                  <a:latin typeface="Tahoma" panose="020B0604030504040204" pitchFamily="34" charset="0"/>
+                  <a:ea typeface="+mn-ea"/>
+                  <a:cs typeface="+mn-cs"/>
+                </a:defRPr>
+              </a:lvl6pPr>
+              <a:lvl7pPr marL="2743200" algn="l" defTabSz="914400" rtl="0" eaLnBrk="1" latinLnBrk="0" hangingPunct="1">
+                <a:defRPr kern="1200">
+                  <a:solidFill>
+                    <a:schemeClr val="tx1"/>
+                  </a:solidFill>
+                  <a:latin typeface="Tahoma" panose="020B0604030504040204" pitchFamily="34" charset="0"/>
+                  <a:ea typeface="+mn-ea"/>
+                  <a:cs typeface="+mn-cs"/>
+                </a:defRPr>
+              </a:lvl7pPr>
+              <a:lvl8pPr marL="3200400" algn="l" defTabSz="914400" rtl="0" eaLnBrk="1" latinLnBrk="0" hangingPunct="1">
+                <a:defRPr kern="1200">
+                  <a:solidFill>
+                    <a:schemeClr val="tx1"/>
+                  </a:solidFill>
+                  <a:latin typeface="Tahoma" panose="020B0604030504040204" pitchFamily="34" charset="0"/>
+                  <a:ea typeface="+mn-ea"/>
+                  <a:cs typeface="+mn-cs"/>
+                </a:defRPr>
+              </a:lvl8pPr>
+              <a:lvl9pPr marL="3657600" algn="l" defTabSz="914400" rtl="0" eaLnBrk="1" latinLnBrk="0" hangingPunct="1">
+                <a:defRPr kern="1200">
+                  <a:solidFill>
+                    <a:schemeClr val="tx1"/>
+                  </a:solidFill>
+                  <a:latin typeface="Tahoma" panose="020B0604030504040204" pitchFamily="34" charset="0"/>
+                  <a:ea typeface="+mn-ea"/>
+                  <a:cs typeface="+mn-cs"/>
+                </a:defRPr>
+              </a:lvl9pPr>
+            </a:lstStyle>
+            <a:p>
+              <a:endParaRPr lang="en-US"/>
+            </a:p>
+          </p:txBody>
+        </p:sp>
+        <p:sp>
+          <p:nvSpPr>
+            <p:cNvPr id="13" name="Line 12"/>
+            <p:cNvSpPr>
+              <a:spLocks noChangeShapeType="1"/>
+            </p:cNvSpPr>
+            <p:nvPr/>
+          </p:nvSpPr>
+          <p:spPr bwMode="auto">
+            <a:xfrm>
+              <a:off x="4651375" y="3373438"/>
+              <a:ext cx="1587" cy="0"/>
+            </a:xfrm>
+            <a:prstGeom prst="line">
+              <a:avLst/>
+            </a:prstGeom>
+            <a:noFill/>
+            <a:ln w="12700">
+              <a:solidFill>
+                <a:srgbClr val="CDCDCD"/>
+              </a:solidFill>
+              <a:round/>
+              <a:headEnd/>
+              <a:tailEnd/>
+            </a:ln>
+            <a:effectLst/>
+            <a:extLst>
+              <a:ext uri="{909E8E84-426E-40DD-AFC4-6F175D3DCCD1}">
+                <a14:hiddenFill xmlns:a14="http://schemas.microsoft.com/office/drawing/2010/main">
+                  <a:noFill/>
+                </a14:hiddenFill>
+              </a:ext>
+              <a:ext uri="{AF507438-7753-43E0-B8FC-AC1667EBCBE1}">
+                <a14:hiddenEffects xmlns:a14="http://schemas.microsoft.com/office/drawing/2010/main">
+                  <a:effectLst>
+                    <a:outerShdw dist="35921" dir="2700000" algn="ctr" rotWithShape="0">
+                      <a:schemeClr val="bg2"/>
+                    </a:outerShdw>
+                  </a:effectLst>
+                </a14:hiddenEffects>
+              </a:ext>
+            </a:extLst>
+          </p:spPr>
+          <p:txBody>
+            <a:bodyPr wrap="none" anchor="ctr"/>
+            <a:lstStyle>
+              <a:defPPr>
+                <a:defRPr lang="en-US"/>
+              </a:defPPr>
+              <a:lvl1pPr algn="l" rtl="0" eaLnBrk="0" fontAlgn="base" hangingPunct="0">
+                <a:spcBef>
+                  <a:spcPct val="0"/>
+                </a:spcBef>
+                <a:spcAft>
+                  <a:spcPct val="0"/>
+                </a:spcAft>
+                <a:defRPr kern="1200">
+                  <a:solidFill>
+                    <a:schemeClr val="tx1"/>
+                  </a:solidFill>
+                  <a:latin typeface="Tahoma" panose="020B0604030504040204" pitchFamily="34" charset="0"/>
+                  <a:ea typeface="+mn-ea"/>
+                  <a:cs typeface="+mn-cs"/>
+                </a:defRPr>
+              </a:lvl1pPr>
+              <a:lvl2pPr marL="457200" algn="l" rtl="0" eaLnBrk="0" fontAlgn="base" hangingPunct="0">
+                <a:spcBef>
+                  <a:spcPct val="0"/>
+                </a:spcBef>
+                <a:spcAft>
+                  <a:spcPct val="0"/>
+                </a:spcAft>
+                <a:defRPr kern="1200">
+                  <a:solidFill>
+                    <a:schemeClr val="tx1"/>
+                  </a:solidFill>
+                  <a:latin typeface="Tahoma" panose="020B0604030504040204" pitchFamily="34" charset="0"/>
+                  <a:ea typeface="+mn-ea"/>
+                  <a:cs typeface="+mn-cs"/>
+                </a:defRPr>
+              </a:lvl2pPr>
+              <a:lvl3pPr marL="914400" algn="l" rtl="0" eaLnBrk="0" fontAlgn="base" hangingPunct="0">
+                <a:spcBef>
+                  <a:spcPct val="0"/>
+                </a:spcBef>
+                <a:spcAft>
+                  <a:spcPct val="0"/>
+                </a:spcAft>
+                <a:defRPr kern="1200">
+                  <a:solidFill>
+                    <a:schemeClr val="tx1"/>
+                  </a:solidFill>
+                  <a:latin typeface="Tahoma" panose="020B0604030504040204" pitchFamily="34" charset="0"/>
+                  <a:ea typeface="+mn-ea"/>
+                  <a:cs typeface="+mn-cs"/>
+                </a:defRPr>
+              </a:lvl3pPr>
+              <a:lvl4pPr marL="1371600" algn="l" rtl="0" eaLnBrk="0" fontAlgn="base" hangingPunct="0">
+                <a:spcBef>
+                  <a:spcPct val="0"/>
+                </a:spcBef>
+                <a:spcAft>
+                  <a:spcPct val="0"/>
+                </a:spcAft>
+                <a:defRPr kern="1200">
+                  <a:solidFill>
+                    <a:schemeClr val="tx1"/>
+                  </a:solidFill>
+                  <a:latin typeface="Tahoma" panose="020B0604030504040204" pitchFamily="34" charset="0"/>
+                  <a:ea typeface="+mn-ea"/>
+                  <a:cs typeface="+mn-cs"/>
+                </a:defRPr>
+              </a:lvl4pPr>
+              <a:lvl5pPr marL="1828800" algn="l" rtl="0" eaLnBrk="0" fontAlgn="base" hangingPunct="0">
+                <a:spcBef>
+                  <a:spcPct val="0"/>
+                </a:spcBef>
+                <a:spcAft>
+                  <a:spcPct val="0"/>
+                </a:spcAft>
+                <a:defRPr kern="1200">
+                  <a:solidFill>
+                    <a:schemeClr val="tx1"/>
+                  </a:solidFill>
+                  <a:latin typeface="Tahoma" panose="020B0604030504040204" pitchFamily="34" charset="0"/>
+                  <a:ea typeface="+mn-ea"/>
+                  <a:cs typeface="+mn-cs"/>
+                </a:defRPr>
+              </a:lvl5pPr>
+              <a:lvl6pPr marL="2286000" algn="l" defTabSz="914400" rtl="0" eaLnBrk="1" latinLnBrk="0" hangingPunct="1">
+                <a:defRPr kern="1200">
+                  <a:solidFill>
+                    <a:schemeClr val="tx1"/>
+                  </a:solidFill>
+                  <a:latin typeface="Tahoma" panose="020B0604030504040204" pitchFamily="34" charset="0"/>
+                  <a:ea typeface="+mn-ea"/>
+                  <a:cs typeface="+mn-cs"/>
+                </a:defRPr>
+              </a:lvl6pPr>
+              <a:lvl7pPr marL="2743200" algn="l" defTabSz="914400" rtl="0" eaLnBrk="1" latinLnBrk="0" hangingPunct="1">
+                <a:defRPr kern="1200">
+                  <a:solidFill>
+                    <a:schemeClr val="tx1"/>
+                  </a:solidFill>
+                  <a:latin typeface="Tahoma" panose="020B0604030504040204" pitchFamily="34" charset="0"/>
+                  <a:ea typeface="+mn-ea"/>
+                  <a:cs typeface="+mn-cs"/>
+                </a:defRPr>
+              </a:lvl7pPr>
+              <a:lvl8pPr marL="3200400" algn="l" defTabSz="914400" rtl="0" eaLnBrk="1" latinLnBrk="0" hangingPunct="1">
+                <a:defRPr kern="1200">
+                  <a:solidFill>
+                    <a:schemeClr val="tx1"/>
+                  </a:solidFill>
+                  <a:latin typeface="Tahoma" panose="020B0604030504040204" pitchFamily="34" charset="0"/>
+                  <a:ea typeface="+mn-ea"/>
+                  <a:cs typeface="+mn-cs"/>
+                </a:defRPr>
+              </a:lvl8pPr>
+              <a:lvl9pPr marL="3657600" algn="l" defTabSz="914400" rtl="0" eaLnBrk="1" latinLnBrk="0" hangingPunct="1">
+                <a:defRPr kern="1200">
+                  <a:solidFill>
+                    <a:schemeClr val="tx1"/>
+                  </a:solidFill>
+                  <a:latin typeface="Tahoma" panose="020B0604030504040204" pitchFamily="34" charset="0"/>
+                  <a:ea typeface="+mn-ea"/>
+                  <a:cs typeface="+mn-cs"/>
+                </a:defRPr>
+              </a:lvl9pPr>
+            </a:lstStyle>
+            <a:p>
+              <a:endParaRPr lang="en-US"/>
+            </a:p>
+          </p:txBody>
+        </p:sp>
+        <p:sp>
+          <p:nvSpPr>
+            <p:cNvPr id="14" name="Line 13"/>
+            <p:cNvSpPr>
+              <a:spLocks noChangeShapeType="1"/>
+            </p:cNvSpPr>
+            <p:nvPr/>
+          </p:nvSpPr>
+          <p:spPr bwMode="auto">
+            <a:xfrm>
+              <a:off x="4651375" y="3494088"/>
+              <a:ext cx="1587" cy="0"/>
+            </a:xfrm>
+            <a:prstGeom prst="line">
+              <a:avLst/>
+            </a:prstGeom>
+            <a:noFill/>
+            <a:ln w="12700">
+              <a:solidFill>
+                <a:srgbClr val="CDCDCD"/>
+              </a:solidFill>
+              <a:round/>
+              <a:headEnd/>
+              <a:tailEnd/>
+            </a:ln>
+            <a:effectLst/>
+            <a:extLst>
+              <a:ext uri="{909E8E84-426E-40DD-AFC4-6F175D3DCCD1}">
+                <a14:hiddenFill xmlns:a14="http://schemas.microsoft.com/office/drawing/2010/main">
+                  <a:noFill/>
+                </a14:hiddenFill>
+              </a:ext>
+              <a:ext uri="{AF507438-7753-43E0-B8FC-AC1667EBCBE1}">
+                <a14:hiddenEffects xmlns:a14="http://schemas.microsoft.com/office/drawing/2010/main">
+                  <a:effectLst>
+                    <a:outerShdw dist="35921" dir="2700000" algn="ctr" rotWithShape="0">
+                      <a:schemeClr val="bg2"/>
+                    </a:outerShdw>
+                  </a:effectLst>
+                </a14:hiddenEffects>
+              </a:ext>
+            </a:extLst>
+          </p:spPr>
+          <p:txBody>
+            <a:bodyPr wrap="none" anchor="ctr"/>
+            <a:lstStyle>
+              <a:defPPr>
+                <a:defRPr lang="en-US"/>
+              </a:defPPr>
+              <a:lvl1pPr algn="l" rtl="0" eaLnBrk="0" fontAlgn="base" hangingPunct="0">
+                <a:spcBef>
+                  <a:spcPct val="0"/>
+                </a:spcBef>
+                <a:spcAft>
+                  <a:spcPct val="0"/>
+                </a:spcAft>
+                <a:defRPr kern="1200">
+                  <a:solidFill>
+                    <a:schemeClr val="tx1"/>
+                  </a:solidFill>
+                  <a:latin typeface="Tahoma" panose="020B0604030504040204" pitchFamily="34" charset="0"/>
+                  <a:ea typeface="+mn-ea"/>
+                  <a:cs typeface="+mn-cs"/>
+                </a:defRPr>
+              </a:lvl1pPr>
+              <a:lvl2pPr marL="457200" algn="l" rtl="0" eaLnBrk="0" fontAlgn="base" hangingPunct="0">
+                <a:spcBef>
+                  <a:spcPct val="0"/>
+                </a:spcBef>
+                <a:spcAft>
+                  <a:spcPct val="0"/>
+                </a:spcAft>
+                <a:defRPr kern="1200">
+                  <a:solidFill>
+                    <a:schemeClr val="tx1"/>
+                  </a:solidFill>
+                  <a:latin typeface="Tahoma" panose="020B0604030504040204" pitchFamily="34" charset="0"/>
+                  <a:ea typeface="+mn-ea"/>
+                  <a:cs typeface="+mn-cs"/>
+                </a:defRPr>
+              </a:lvl2pPr>
+              <a:lvl3pPr marL="914400" algn="l" rtl="0" eaLnBrk="0" fontAlgn="base" hangingPunct="0">
+                <a:spcBef>
+                  <a:spcPct val="0"/>
+                </a:spcBef>
+                <a:spcAft>
+                  <a:spcPct val="0"/>
+                </a:spcAft>
+                <a:defRPr kern="1200">
+                  <a:solidFill>
+                    <a:schemeClr val="tx1"/>
+                  </a:solidFill>
+                  <a:latin typeface="Tahoma" panose="020B0604030504040204" pitchFamily="34" charset="0"/>
+                  <a:ea typeface="+mn-ea"/>
+                  <a:cs typeface="+mn-cs"/>
+                </a:defRPr>
+              </a:lvl3pPr>
+              <a:lvl4pPr marL="1371600" algn="l" rtl="0" eaLnBrk="0" fontAlgn="base" hangingPunct="0">
+                <a:spcBef>
+                  <a:spcPct val="0"/>
+                </a:spcBef>
+                <a:spcAft>
+                  <a:spcPct val="0"/>
+                </a:spcAft>
+                <a:defRPr kern="1200">
+                  <a:solidFill>
+                    <a:schemeClr val="tx1"/>
+                  </a:solidFill>
+                  <a:latin typeface="Tahoma" panose="020B0604030504040204" pitchFamily="34" charset="0"/>
+                  <a:ea typeface="+mn-ea"/>
+                  <a:cs typeface="+mn-cs"/>
+                </a:defRPr>
+              </a:lvl4pPr>
+              <a:lvl5pPr marL="1828800" algn="l" rtl="0" eaLnBrk="0" fontAlgn="base" hangingPunct="0">
+                <a:spcBef>
+                  <a:spcPct val="0"/>
+                </a:spcBef>
+                <a:spcAft>
+                  <a:spcPct val="0"/>
+                </a:spcAft>
+                <a:defRPr kern="1200">
+                  <a:solidFill>
+                    <a:schemeClr val="tx1"/>
+                  </a:solidFill>
+                  <a:latin typeface="Tahoma" panose="020B0604030504040204" pitchFamily="34" charset="0"/>
+                  <a:ea typeface="+mn-ea"/>
+                  <a:cs typeface="+mn-cs"/>
+                </a:defRPr>
+              </a:lvl5pPr>
+              <a:lvl6pPr marL="2286000" algn="l" defTabSz="914400" rtl="0" eaLnBrk="1" latinLnBrk="0" hangingPunct="1">
+                <a:defRPr kern="1200">
+                  <a:solidFill>
+                    <a:schemeClr val="tx1"/>
+                  </a:solidFill>
+                  <a:latin typeface="Tahoma" panose="020B0604030504040204" pitchFamily="34" charset="0"/>
+                  <a:ea typeface="+mn-ea"/>
+                  <a:cs typeface="+mn-cs"/>
+                </a:defRPr>
+              </a:lvl6pPr>
+              <a:lvl7pPr marL="2743200" algn="l" defTabSz="914400" rtl="0" eaLnBrk="1" latinLnBrk="0" hangingPunct="1">
+                <a:defRPr kern="1200">
+                  <a:solidFill>
+                    <a:schemeClr val="tx1"/>
+                  </a:solidFill>
+                  <a:latin typeface="Tahoma" panose="020B0604030504040204" pitchFamily="34" charset="0"/>
+                  <a:ea typeface="+mn-ea"/>
+                  <a:cs typeface="+mn-cs"/>
+                </a:defRPr>
+              </a:lvl7pPr>
+              <a:lvl8pPr marL="3200400" algn="l" defTabSz="914400" rtl="0" eaLnBrk="1" latinLnBrk="0" hangingPunct="1">
+                <a:defRPr kern="1200">
+                  <a:solidFill>
+                    <a:schemeClr val="tx1"/>
+                  </a:solidFill>
+                  <a:latin typeface="Tahoma" panose="020B0604030504040204" pitchFamily="34" charset="0"/>
+                  <a:ea typeface="+mn-ea"/>
+                  <a:cs typeface="+mn-cs"/>
+                </a:defRPr>
+              </a:lvl8pPr>
+              <a:lvl9pPr marL="3657600" algn="l" defTabSz="914400" rtl="0" eaLnBrk="1" latinLnBrk="0" hangingPunct="1">
+                <a:defRPr kern="1200">
+                  <a:solidFill>
+                    <a:schemeClr val="tx1"/>
+                  </a:solidFill>
+                  <a:latin typeface="Tahoma" panose="020B0604030504040204" pitchFamily="34" charset="0"/>
+                  <a:ea typeface="+mn-ea"/>
+                  <a:cs typeface="+mn-cs"/>
+                </a:defRPr>
+              </a:lvl9pPr>
+            </a:lstStyle>
+            <a:p>
+              <a:endParaRPr lang="en-US"/>
+            </a:p>
+          </p:txBody>
+        </p:sp>
+        <p:sp>
+          <p:nvSpPr>
+            <p:cNvPr id="15" name="Line 14"/>
+            <p:cNvSpPr>
+              <a:spLocks noChangeShapeType="1"/>
+            </p:cNvSpPr>
+            <p:nvPr/>
+          </p:nvSpPr>
+          <p:spPr bwMode="auto">
+            <a:xfrm>
+              <a:off x="4651375" y="3614738"/>
+              <a:ext cx="1587" cy="0"/>
+            </a:xfrm>
+            <a:prstGeom prst="line">
+              <a:avLst/>
+            </a:prstGeom>
+            <a:noFill/>
+            <a:ln w="12700">
+              <a:solidFill>
+                <a:srgbClr val="CDCDCD"/>
+              </a:solidFill>
+              <a:round/>
+              <a:headEnd/>
+              <a:tailEnd/>
+            </a:ln>
+            <a:effectLst/>
+            <a:extLst>
+              <a:ext uri="{909E8E84-426E-40DD-AFC4-6F175D3DCCD1}">
+                <a14:hiddenFill xmlns:a14="http://schemas.microsoft.com/office/drawing/2010/main">
+                  <a:noFill/>
+                </a14:hiddenFill>
+              </a:ext>
+              <a:ext uri="{AF507438-7753-43E0-B8FC-AC1667EBCBE1}">
+                <a14:hiddenEffects xmlns:a14="http://schemas.microsoft.com/office/drawing/2010/main">
+                  <a:effectLst>
+                    <a:outerShdw dist="35921" dir="2700000" algn="ctr" rotWithShape="0">
+                      <a:schemeClr val="bg2"/>
+                    </a:outerShdw>
+                  </a:effectLst>
+                </a14:hiddenEffects>
+              </a:ext>
+            </a:extLst>
+          </p:spPr>
+          <p:txBody>
+            <a:bodyPr wrap="none" anchor="ctr"/>
+            <a:lstStyle>
+              <a:defPPr>
+                <a:defRPr lang="en-US"/>
+              </a:defPPr>
+              <a:lvl1pPr algn="l" rtl="0" eaLnBrk="0" fontAlgn="base" hangingPunct="0">
+                <a:spcBef>
+                  <a:spcPct val="0"/>
+                </a:spcBef>
+                <a:spcAft>
+                  <a:spcPct val="0"/>
+                </a:spcAft>
+                <a:defRPr kern="1200">
+                  <a:solidFill>
+                    <a:schemeClr val="tx1"/>
+                  </a:solidFill>
+                  <a:latin typeface="Tahoma" panose="020B0604030504040204" pitchFamily="34" charset="0"/>
+                  <a:ea typeface="+mn-ea"/>
+                  <a:cs typeface="+mn-cs"/>
+                </a:defRPr>
+              </a:lvl1pPr>
+              <a:lvl2pPr marL="457200" algn="l" rtl="0" eaLnBrk="0" fontAlgn="base" hangingPunct="0">
+                <a:spcBef>
+                  <a:spcPct val="0"/>
+                </a:spcBef>
+                <a:spcAft>
+                  <a:spcPct val="0"/>
+                </a:spcAft>
+                <a:defRPr kern="1200">
+                  <a:solidFill>
+                    <a:schemeClr val="tx1"/>
+                  </a:solidFill>
+                  <a:latin typeface="Tahoma" panose="020B0604030504040204" pitchFamily="34" charset="0"/>
+                  <a:ea typeface="+mn-ea"/>
+                  <a:cs typeface="+mn-cs"/>
+                </a:defRPr>
+              </a:lvl2pPr>
+              <a:lvl3pPr marL="914400" algn="l" rtl="0" eaLnBrk="0" fontAlgn="base" hangingPunct="0">
+                <a:spcBef>
+                  <a:spcPct val="0"/>
+                </a:spcBef>
+                <a:spcAft>
+                  <a:spcPct val="0"/>
+                </a:spcAft>
+                <a:defRPr kern="1200">
+                  <a:solidFill>
+                    <a:schemeClr val="tx1"/>
+                  </a:solidFill>
+                  <a:latin typeface="Tahoma" panose="020B0604030504040204" pitchFamily="34" charset="0"/>
+                  <a:ea typeface="+mn-ea"/>
+                  <a:cs typeface="+mn-cs"/>
+                </a:defRPr>
+              </a:lvl3pPr>
+              <a:lvl4pPr marL="1371600" algn="l" rtl="0" eaLnBrk="0" fontAlgn="base" hangingPunct="0">
+                <a:spcBef>
+                  <a:spcPct val="0"/>
+                </a:spcBef>
+                <a:spcAft>
+                  <a:spcPct val="0"/>
+                </a:spcAft>
+                <a:defRPr kern="1200">
+                  <a:solidFill>
+                    <a:schemeClr val="tx1"/>
+                  </a:solidFill>
+                  <a:latin typeface="Tahoma" panose="020B0604030504040204" pitchFamily="34" charset="0"/>
+                  <a:ea typeface="+mn-ea"/>
+                  <a:cs typeface="+mn-cs"/>
+                </a:defRPr>
+              </a:lvl4pPr>
+              <a:lvl5pPr marL="1828800" algn="l" rtl="0" eaLnBrk="0" fontAlgn="base" hangingPunct="0">
+                <a:spcBef>
+                  <a:spcPct val="0"/>
+                </a:spcBef>
+                <a:spcAft>
+                  <a:spcPct val="0"/>
+                </a:spcAft>
+                <a:defRPr kern="1200">
+                  <a:solidFill>
+                    <a:schemeClr val="tx1"/>
+                  </a:solidFill>
+                  <a:latin typeface="Tahoma" panose="020B0604030504040204" pitchFamily="34" charset="0"/>
+                  <a:ea typeface="+mn-ea"/>
+                  <a:cs typeface="+mn-cs"/>
+                </a:defRPr>
+              </a:lvl5pPr>
+              <a:lvl6pPr marL="2286000" algn="l" defTabSz="914400" rtl="0" eaLnBrk="1" latinLnBrk="0" hangingPunct="1">
+                <a:defRPr kern="1200">
+                  <a:solidFill>
+                    <a:schemeClr val="tx1"/>
+                  </a:solidFill>
+                  <a:latin typeface="Tahoma" panose="020B0604030504040204" pitchFamily="34" charset="0"/>
+                  <a:ea typeface="+mn-ea"/>
+                  <a:cs typeface="+mn-cs"/>
+                </a:defRPr>
+              </a:lvl6pPr>
+              <a:lvl7pPr marL="2743200" algn="l" defTabSz="914400" rtl="0" eaLnBrk="1" latinLnBrk="0" hangingPunct="1">
+                <a:defRPr kern="1200">
+                  <a:solidFill>
+                    <a:schemeClr val="tx1"/>
+                  </a:solidFill>
+                  <a:latin typeface="Tahoma" panose="020B0604030504040204" pitchFamily="34" charset="0"/>
+                  <a:ea typeface="+mn-ea"/>
+                  <a:cs typeface="+mn-cs"/>
+                </a:defRPr>
+              </a:lvl7pPr>
+              <a:lvl8pPr marL="3200400" algn="l" defTabSz="914400" rtl="0" eaLnBrk="1" latinLnBrk="0" hangingPunct="1">
+                <a:defRPr kern="1200">
+                  <a:solidFill>
+                    <a:schemeClr val="tx1"/>
+                  </a:solidFill>
+                  <a:latin typeface="Tahoma" panose="020B0604030504040204" pitchFamily="34" charset="0"/>
+                  <a:ea typeface="+mn-ea"/>
+                  <a:cs typeface="+mn-cs"/>
+                </a:defRPr>
+              </a:lvl8pPr>
+              <a:lvl9pPr marL="3657600" algn="l" defTabSz="914400" rtl="0" eaLnBrk="1" latinLnBrk="0" hangingPunct="1">
+                <a:defRPr kern="1200">
+                  <a:solidFill>
+                    <a:schemeClr val="tx1"/>
+                  </a:solidFill>
+                  <a:latin typeface="Tahoma" panose="020B0604030504040204" pitchFamily="34" charset="0"/>
+                  <a:ea typeface="+mn-ea"/>
+                  <a:cs typeface="+mn-cs"/>
+                </a:defRPr>
+              </a:lvl9pPr>
+            </a:lstStyle>
+            <a:p>
+              <a:endParaRPr lang="en-US"/>
+            </a:p>
+          </p:txBody>
+        </p:sp>
+        <p:sp>
+          <p:nvSpPr>
+            <p:cNvPr id="16" name="Line 15"/>
+            <p:cNvSpPr>
+              <a:spLocks noChangeShapeType="1"/>
+            </p:cNvSpPr>
+            <p:nvPr/>
+          </p:nvSpPr>
+          <p:spPr bwMode="auto">
+            <a:xfrm>
+              <a:off x="7669212" y="3743326"/>
+              <a:ext cx="0" cy="1587"/>
+            </a:xfrm>
+            <a:prstGeom prst="line">
+              <a:avLst/>
+            </a:prstGeom>
+            <a:noFill/>
+            <a:ln w="12700">
+              <a:solidFill>
+                <a:srgbClr val="CDCDCD"/>
+              </a:solidFill>
+              <a:round/>
+              <a:headEnd/>
+              <a:tailEnd/>
+            </a:ln>
+            <a:effectLst/>
+            <a:extLst>
+              <a:ext uri="{909E8E84-426E-40DD-AFC4-6F175D3DCCD1}">
+                <a14:hiddenFill xmlns:a14="http://schemas.microsoft.com/office/drawing/2010/main">
+                  <a:noFill/>
+                </a14:hiddenFill>
+              </a:ext>
+              <a:ext uri="{AF507438-7753-43E0-B8FC-AC1667EBCBE1}">
+                <a14:hiddenEffects xmlns:a14="http://schemas.microsoft.com/office/drawing/2010/main">
+                  <a:effectLst>
+                    <a:outerShdw dist="35921" dir="2700000" algn="ctr" rotWithShape="0">
+                      <a:schemeClr val="bg2"/>
+                    </a:outerShdw>
+                  </a:effectLst>
+                </a14:hiddenEffects>
+              </a:ext>
+            </a:extLst>
+          </p:spPr>
+          <p:txBody>
+            <a:bodyPr wrap="none" anchor="ctr"/>
+            <a:lstStyle>
+              <a:defPPr>
+                <a:defRPr lang="en-US"/>
+              </a:defPPr>
+              <a:lvl1pPr algn="l" rtl="0" eaLnBrk="0" fontAlgn="base" hangingPunct="0">
+                <a:spcBef>
+                  <a:spcPct val="0"/>
+                </a:spcBef>
+                <a:spcAft>
+                  <a:spcPct val="0"/>
+                </a:spcAft>
+                <a:defRPr kern="1200">
+                  <a:solidFill>
+                    <a:schemeClr val="tx1"/>
+                  </a:solidFill>
+                  <a:latin typeface="Tahoma" panose="020B0604030504040204" pitchFamily="34" charset="0"/>
+                  <a:ea typeface="+mn-ea"/>
+                  <a:cs typeface="+mn-cs"/>
+                </a:defRPr>
+              </a:lvl1pPr>
+              <a:lvl2pPr marL="457200" algn="l" rtl="0" eaLnBrk="0" fontAlgn="base" hangingPunct="0">
+                <a:spcBef>
+                  <a:spcPct val="0"/>
+                </a:spcBef>
+                <a:spcAft>
+                  <a:spcPct val="0"/>
+                </a:spcAft>
+                <a:defRPr kern="1200">
+                  <a:solidFill>
+                    <a:schemeClr val="tx1"/>
+                  </a:solidFill>
+                  <a:latin typeface="Tahoma" panose="020B0604030504040204" pitchFamily="34" charset="0"/>
+                  <a:ea typeface="+mn-ea"/>
+                  <a:cs typeface="+mn-cs"/>
+                </a:defRPr>
+              </a:lvl2pPr>
+              <a:lvl3pPr marL="914400" algn="l" rtl="0" eaLnBrk="0" fontAlgn="base" hangingPunct="0">
+                <a:spcBef>
+                  <a:spcPct val="0"/>
+                </a:spcBef>
+                <a:spcAft>
+                  <a:spcPct val="0"/>
+                </a:spcAft>
+                <a:defRPr kern="1200">
+                  <a:solidFill>
+                    <a:schemeClr val="tx1"/>
+                  </a:solidFill>
+                  <a:latin typeface="Tahoma" panose="020B0604030504040204" pitchFamily="34" charset="0"/>
+                  <a:ea typeface="+mn-ea"/>
+                  <a:cs typeface="+mn-cs"/>
+                </a:defRPr>
+              </a:lvl3pPr>
+              <a:lvl4pPr marL="1371600" algn="l" rtl="0" eaLnBrk="0" fontAlgn="base" hangingPunct="0">
+                <a:spcBef>
+                  <a:spcPct val="0"/>
+                </a:spcBef>
+                <a:spcAft>
+                  <a:spcPct val="0"/>
+                </a:spcAft>
+                <a:defRPr kern="1200">
+                  <a:solidFill>
+                    <a:schemeClr val="tx1"/>
+                  </a:solidFill>
+                  <a:latin typeface="Tahoma" panose="020B0604030504040204" pitchFamily="34" charset="0"/>
+                  <a:ea typeface="+mn-ea"/>
+                  <a:cs typeface="+mn-cs"/>
+                </a:defRPr>
+              </a:lvl4pPr>
+              <a:lvl5pPr marL="1828800" algn="l" rtl="0" eaLnBrk="0" fontAlgn="base" hangingPunct="0">
+                <a:spcBef>
+                  <a:spcPct val="0"/>
+                </a:spcBef>
+                <a:spcAft>
+                  <a:spcPct val="0"/>
+                </a:spcAft>
+                <a:defRPr kern="1200">
+                  <a:solidFill>
+                    <a:schemeClr val="tx1"/>
+                  </a:solidFill>
+                  <a:latin typeface="Tahoma" panose="020B0604030504040204" pitchFamily="34" charset="0"/>
+                  <a:ea typeface="+mn-ea"/>
+                  <a:cs typeface="+mn-cs"/>
+                </a:defRPr>
+              </a:lvl5pPr>
+              <a:lvl6pPr marL="2286000" algn="l" defTabSz="914400" rtl="0" eaLnBrk="1" latinLnBrk="0" hangingPunct="1">
+                <a:defRPr kern="1200">
+                  <a:solidFill>
+                    <a:schemeClr val="tx1"/>
+                  </a:solidFill>
+                  <a:latin typeface="Tahoma" panose="020B0604030504040204" pitchFamily="34" charset="0"/>
+                  <a:ea typeface="+mn-ea"/>
+                  <a:cs typeface="+mn-cs"/>
+                </a:defRPr>
+              </a:lvl6pPr>
+              <a:lvl7pPr marL="2743200" algn="l" defTabSz="914400" rtl="0" eaLnBrk="1" latinLnBrk="0" hangingPunct="1">
+                <a:defRPr kern="1200">
+                  <a:solidFill>
+                    <a:schemeClr val="tx1"/>
+                  </a:solidFill>
+                  <a:latin typeface="Tahoma" panose="020B0604030504040204" pitchFamily="34" charset="0"/>
+                  <a:ea typeface="+mn-ea"/>
+                  <a:cs typeface="+mn-cs"/>
+                </a:defRPr>
+              </a:lvl7pPr>
+              <a:lvl8pPr marL="3200400" algn="l" defTabSz="914400" rtl="0" eaLnBrk="1" latinLnBrk="0" hangingPunct="1">
+                <a:defRPr kern="1200">
+                  <a:solidFill>
+                    <a:schemeClr val="tx1"/>
+                  </a:solidFill>
+                  <a:latin typeface="Tahoma" panose="020B0604030504040204" pitchFamily="34" charset="0"/>
+                  <a:ea typeface="+mn-ea"/>
+                  <a:cs typeface="+mn-cs"/>
+                </a:defRPr>
+              </a:lvl8pPr>
+              <a:lvl9pPr marL="3657600" algn="l" defTabSz="914400" rtl="0" eaLnBrk="1" latinLnBrk="0" hangingPunct="1">
+                <a:defRPr kern="1200">
+                  <a:solidFill>
+                    <a:schemeClr val="tx1"/>
+                  </a:solidFill>
+                  <a:latin typeface="Tahoma" panose="020B0604030504040204" pitchFamily="34" charset="0"/>
+                  <a:ea typeface="+mn-ea"/>
+                  <a:cs typeface="+mn-cs"/>
+                </a:defRPr>
+              </a:lvl9pPr>
+            </a:lstStyle>
+            <a:p>
+              <a:endParaRPr lang="en-US"/>
+            </a:p>
+          </p:txBody>
+        </p:sp>
+        <p:sp>
+          <p:nvSpPr>
+            <p:cNvPr id="17" name="Line 16"/>
+            <p:cNvSpPr>
+              <a:spLocks noChangeShapeType="1"/>
+            </p:cNvSpPr>
+            <p:nvPr/>
+          </p:nvSpPr>
+          <p:spPr bwMode="auto">
+            <a:xfrm>
+              <a:off x="7369175" y="3743326"/>
+              <a:ext cx="0" cy="1587"/>
+            </a:xfrm>
+            <a:prstGeom prst="line">
+              <a:avLst/>
+            </a:prstGeom>
+            <a:noFill/>
+            <a:ln w="12700">
+              <a:solidFill>
+                <a:srgbClr val="CDCDCD"/>
+              </a:solidFill>
+              <a:round/>
+              <a:headEnd/>
+              <a:tailEnd/>
+            </a:ln>
+            <a:effectLst/>
+            <a:extLst>
+              <a:ext uri="{909E8E84-426E-40DD-AFC4-6F175D3DCCD1}">
+                <a14:hiddenFill xmlns:a14="http://schemas.microsoft.com/office/drawing/2010/main">
+                  <a:noFill/>
+                </a14:hiddenFill>
+              </a:ext>
+              <a:ext uri="{AF507438-7753-43E0-B8FC-AC1667EBCBE1}">
+                <a14:hiddenEffects xmlns:a14="http://schemas.microsoft.com/office/drawing/2010/main">
+                  <a:effectLst>
+                    <a:outerShdw dist="35921" dir="2700000" algn="ctr" rotWithShape="0">
+                      <a:schemeClr val="bg2"/>
+                    </a:outerShdw>
+                  </a:effectLst>
+                </a14:hiddenEffects>
+              </a:ext>
+            </a:extLst>
+          </p:spPr>
+          <p:txBody>
+            <a:bodyPr wrap="none" anchor="ctr"/>
+            <a:lstStyle>
+              <a:defPPr>
+                <a:defRPr lang="en-US"/>
+              </a:defPPr>
+              <a:lvl1pPr algn="l" rtl="0" eaLnBrk="0" fontAlgn="base" hangingPunct="0">
+                <a:spcBef>
+                  <a:spcPct val="0"/>
+                </a:spcBef>
+                <a:spcAft>
+                  <a:spcPct val="0"/>
+                </a:spcAft>
+                <a:defRPr kern="1200">
+                  <a:solidFill>
+                    <a:schemeClr val="tx1"/>
+                  </a:solidFill>
+                  <a:latin typeface="Tahoma" panose="020B0604030504040204" pitchFamily="34" charset="0"/>
+                  <a:ea typeface="+mn-ea"/>
+                  <a:cs typeface="+mn-cs"/>
+                </a:defRPr>
+              </a:lvl1pPr>
+              <a:lvl2pPr marL="457200" algn="l" rtl="0" eaLnBrk="0" fontAlgn="base" hangingPunct="0">
+                <a:spcBef>
+                  <a:spcPct val="0"/>
+                </a:spcBef>
+                <a:spcAft>
+                  <a:spcPct val="0"/>
+                </a:spcAft>
+                <a:defRPr kern="1200">
+                  <a:solidFill>
+                    <a:schemeClr val="tx1"/>
+                  </a:solidFill>
+                  <a:latin typeface="Tahoma" panose="020B0604030504040204" pitchFamily="34" charset="0"/>
+                  <a:ea typeface="+mn-ea"/>
+                  <a:cs typeface="+mn-cs"/>
+                </a:defRPr>
+              </a:lvl2pPr>
+              <a:lvl3pPr marL="914400" algn="l" rtl="0" eaLnBrk="0" fontAlgn="base" hangingPunct="0">
+                <a:spcBef>
+                  <a:spcPct val="0"/>
+                </a:spcBef>
+                <a:spcAft>
+                  <a:spcPct val="0"/>
+                </a:spcAft>
+                <a:defRPr kern="1200">
+                  <a:solidFill>
+                    <a:schemeClr val="tx1"/>
+                  </a:solidFill>
+                  <a:latin typeface="Tahoma" panose="020B0604030504040204" pitchFamily="34" charset="0"/>
+                  <a:ea typeface="+mn-ea"/>
+                  <a:cs typeface="+mn-cs"/>
+                </a:defRPr>
+              </a:lvl3pPr>
+              <a:lvl4pPr marL="1371600" algn="l" rtl="0" eaLnBrk="0" fontAlgn="base" hangingPunct="0">
+                <a:spcBef>
+                  <a:spcPct val="0"/>
+                </a:spcBef>
+                <a:spcAft>
+                  <a:spcPct val="0"/>
+                </a:spcAft>
+                <a:defRPr kern="1200">
+                  <a:solidFill>
+                    <a:schemeClr val="tx1"/>
+                  </a:solidFill>
+                  <a:latin typeface="Tahoma" panose="020B0604030504040204" pitchFamily="34" charset="0"/>
+                  <a:ea typeface="+mn-ea"/>
+                  <a:cs typeface="+mn-cs"/>
+                </a:defRPr>
+              </a:lvl4pPr>
+              <a:lvl5pPr marL="1828800" algn="l" rtl="0" eaLnBrk="0" fontAlgn="base" hangingPunct="0">
+                <a:spcBef>
+                  <a:spcPct val="0"/>
+                </a:spcBef>
+                <a:spcAft>
+                  <a:spcPct val="0"/>
+                </a:spcAft>
+                <a:defRPr kern="1200">
+                  <a:solidFill>
+                    <a:schemeClr val="tx1"/>
+                  </a:solidFill>
+                  <a:latin typeface="Tahoma" panose="020B0604030504040204" pitchFamily="34" charset="0"/>
+                  <a:ea typeface="+mn-ea"/>
+                  <a:cs typeface="+mn-cs"/>
+                </a:defRPr>
+              </a:lvl5pPr>
+              <a:lvl6pPr marL="2286000" algn="l" defTabSz="914400" rtl="0" eaLnBrk="1" latinLnBrk="0" hangingPunct="1">
+                <a:defRPr kern="1200">
+                  <a:solidFill>
+                    <a:schemeClr val="tx1"/>
+                  </a:solidFill>
+                  <a:latin typeface="Tahoma" panose="020B0604030504040204" pitchFamily="34" charset="0"/>
+                  <a:ea typeface="+mn-ea"/>
+                  <a:cs typeface="+mn-cs"/>
+                </a:defRPr>
+              </a:lvl6pPr>
+              <a:lvl7pPr marL="2743200" algn="l" defTabSz="914400" rtl="0" eaLnBrk="1" latinLnBrk="0" hangingPunct="1">
+                <a:defRPr kern="1200">
+                  <a:solidFill>
+                    <a:schemeClr val="tx1"/>
+                  </a:solidFill>
+                  <a:latin typeface="Tahoma" panose="020B0604030504040204" pitchFamily="34" charset="0"/>
+                  <a:ea typeface="+mn-ea"/>
+                  <a:cs typeface="+mn-cs"/>
+                </a:defRPr>
+              </a:lvl7pPr>
+              <a:lvl8pPr marL="3200400" algn="l" defTabSz="914400" rtl="0" eaLnBrk="1" latinLnBrk="0" hangingPunct="1">
+                <a:defRPr kern="1200">
+                  <a:solidFill>
+                    <a:schemeClr val="tx1"/>
+                  </a:solidFill>
+                  <a:latin typeface="Tahoma" panose="020B0604030504040204" pitchFamily="34" charset="0"/>
+                  <a:ea typeface="+mn-ea"/>
+                  <a:cs typeface="+mn-cs"/>
+                </a:defRPr>
+              </a:lvl8pPr>
+              <a:lvl9pPr marL="3657600" algn="l" defTabSz="914400" rtl="0" eaLnBrk="1" latinLnBrk="0" hangingPunct="1">
+                <a:defRPr kern="1200">
+                  <a:solidFill>
+                    <a:schemeClr val="tx1"/>
+                  </a:solidFill>
+                  <a:latin typeface="Tahoma" panose="020B0604030504040204" pitchFamily="34" charset="0"/>
+                  <a:ea typeface="+mn-ea"/>
+                  <a:cs typeface="+mn-cs"/>
+                </a:defRPr>
+              </a:lvl9pPr>
+            </a:lstStyle>
+            <a:p>
+              <a:endParaRPr lang="en-US"/>
+            </a:p>
+          </p:txBody>
+        </p:sp>
+        <p:sp>
+          <p:nvSpPr>
+            <p:cNvPr id="18" name="Line 17"/>
+            <p:cNvSpPr>
+              <a:spLocks noChangeShapeType="1"/>
+            </p:cNvSpPr>
+            <p:nvPr/>
+          </p:nvSpPr>
+          <p:spPr bwMode="auto">
+            <a:xfrm>
+              <a:off x="7067550" y="3743326"/>
+              <a:ext cx="0" cy="1587"/>
+            </a:xfrm>
+            <a:prstGeom prst="line">
+              <a:avLst/>
+            </a:prstGeom>
+            <a:noFill/>
+            <a:ln w="12700">
+              <a:solidFill>
+                <a:srgbClr val="CDCDCD"/>
+              </a:solidFill>
+              <a:round/>
+              <a:headEnd/>
+              <a:tailEnd/>
+            </a:ln>
+            <a:effectLst/>
+            <a:extLst>
+              <a:ext uri="{909E8E84-426E-40DD-AFC4-6F175D3DCCD1}">
+                <a14:hiddenFill xmlns:a14="http://schemas.microsoft.com/office/drawing/2010/main">
+                  <a:noFill/>
+                </a14:hiddenFill>
+              </a:ext>
+              <a:ext uri="{AF507438-7753-43E0-B8FC-AC1667EBCBE1}">
+                <a14:hiddenEffects xmlns:a14="http://schemas.microsoft.com/office/drawing/2010/main">
+                  <a:effectLst>
+                    <a:outerShdw dist="35921" dir="2700000" algn="ctr" rotWithShape="0">
+                      <a:schemeClr val="bg2"/>
+                    </a:outerShdw>
+                  </a:effectLst>
+                </a14:hiddenEffects>
+              </a:ext>
+            </a:extLst>
+          </p:spPr>
+          <p:txBody>
+            <a:bodyPr wrap="none" anchor="ctr"/>
+            <a:lstStyle>
+              <a:defPPr>
+                <a:defRPr lang="en-US"/>
+              </a:defPPr>
+              <a:lvl1pPr algn="l" rtl="0" eaLnBrk="0" fontAlgn="base" hangingPunct="0">
+                <a:spcBef>
+                  <a:spcPct val="0"/>
+                </a:spcBef>
+                <a:spcAft>
+                  <a:spcPct val="0"/>
+                </a:spcAft>
+                <a:defRPr kern="1200">
+                  <a:solidFill>
+                    <a:schemeClr val="tx1"/>
+                  </a:solidFill>
+                  <a:latin typeface="Tahoma" panose="020B0604030504040204" pitchFamily="34" charset="0"/>
+                  <a:ea typeface="+mn-ea"/>
+                  <a:cs typeface="+mn-cs"/>
+                </a:defRPr>
+              </a:lvl1pPr>
+              <a:lvl2pPr marL="457200" algn="l" rtl="0" eaLnBrk="0" fontAlgn="base" hangingPunct="0">
+                <a:spcBef>
+                  <a:spcPct val="0"/>
+                </a:spcBef>
+                <a:spcAft>
+                  <a:spcPct val="0"/>
+                </a:spcAft>
+                <a:defRPr kern="1200">
+                  <a:solidFill>
+                    <a:schemeClr val="tx1"/>
+                  </a:solidFill>
+                  <a:latin typeface="Tahoma" panose="020B0604030504040204" pitchFamily="34" charset="0"/>
+                  <a:ea typeface="+mn-ea"/>
+                  <a:cs typeface="+mn-cs"/>
+                </a:defRPr>
+              </a:lvl2pPr>
+              <a:lvl3pPr marL="914400" algn="l" rtl="0" eaLnBrk="0" fontAlgn="base" hangingPunct="0">
+                <a:spcBef>
+                  <a:spcPct val="0"/>
+                </a:spcBef>
+                <a:spcAft>
+                  <a:spcPct val="0"/>
+                </a:spcAft>
+                <a:defRPr kern="1200">
+                  <a:solidFill>
+                    <a:schemeClr val="tx1"/>
+                  </a:solidFill>
+                  <a:latin typeface="Tahoma" panose="020B0604030504040204" pitchFamily="34" charset="0"/>
+                  <a:ea typeface="+mn-ea"/>
+                  <a:cs typeface="+mn-cs"/>
+                </a:defRPr>
+              </a:lvl3pPr>
+              <a:lvl4pPr marL="1371600" algn="l" rtl="0" eaLnBrk="0" fontAlgn="base" hangingPunct="0">
+                <a:spcBef>
+                  <a:spcPct val="0"/>
+                </a:spcBef>
+                <a:spcAft>
+                  <a:spcPct val="0"/>
+                </a:spcAft>
+                <a:defRPr kern="1200">
+                  <a:solidFill>
+                    <a:schemeClr val="tx1"/>
+                  </a:solidFill>
+                  <a:latin typeface="Tahoma" panose="020B0604030504040204" pitchFamily="34" charset="0"/>
+                  <a:ea typeface="+mn-ea"/>
+                  <a:cs typeface="+mn-cs"/>
+                </a:defRPr>
+              </a:lvl4pPr>
+              <a:lvl5pPr marL="1828800" algn="l" rtl="0" eaLnBrk="0" fontAlgn="base" hangingPunct="0">
+                <a:spcBef>
+                  <a:spcPct val="0"/>
+                </a:spcBef>
+                <a:spcAft>
+                  <a:spcPct val="0"/>
+                </a:spcAft>
+                <a:defRPr kern="1200">
+                  <a:solidFill>
+                    <a:schemeClr val="tx1"/>
+                  </a:solidFill>
+                  <a:latin typeface="Tahoma" panose="020B0604030504040204" pitchFamily="34" charset="0"/>
+                  <a:ea typeface="+mn-ea"/>
+                  <a:cs typeface="+mn-cs"/>
+                </a:defRPr>
+              </a:lvl5pPr>
+              <a:lvl6pPr marL="2286000" algn="l" defTabSz="914400" rtl="0" eaLnBrk="1" latinLnBrk="0" hangingPunct="1">
+                <a:defRPr kern="1200">
+                  <a:solidFill>
+                    <a:schemeClr val="tx1"/>
+                  </a:solidFill>
+                  <a:latin typeface="Tahoma" panose="020B0604030504040204" pitchFamily="34" charset="0"/>
+                  <a:ea typeface="+mn-ea"/>
+                  <a:cs typeface="+mn-cs"/>
+                </a:defRPr>
+              </a:lvl6pPr>
+              <a:lvl7pPr marL="2743200" algn="l" defTabSz="914400" rtl="0" eaLnBrk="1" latinLnBrk="0" hangingPunct="1">
+                <a:defRPr kern="1200">
+                  <a:solidFill>
+                    <a:schemeClr val="tx1"/>
+                  </a:solidFill>
+                  <a:latin typeface="Tahoma" panose="020B0604030504040204" pitchFamily="34" charset="0"/>
+                  <a:ea typeface="+mn-ea"/>
+                  <a:cs typeface="+mn-cs"/>
+                </a:defRPr>
+              </a:lvl7pPr>
+              <a:lvl8pPr marL="3200400" algn="l" defTabSz="914400" rtl="0" eaLnBrk="1" latinLnBrk="0" hangingPunct="1">
+                <a:defRPr kern="1200">
+                  <a:solidFill>
+                    <a:schemeClr val="tx1"/>
+                  </a:solidFill>
+                  <a:latin typeface="Tahoma" panose="020B0604030504040204" pitchFamily="34" charset="0"/>
+                  <a:ea typeface="+mn-ea"/>
+                  <a:cs typeface="+mn-cs"/>
+                </a:defRPr>
+              </a:lvl8pPr>
+              <a:lvl9pPr marL="3657600" algn="l" defTabSz="914400" rtl="0" eaLnBrk="1" latinLnBrk="0" hangingPunct="1">
+                <a:defRPr kern="1200">
+                  <a:solidFill>
+                    <a:schemeClr val="tx1"/>
+                  </a:solidFill>
+                  <a:latin typeface="Tahoma" panose="020B0604030504040204" pitchFamily="34" charset="0"/>
+                  <a:ea typeface="+mn-ea"/>
+                  <a:cs typeface="+mn-cs"/>
+                </a:defRPr>
+              </a:lvl9pPr>
+            </a:lstStyle>
+            <a:p>
+              <a:endParaRPr lang="en-US"/>
+            </a:p>
+          </p:txBody>
+        </p:sp>
+        <p:sp>
+          <p:nvSpPr>
+            <p:cNvPr id="19" name="Line 18"/>
+            <p:cNvSpPr>
+              <a:spLocks noChangeShapeType="1"/>
+            </p:cNvSpPr>
+            <p:nvPr/>
+          </p:nvSpPr>
+          <p:spPr bwMode="auto">
+            <a:xfrm>
+              <a:off x="6767512" y="3743326"/>
+              <a:ext cx="0" cy="1587"/>
+            </a:xfrm>
+            <a:prstGeom prst="line">
+              <a:avLst/>
+            </a:prstGeom>
+            <a:noFill/>
+            <a:ln w="12700">
+              <a:solidFill>
+                <a:srgbClr val="CDCDCD"/>
+              </a:solidFill>
+              <a:round/>
+              <a:headEnd/>
+              <a:tailEnd/>
+            </a:ln>
+            <a:effectLst/>
+            <a:extLst>
+              <a:ext uri="{909E8E84-426E-40DD-AFC4-6F175D3DCCD1}">
+                <a14:hiddenFill xmlns:a14="http://schemas.microsoft.com/office/drawing/2010/main">
+                  <a:noFill/>
+                </a14:hiddenFill>
+              </a:ext>
+              <a:ext uri="{AF507438-7753-43E0-B8FC-AC1667EBCBE1}">
+                <a14:hiddenEffects xmlns:a14="http://schemas.microsoft.com/office/drawing/2010/main">
+                  <a:effectLst>
+                    <a:outerShdw dist="35921" dir="2700000" algn="ctr" rotWithShape="0">
+                      <a:schemeClr val="bg2"/>
+                    </a:outerShdw>
+                  </a:effectLst>
+                </a14:hiddenEffects>
+              </a:ext>
+            </a:extLst>
+          </p:spPr>
+          <p:txBody>
+            <a:bodyPr wrap="none" anchor="ctr"/>
+            <a:lstStyle>
+              <a:defPPr>
+                <a:defRPr lang="en-US"/>
+              </a:defPPr>
+              <a:lvl1pPr algn="l" rtl="0" eaLnBrk="0" fontAlgn="base" hangingPunct="0">
+                <a:spcBef>
+                  <a:spcPct val="0"/>
+                </a:spcBef>
+                <a:spcAft>
+                  <a:spcPct val="0"/>
+                </a:spcAft>
+                <a:defRPr kern="1200">
+                  <a:solidFill>
+                    <a:schemeClr val="tx1"/>
+                  </a:solidFill>
+                  <a:latin typeface="Tahoma" panose="020B0604030504040204" pitchFamily="34" charset="0"/>
+                  <a:ea typeface="+mn-ea"/>
+                  <a:cs typeface="+mn-cs"/>
+                </a:defRPr>
+              </a:lvl1pPr>
+              <a:lvl2pPr marL="457200" algn="l" rtl="0" eaLnBrk="0" fontAlgn="base" hangingPunct="0">
+                <a:spcBef>
+                  <a:spcPct val="0"/>
+                </a:spcBef>
+                <a:spcAft>
+                  <a:spcPct val="0"/>
+                </a:spcAft>
+                <a:defRPr kern="1200">
+                  <a:solidFill>
+                    <a:schemeClr val="tx1"/>
+                  </a:solidFill>
+                  <a:latin typeface="Tahoma" panose="020B0604030504040204" pitchFamily="34" charset="0"/>
+                  <a:ea typeface="+mn-ea"/>
+                  <a:cs typeface="+mn-cs"/>
+                </a:defRPr>
+              </a:lvl2pPr>
+              <a:lvl3pPr marL="914400" algn="l" rtl="0" eaLnBrk="0" fontAlgn="base" hangingPunct="0">
+                <a:spcBef>
+                  <a:spcPct val="0"/>
+                </a:spcBef>
+                <a:spcAft>
+                  <a:spcPct val="0"/>
+                </a:spcAft>
+                <a:defRPr kern="1200">
+                  <a:solidFill>
+                    <a:schemeClr val="tx1"/>
+                  </a:solidFill>
+                  <a:latin typeface="Tahoma" panose="020B0604030504040204" pitchFamily="34" charset="0"/>
+                  <a:ea typeface="+mn-ea"/>
+                  <a:cs typeface="+mn-cs"/>
+                </a:defRPr>
+              </a:lvl3pPr>
+              <a:lvl4pPr marL="1371600" algn="l" rtl="0" eaLnBrk="0" fontAlgn="base" hangingPunct="0">
+                <a:spcBef>
+                  <a:spcPct val="0"/>
+                </a:spcBef>
+                <a:spcAft>
+                  <a:spcPct val="0"/>
+                </a:spcAft>
+                <a:defRPr kern="1200">
+                  <a:solidFill>
+                    <a:schemeClr val="tx1"/>
+                  </a:solidFill>
+                  <a:latin typeface="Tahoma" panose="020B0604030504040204" pitchFamily="34" charset="0"/>
+                  <a:ea typeface="+mn-ea"/>
+                  <a:cs typeface="+mn-cs"/>
+                </a:defRPr>
+              </a:lvl4pPr>
+              <a:lvl5pPr marL="1828800" algn="l" rtl="0" eaLnBrk="0" fontAlgn="base" hangingPunct="0">
+                <a:spcBef>
+                  <a:spcPct val="0"/>
+                </a:spcBef>
+                <a:spcAft>
+                  <a:spcPct val="0"/>
+                </a:spcAft>
+                <a:defRPr kern="1200">
+                  <a:solidFill>
+                    <a:schemeClr val="tx1"/>
+                  </a:solidFill>
+                  <a:latin typeface="Tahoma" panose="020B0604030504040204" pitchFamily="34" charset="0"/>
+                  <a:ea typeface="+mn-ea"/>
+                  <a:cs typeface="+mn-cs"/>
+                </a:defRPr>
+              </a:lvl5pPr>
+              <a:lvl6pPr marL="2286000" algn="l" defTabSz="914400" rtl="0" eaLnBrk="1" latinLnBrk="0" hangingPunct="1">
+                <a:defRPr kern="1200">
+                  <a:solidFill>
+                    <a:schemeClr val="tx1"/>
+                  </a:solidFill>
+                  <a:latin typeface="Tahoma" panose="020B0604030504040204" pitchFamily="34" charset="0"/>
+                  <a:ea typeface="+mn-ea"/>
+                  <a:cs typeface="+mn-cs"/>
+                </a:defRPr>
+              </a:lvl6pPr>
+              <a:lvl7pPr marL="2743200" algn="l" defTabSz="914400" rtl="0" eaLnBrk="1" latinLnBrk="0" hangingPunct="1">
+                <a:defRPr kern="1200">
+                  <a:solidFill>
+                    <a:schemeClr val="tx1"/>
+                  </a:solidFill>
+                  <a:latin typeface="Tahoma" panose="020B0604030504040204" pitchFamily="34" charset="0"/>
+                  <a:ea typeface="+mn-ea"/>
+                  <a:cs typeface="+mn-cs"/>
+                </a:defRPr>
+              </a:lvl7pPr>
+              <a:lvl8pPr marL="3200400" algn="l" defTabSz="914400" rtl="0" eaLnBrk="1" latinLnBrk="0" hangingPunct="1">
+                <a:defRPr kern="1200">
+                  <a:solidFill>
+                    <a:schemeClr val="tx1"/>
+                  </a:solidFill>
+                  <a:latin typeface="Tahoma" panose="020B0604030504040204" pitchFamily="34" charset="0"/>
+                  <a:ea typeface="+mn-ea"/>
+                  <a:cs typeface="+mn-cs"/>
+                </a:defRPr>
+              </a:lvl8pPr>
+              <a:lvl9pPr marL="3657600" algn="l" defTabSz="914400" rtl="0" eaLnBrk="1" latinLnBrk="0" hangingPunct="1">
+                <a:defRPr kern="1200">
+                  <a:solidFill>
+                    <a:schemeClr val="tx1"/>
+                  </a:solidFill>
+                  <a:latin typeface="Tahoma" panose="020B0604030504040204" pitchFamily="34" charset="0"/>
+                  <a:ea typeface="+mn-ea"/>
+                  <a:cs typeface="+mn-cs"/>
+                </a:defRPr>
+              </a:lvl9pPr>
+            </a:lstStyle>
+            <a:p>
+              <a:endParaRPr lang="en-US"/>
+            </a:p>
+          </p:txBody>
+        </p:sp>
+        <p:sp>
+          <p:nvSpPr>
+            <p:cNvPr id="20" name="Line 19"/>
+            <p:cNvSpPr>
+              <a:spLocks noChangeShapeType="1"/>
+            </p:cNvSpPr>
+            <p:nvPr/>
+          </p:nvSpPr>
+          <p:spPr bwMode="auto">
+            <a:xfrm>
+              <a:off x="6467475" y="3743326"/>
+              <a:ext cx="0" cy="1587"/>
+            </a:xfrm>
+            <a:prstGeom prst="line">
+              <a:avLst/>
+            </a:prstGeom>
+            <a:noFill/>
+            <a:ln w="12700">
+              <a:solidFill>
+                <a:srgbClr val="CDCDCD"/>
+              </a:solidFill>
+              <a:round/>
+              <a:headEnd/>
+              <a:tailEnd/>
+            </a:ln>
+            <a:effectLst/>
+            <a:extLst>
+              <a:ext uri="{909E8E84-426E-40DD-AFC4-6F175D3DCCD1}">
+                <a14:hiddenFill xmlns:a14="http://schemas.microsoft.com/office/drawing/2010/main">
+                  <a:noFill/>
+                </a14:hiddenFill>
+              </a:ext>
+              <a:ext uri="{AF507438-7753-43E0-B8FC-AC1667EBCBE1}">
+                <a14:hiddenEffects xmlns:a14="http://schemas.microsoft.com/office/drawing/2010/main">
+                  <a:effectLst>
+                    <a:outerShdw dist="35921" dir="2700000" algn="ctr" rotWithShape="0">
+                      <a:schemeClr val="bg2"/>
+                    </a:outerShdw>
+                  </a:effectLst>
+                </a14:hiddenEffects>
+              </a:ext>
+            </a:extLst>
+          </p:spPr>
+          <p:txBody>
+            <a:bodyPr wrap="none" anchor="ctr"/>
+            <a:lstStyle>
+              <a:defPPr>
+                <a:defRPr lang="en-US"/>
+              </a:defPPr>
+              <a:lvl1pPr algn="l" rtl="0" eaLnBrk="0" fontAlgn="base" hangingPunct="0">
+                <a:spcBef>
+                  <a:spcPct val="0"/>
+                </a:spcBef>
+                <a:spcAft>
+                  <a:spcPct val="0"/>
+                </a:spcAft>
+                <a:defRPr kern="1200">
+                  <a:solidFill>
+                    <a:schemeClr val="tx1"/>
+                  </a:solidFill>
+                  <a:latin typeface="Tahoma" panose="020B0604030504040204" pitchFamily="34" charset="0"/>
+                  <a:ea typeface="+mn-ea"/>
+                  <a:cs typeface="+mn-cs"/>
+                </a:defRPr>
+              </a:lvl1pPr>
+              <a:lvl2pPr marL="457200" algn="l" rtl="0" eaLnBrk="0" fontAlgn="base" hangingPunct="0">
+                <a:spcBef>
+                  <a:spcPct val="0"/>
+                </a:spcBef>
+                <a:spcAft>
+                  <a:spcPct val="0"/>
+                </a:spcAft>
+                <a:defRPr kern="1200">
+                  <a:solidFill>
+                    <a:schemeClr val="tx1"/>
+                  </a:solidFill>
+                  <a:latin typeface="Tahoma" panose="020B0604030504040204" pitchFamily="34" charset="0"/>
+                  <a:ea typeface="+mn-ea"/>
+                  <a:cs typeface="+mn-cs"/>
+                </a:defRPr>
+              </a:lvl2pPr>
+              <a:lvl3pPr marL="914400" algn="l" rtl="0" eaLnBrk="0" fontAlgn="base" hangingPunct="0">
+                <a:spcBef>
+                  <a:spcPct val="0"/>
+                </a:spcBef>
+                <a:spcAft>
+                  <a:spcPct val="0"/>
+                </a:spcAft>
+                <a:defRPr kern="1200">
+                  <a:solidFill>
+                    <a:schemeClr val="tx1"/>
+                  </a:solidFill>
+                  <a:latin typeface="Tahoma" panose="020B0604030504040204" pitchFamily="34" charset="0"/>
+                  <a:ea typeface="+mn-ea"/>
+                  <a:cs typeface="+mn-cs"/>
+                </a:defRPr>
+              </a:lvl3pPr>
+              <a:lvl4pPr marL="1371600" algn="l" rtl="0" eaLnBrk="0" fontAlgn="base" hangingPunct="0">
+                <a:spcBef>
+                  <a:spcPct val="0"/>
+                </a:spcBef>
+                <a:spcAft>
+                  <a:spcPct val="0"/>
+                </a:spcAft>
+                <a:defRPr kern="1200">
+                  <a:solidFill>
+                    <a:schemeClr val="tx1"/>
+                  </a:solidFill>
+                  <a:latin typeface="Tahoma" panose="020B0604030504040204" pitchFamily="34" charset="0"/>
+                  <a:ea typeface="+mn-ea"/>
+                  <a:cs typeface="+mn-cs"/>
+                </a:defRPr>
+              </a:lvl4pPr>
+              <a:lvl5pPr marL="1828800" algn="l" rtl="0" eaLnBrk="0" fontAlgn="base" hangingPunct="0">
+                <a:spcBef>
+                  <a:spcPct val="0"/>
+                </a:spcBef>
+                <a:spcAft>
+                  <a:spcPct val="0"/>
+                </a:spcAft>
+                <a:defRPr kern="1200">
+                  <a:solidFill>
+                    <a:schemeClr val="tx1"/>
+                  </a:solidFill>
+                  <a:latin typeface="Tahoma" panose="020B0604030504040204" pitchFamily="34" charset="0"/>
+                  <a:ea typeface="+mn-ea"/>
+                  <a:cs typeface="+mn-cs"/>
+                </a:defRPr>
+              </a:lvl5pPr>
+              <a:lvl6pPr marL="2286000" algn="l" defTabSz="914400" rtl="0" eaLnBrk="1" latinLnBrk="0" hangingPunct="1">
+                <a:defRPr kern="1200">
+                  <a:solidFill>
+                    <a:schemeClr val="tx1"/>
+                  </a:solidFill>
+                  <a:latin typeface="Tahoma" panose="020B0604030504040204" pitchFamily="34" charset="0"/>
+                  <a:ea typeface="+mn-ea"/>
+                  <a:cs typeface="+mn-cs"/>
+                </a:defRPr>
+              </a:lvl6pPr>
+              <a:lvl7pPr marL="2743200" algn="l" defTabSz="914400" rtl="0" eaLnBrk="1" latinLnBrk="0" hangingPunct="1">
+                <a:defRPr kern="1200">
+                  <a:solidFill>
+                    <a:schemeClr val="tx1"/>
+                  </a:solidFill>
+                  <a:latin typeface="Tahoma" panose="020B0604030504040204" pitchFamily="34" charset="0"/>
+                  <a:ea typeface="+mn-ea"/>
+                  <a:cs typeface="+mn-cs"/>
+                </a:defRPr>
+              </a:lvl7pPr>
+              <a:lvl8pPr marL="3200400" algn="l" defTabSz="914400" rtl="0" eaLnBrk="1" latinLnBrk="0" hangingPunct="1">
+                <a:defRPr kern="1200">
+                  <a:solidFill>
+                    <a:schemeClr val="tx1"/>
+                  </a:solidFill>
+                  <a:latin typeface="Tahoma" panose="020B0604030504040204" pitchFamily="34" charset="0"/>
+                  <a:ea typeface="+mn-ea"/>
+                  <a:cs typeface="+mn-cs"/>
+                </a:defRPr>
+              </a:lvl8pPr>
+              <a:lvl9pPr marL="3657600" algn="l" defTabSz="914400" rtl="0" eaLnBrk="1" latinLnBrk="0" hangingPunct="1">
+                <a:defRPr kern="1200">
+                  <a:solidFill>
+                    <a:schemeClr val="tx1"/>
+                  </a:solidFill>
+                  <a:latin typeface="Tahoma" panose="020B0604030504040204" pitchFamily="34" charset="0"/>
+                  <a:ea typeface="+mn-ea"/>
+                  <a:cs typeface="+mn-cs"/>
+                </a:defRPr>
+              </a:lvl9pPr>
+            </a:lstStyle>
+            <a:p>
+              <a:endParaRPr lang="en-US"/>
+            </a:p>
+          </p:txBody>
+        </p:sp>
+        <p:sp>
+          <p:nvSpPr>
+            <p:cNvPr id="21" name="Line 20"/>
+            <p:cNvSpPr>
+              <a:spLocks noChangeShapeType="1"/>
+            </p:cNvSpPr>
+            <p:nvPr/>
+          </p:nvSpPr>
+          <p:spPr bwMode="auto">
+            <a:xfrm>
+              <a:off x="6167437" y="3743326"/>
+              <a:ext cx="0" cy="1587"/>
+            </a:xfrm>
+            <a:prstGeom prst="line">
+              <a:avLst/>
+            </a:prstGeom>
+            <a:noFill/>
+            <a:ln w="12700">
+              <a:solidFill>
+                <a:srgbClr val="CDCDCD"/>
+              </a:solidFill>
+              <a:round/>
+              <a:headEnd/>
+              <a:tailEnd/>
+            </a:ln>
+            <a:effectLst/>
+            <a:extLst>
+              <a:ext uri="{909E8E84-426E-40DD-AFC4-6F175D3DCCD1}">
+                <a14:hiddenFill xmlns:a14="http://schemas.microsoft.com/office/drawing/2010/main">
+                  <a:noFill/>
+                </a14:hiddenFill>
+              </a:ext>
+              <a:ext uri="{AF507438-7753-43E0-B8FC-AC1667EBCBE1}">
+                <a14:hiddenEffects xmlns:a14="http://schemas.microsoft.com/office/drawing/2010/main">
+                  <a:effectLst>
+                    <a:outerShdw dist="35921" dir="2700000" algn="ctr" rotWithShape="0">
+                      <a:schemeClr val="bg2"/>
+                    </a:outerShdw>
+                  </a:effectLst>
+                </a14:hiddenEffects>
+              </a:ext>
+            </a:extLst>
+          </p:spPr>
+          <p:txBody>
+            <a:bodyPr wrap="none" anchor="ctr"/>
+            <a:lstStyle>
+              <a:defPPr>
+                <a:defRPr lang="en-US"/>
+              </a:defPPr>
+              <a:lvl1pPr algn="l" rtl="0" eaLnBrk="0" fontAlgn="base" hangingPunct="0">
+                <a:spcBef>
+                  <a:spcPct val="0"/>
+                </a:spcBef>
+                <a:spcAft>
+                  <a:spcPct val="0"/>
+                </a:spcAft>
+                <a:defRPr kern="1200">
+                  <a:solidFill>
+                    <a:schemeClr val="tx1"/>
+                  </a:solidFill>
+                  <a:latin typeface="Tahoma" panose="020B0604030504040204" pitchFamily="34" charset="0"/>
+                  <a:ea typeface="+mn-ea"/>
+                  <a:cs typeface="+mn-cs"/>
+                </a:defRPr>
+              </a:lvl1pPr>
+              <a:lvl2pPr marL="457200" algn="l" rtl="0" eaLnBrk="0" fontAlgn="base" hangingPunct="0">
+                <a:spcBef>
+                  <a:spcPct val="0"/>
+                </a:spcBef>
+                <a:spcAft>
+                  <a:spcPct val="0"/>
+                </a:spcAft>
+                <a:defRPr kern="1200">
+                  <a:solidFill>
+                    <a:schemeClr val="tx1"/>
+                  </a:solidFill>
+                  <a:latin typeface="Tahoma" panose="020B0604030504040204" pitchFamily="34" charset="0"/>
+                  <a:ea typeface="+mn-ea"/>
+                  <a:cs typeface="+mn-cs"/>
+                </a:defRPr>
+              </a:lvl2pPr>
+              <a:lvl3pPr marL="914400" algn="l" rtl="0" eaLnBrk="0" fontAlgn="base" hangingPunct="0">
+                <a:spcBef>
+                  <a:spcPct val="0"/>
+                </a:spcBef>
+                <a:spcAft>
+                  <a:spcPct val="0"/>
+                </a:spcAft>
+                <a:defRPr kern="1200">
+                  <a:solidFill>
+                    <a:schemeClr val="tx1"/>
+                  </a:solidFill>
+                  <a:latin typeface="Tahoma" panose="020B0604030504040204" pitchFamily="34" charset="0"/>
+                  <a:ea typeface="+mn-ea"/>
+                  <a:cs typeface="+mn-cs"/>
+                </a:defRPr>
+              </a:lvl3pPr>
+              <a:lvl4pPr marL="1371600" algn="l" rtl="0" eaLnBrk="0" fontAlgn="base" hangingPunct="0">
+                <a:spcBef>
+                  <a:spcPct val="0"/>
+                </a:spcBef>
+                <a:spcAft>
+                  <a:spcPct val="0"/>
+                </a:spcAft>
+                <a:defRPr kern="1200">
+                  <a:solidFill>
+                    <a:schemeClr val="tx1"/>
+                  </a:solidFill>
+                  <a:latin typeface="Tahoma" panose="020B0604030504040204" pitchFamily="34" charset="0"/>
+                  <a:ea typeface="+mn-ea"/>
+                  <a:cs typeface="+mn-cs"/>
+                </a:defRPr>
+              </a:lvl4pPr>
+              <a:lvl5pPr marL="1828800" algn="l" rtl="0" eaLnBrk="0" fontAlgn="base" hangingPunct="0">
+                <a:spcBef>
+                  <a:spcPct val="0"/>
+                </a:spcBef>
+                <a:spcAft>
+                  <a:spcPct val="0"/>
+                </a:spcAft>
+                <a:defRPr kern="1200">
+                  <a:solidFill>
+                    <a:schemeClr val="tx1"/>
+                  </a:solidFill>
+                  <a:latin typeface="Tahoma" panose="020B0604030504040204" pitchFamily="34" charset="0"/>
+                  <a:ea typeface="+mn-ea"/>
+                  <a:cs typeface="+mn-cs"/>
+                </a:defRPr>
+              </a:lvl5pPr>
+              <a:lvl6pPr marL="2286000" algn="l" defTabSz="914400" rtl="0" eaLnBrk="1" latinLnBrk="0" hangingPunct="1">
+                <a:defRPr kern="1200">
+                  <a:solidFill>
+                    <a:schemeClr val="tx1"/>
+                  </a:solidFill>
+                  <a:latin typeface="Tahoma" panose="020B0604030504040204" pitchFamily="34" charset="0"/>
+                  <a:ea typeface="+mn-ea"/>
+                  <a:cs typeface="+mn-cs"/>
+                </a:defRPr>
+              </a:lvl6pPr>
+              <a:lvl7pPr marL="2743200" algn="l" defTabSz="914400" rtl="0" eaLnBrk="1" latinLnBrk="0" hangingPunct="1">
+                <a:defRPr kern="1200">
+                  <a:solidFill>
+                    <a:schemeClr val="tx1"/>
+                  </a:solidFill>
+                  <a:latin typeface="Tahoma" panose="020B0604030504040204" pitchFamily="34" charset="0"/>
+                  <a:ea typeface="+mn-ea"/>
+                  <a:cs typeface="+mn-cs"/>
+                </a:defRPr>
+              </a:lvl7pPr>
+              <a:lvl8pPr marL="3200400" algn="l" defTabSz="914400" rtl="0" eaLnBrk="1" latinLnBrk="0" hangingPunct="1">
+                <a:defRPr kern="1200">
+                  <a:solidFill>
+                    <a:schemeClr val="tx1"/>
+                  </a:solidFill>
+                  <a:latin typeface="Tahoma" panose="020B0604030504040204" pitchFamily="34" charset="0"/>
+                  <a:ea typeface="+mn-ea"/>
+                  <a:cs typeface="+mn-cs"/>
+                </a:defRPr>
+              </a:lvl8pPr>
+              <a:lvl9pPr marL="3657600" algn="l" defTabSz="914400" rtl="0" eaLnBrk="1" latinLnBrk="0" hangingPunct="1">
+                <a:defRPr kern="1200">
+                  <a:solidFill>
+                    <a:schemeClr val="tx1"/>
+                  </a:solidFill>
+                  <a:latin typeface="Tahoma" panose="020B0604030504040204" pitchFamily="34" charset="0"/>
+                  <a:ea typeface="+mn-ea"/>
+                  <a:cs typeface="+mn-cs"/>
+                </a:defRPr>
+              </a:lvl9pPr>
+            </a:lstStyle>
+            <a:p>
+              <a:endParaRPr lang="en-US"/>
+            </a:p>
+          </p:txBody>
+        </p:sp>
+        <p:sp>
+          <p:nvSpPr>
+            <p:cNvPr id="22" name="Line 21"/>
+            <p:cNvSpPr>
+              <a:spLocks noChangeShapeType="1"/>
+            </p:cNvSpPr>
+            <p:nvPr/>
+          </p:nvSpPr>
+          <p:spPr bwMode="auto">
+            <a:xfrm>
+              <a:off x="5867400" y="3743326"/>
+              <a:ext cx="0" cy="1587"/>
+            </a:xfrm>
+            <a:prstGeom prst="line">
+              <a:avLst/>
+            </a:prstGeom>
+            <a:noFill/>
+            <a:ln w="12700">
+              <a:solidFill>
+                <a:srgbClr val="CDCDCD"/>
+              </a:solidFill>
+              <a:round/>
+              <a:headEnd/>
+              <a:tailEnd/>
+            </a:ln>
+            <a:effectLst/>
+            <a:extLst>
+              <a:ext uri="{909E8E84-426E-40DD-AFC4-6F175D3DCCD1}">
+                <a14:hiddenFill xmlns:a14="http://schemas.microsoft.com/office/drawing/2010/main">
+                  <a:noFill/>
+                </a14:hiddenFill>
+              </a:ext>
+              <a:ext uri="{AF507438-7753-43E0-B8FC-AC1667EBCBE1}">
+                <a14:hiddenEffects xmlns:a14="http://schemas.microsoft.com/office/drawing/2010/main">
+                  <a:effectLst>
+                    <a:outerShdw dist="35921" dir="2700000" algn="ctr" rotWithShape="0">
+                      <a:schemeClr val="bg2"/>
+                    </a:outerShdw>
+                  </a:effectLst>
+                </a14:hiddenEffects>
+              </a:ext>
+            </a:extLst>
+          </p:spPr>
+          <p:txBody>
+            <a:bodyPr wrap="none" anchor="ctr"/>
+            <a:lstStyle>
+              <a:defPPr>
+                <a:defRPr lang="en-US"/>
+              </a:defPPr>
+              <a:lvl1pPr algn="l" rtl="0" eaLnBrk="0" fontAlgn="base" hangingPunct="0">
+                <a:spcBef>
+                  <a:spcPct val="0"/>
+                </a:spcBef>
+                <a:spcAft>
+                  <a:spcPct val="0"/>
+                </a:spcAft>
+                <a:defRPr kern="1200">
+                  <a:solidFill>
+                    <a:schemeClr val="tx1"/>
+                  </a:solidFill>
+                  <a:latin typeface="Tahoma" panose="020B0604030504040204" pitchFamily="34" charset="0"/>
+                  <a:ea typeface="+mn-ea"/>
+                  <a:cs typeface="+mn-cs"/>
+                </a:defRPr>
+              </a:lvl1pPr>
+              <a:lvl2pPr marL="457200" algn="l" rtl="0" eaLnBrk="0" fontAlgn="base" hangingPunct="0">
+                <a:spcBef>
+                  <a:spcPct val="0"/>
+                </a:spcBef>
+                <a:spcAft>
+                  <a:spcPct val="0"/>
+                </a:spcAft>
+                <a:defRPr kern="1200">
+                  <a:solidFill>
+                    <a:schemeClr val="tx1"/>
+                  </a:solidFill>
+                  <a:latin typeface="Tahoma" panose="020B0604030504040204" pitchFamily="34" charset="0"/>
+                  <a:ea typeface="+mn-ea"/>
+                  <a:cs typeface="+mn-cs"/>
+                </a:defRPr>
+              </a:lvl2pPr>
+              <a:lvl3pPr marL="914400" algn="l" rtl="0" eaLnBrk="0" fontAlgn="base" hangingPunct="0">
+                <a:spcBef>
+                  <a:spcPct val="0"/>
+                </a:spcBef>
+                <a:spcAft>
+                  <a:spcPct val="0"/>
+                </a:spcAft>
+                <a:defRPr kern="1200">
+                  <a:solidFill>
+                    <a:schemeClr val="tx1"/>
+                  </a:solidFill>
+                  <a:latin typeface="Tahoma" panose="020B0604030504040204" pitchFamily="34" charset="0"/>
+                  <a:ea typeface="+mn-ea"/>
+                  <a:cs typeface="+mn-cs"/>
+                </a:defRPr>
+              </a:lvl3pPr>
+              <a:lvl4pPr marL="1371600" algn="l" rtl="0" eaLnBrk="0" fontAlgn="base" hangingPunct="0">
+                <a:spcBef>
+                  <a:spcPct val="0"/>
+                </a:spcBef>
+                <a:spcAft>
+                  <a:spcPct val="0"/>
+                </a:spcAft>
+                <a:defRPr kern="1200">
+                  <a:solidFill>
+                    <a:schemeClr val="tx1"/>
+                  </a:solidFill>
+                  <a:latin typeface="Tahoma" panose="020B0604030504040204" pitchFamily="34" charset="0"/>
+                  <a:ea typeface="+mn-ea"/>
+                  <a:cs typeface="+mn-cs"/>
+                </a:defRPr>
+              </a:lvl4pPr>
+              <a:lvl5pPr marL="1828800" algn="l" rtl="0" eaLnBrk="0" fontAlgn="base" hangingPunct="0">
+                <a:spcBef>
+                  <a:spcPct val="0"/>
+                </a:spcBef>
+                <a:spcAft>
+                  <a:spcPct val="0"/>
+                </a:spcAft>
+                <a:defRPr kern="1200">
+                  <a:solidFill>
+                    <a:schemeClr val="tx1"/>
+                  </a:solidFill>
+                  <a:latin typeface="Tahoma" panose="020B0604030504040204" pitchFamily="34" charset="0"/>
+                  <a:ea typeface="+mn-ea"/>
+                  <a:cs typeface="+mn-cs"/>
+                </a:defRPr>
+              </a:lvl5pPr>
+              <a:lvl6pPr marL="2286000" algn="l" defTabSz="914400" rtl="0" eaLnBrk="1" latinLnBrk="0" hangingPunct="1">
+                <a:defRPr kern="1200">
+                  <a:solidFill>
+                    <a:schemeClr val="tx1"/>
+                  </a:solidFill>
+                  <a:latin typeface="Tahoma" panose="020B0604030504040204" pitchFamily="34" charset="0"/>
+                  <a:ea typeface="+mn-ea"/>
+                  <a:cs typeface="+mn-cs"/>
+                </a:defRPr>
+              </a:lvl6pPr>
+              <a:lvl7pPr marL="2743200" algn="l" defTabSz="914400" rtl="0" eaLnBrk="1" latinLnBrk="0" hangingPunct="1">
+                <a:defRPr kern="1200">
+                  <a:solidFill>
+                    <a:schemeClr val="tx1"/>
+                  </a:solidFill>
+                  <a:latin typeface="Tahoma" panose="020B0604030504040204" pitchFamily="34" charset="0"/>
+                  <a:ea typeface="+mn-ea"/>
+                  <a:cs typeface="+mn-cs"/>
+                </a:defRPr>
+              </a:lvl7pPr>
+              <a:lvl8pPr marL="3200400" algn="l" defTabSz="914400" rtl="0" eaLnBrk="1" latinLnBrk="0" hangingPunct="1">
+                <a:defRPr kern="1200">
+                  <a:solidFill>
+                    <a:schemeClr val="tx1"/>
+                  </a:solidFill>
+                  <a:latin typeface="Tahoma" panose="020B0604030504040204" pitchFamily="34" charset="0"/>
+                  <a:ea typeface="+mn-ea"/>
+                  <a:cs typeface="+mn-cs"/>
+                </a:defRPr>
+              </a:lvl8pPr>
+              <a:lvl9pPr marL="3657600" algn="l" defTabSz="914400" rtl="0" eaLnBrk="1" latinLnBrk="0" hangingPunct="1">
+                <a:defRPr kern="1200">
+                  <a:solidFill>
+                    <a:schemeClr val="tx1"/>
+                  </a:solidFill>
+                  <a:latin typeface="Tahoma" panose="020B0604030504040204" pitchFamily="34" charset="0"/>
+                  <a:ea typeface="+mn-ea"/>
+                  <a:cs typeface="+mn-cs"/>
+                </a:defRPr>
+              </a:lvl9pPr>
+            </a:lstStyle>
+            <a:p>
+              <a:endParaRPr lang="en-US"/>
+            </a:p>
+          </p:txBody>
+        </p:sp>
+        <p:sp>
+          <p:nvSpPr>
+            <p:cNvPr id="23" name="Line 22"/>
+            <p:cNvSpPr>
+              <a:spLocks noChangeShapeType="1"/>
+            </p:cNvSpPr>
+            <p:nvPr/>
+          </p:nvSpPr>
+          <p:spPr bwMode="auto">
+            <a:xfrm>
+              <a:off x="5567362" y="3743326"/>
+              <a:ext cx="0" cy="1587"/>
+            </a:xfrm>
+            <a:prstGeom prst="line">
+              <a:avLst/>
+            </a:prstGeom>
+            <a:noFill/>
+            <a:ln w="12700">
+              <a:solidFill>
+                <a:srgbClr val="CDCDCD"/>
+              </a:solidFill>
+              <a:round/>
+              <a:headEnd/>
+              <a:tailEnd/>
+            </a:ln>
+            <a:effectLst/>
+            <a:extLst>
+              <a:ext uri="{909E8E84-426E-40DD-AFC4-6F175D3DCCD1}">
+                <a14:hiddenFill xmlns:a14="http://schemas.microsoft.com/office/drawing/2010/main">
+                  <a:noFill/>
+                </a14:hiddenFill>
+              </a:ext>
+              <a:ext uri="{AF507438-7753-43E0-B8FC-AC1667EBCBE1}">
+                <a14:hiddenEffects xmlns:a14="http://schemas.microsoft.com/office/drawing/2010/main">
+                  <a:effectLst>
+                    <a:outerShdw dist="35921" dir="2700000" algn="ctr" rotWithShape="0">
+                      <a:schemeClr val="bg2"/>
+                    </a:outerShdw>
+                  </a:effectLst>
+                </a14:hiddenEffects>
+              </a:ext>
+            </a:extLst>
+          </p:spPr>
+          <p:txBody>
+            <a:bodyPr wrap="none" anchor="ctr"/>
+            <a:lstStyle>
+              <a:defPPr>
+                <a:defRPr lang="en-US"/>
+              </a:defPPr>
+              <a:lvl1pPr algn="l" rtl="0" eaLnBrk="0" fontAlgn="base" hangingPunct="0">
+                <a:spcBef>
+                  <a:spcPct val="0"/>
+                </a:spcBef>
+                <a:spcAft>
+                  <a:spcPct val="0"/>
+                </a:spcAft>
+                <a:defRPr kern="1200">
+                  <a:solidFill>
+                    <a:schemeClr val="tx1"/>
+                  </a:solidFill>
+                  <a:latin typeface="Tahoma" panose="020B0604030504040204" pitchFamily="34" charset="0"/>
+                  <a:ea typeface="+mn-ea"/>
+                  <a:cs typeface="+mn-cs"/>
+                </a:defRPr>
+              </a:lvl1pPr>
+              <a:lvl2pPr marL="457200" algn="l" rtl="0" eaLnBrk="0" fontAlgn="base" hangingPunct="0">
+                <a:spcBef>
+                  <a:spcPct val="0"/>
+                </a:spcBef>
+                <a:spcAft>
+                  <a:spcPct val="0"/>
+                </a:spcAft>
+                <a:defRPr kern="1200">
+                  <a:solidFill>
+                    <a:schemeClr val="tx1"/>
+                  </a:solidFill>
+                  <a:latin typeface="Tahoma" panose="020B0604030504040204" pitchFamily="34" charset="0"/>
+                  <a:ea typeface="+mn-ea"/>
+                  <a:cs typeface="+mn-cs"/>
+                </a:defRPr>
+              </a:lvl2pPr>
+              <a:lvl3pPr marL="914400" algn="l" rtl="0" eaLnBrk="0" fontAlgn="base" hangingPunct="0">
+                <a:spcBef>
+                  <a:spcPct val="0"/>
+                </a:spcBef>
+                <a:spcAft>
+                  <a:spcPct val="0"/>
+                </a:spcAft>
+                <a:defRPr kern="1200">
+                  <a:solidFill>
+                    <a:schemeClr val="tx1"/>
+                  </a:solidFill>
+                  <a:latin typeface="Tahoma" panose="020B0604030504040204" pitchFamily="34" charset="0"/>
+                  <a:ea typeface="+mn-ea"/>
+                  <a:cs typeface="+mn-cs"/>
+                </a:defRPr>
+              </a:lvl3pPr>
+              <a:lvl4pPr marL="1371600" algn="l" rtl="0" eaLnBrk="0" fontAlgn="base" hangingPunct="0">
+                <a:spcBef>
+                  <a:spcPct val="0"/>
+                </a:spcBef>
+                <a:spcAft>
+                  <a:spcPct val="0"/>
+                </a:spcAft>
+                <a:defRPr kern="1200">
+                  <a:solidFill>
+                    <a:schemeClr val="tx1"/>
+                  </a:solidFill>
+                  <a:latin typeface="Tahoma" panose="020B0604030504040204" pitchFamily="34" charset="0"/>
+                  <a:ea typeface="+mn-ea"/>
+                  <a:cs typeface="+mn-cs"/>
+                </a:defRPr>
+              </a:lvl4pPr>
+              <a:lvl5pPr marL="1828800" algn="l" rtl="0" eaLnBrk="0" fontAlgn="base" hangingPunct="0">
+                <a:spcBef>
+                  <a:spcPct val="0"/>
+                </a:spcBef>
+                <a:spcAft>
+                  <a:spcPct val="0"/>
+                </a:spcAft>
+                <a:defRPr kern="1200">
+                  <a:solidFill>
+                    <a:schemeClr val="tx1"/>
+                  </a:solidFill>
+                  <a:latin typeface="Tahoma" panose="020B0604030504040204" pitchFamily="34" charset="0"/>
+                  <a:ea typeface="+mn-ea"/>
+                  <a:cs typeface="+mn-cs"/>
+                </a:defRPr>
+              </a:lvl5pPr>
+              <a:lvl6pPr marL="2286000" algn="l" defTabSz="914400" rtl="0" eaLnBrk="1" latinLnBrk="0" hangingPunct="1">
+                <a:defRPr kern="1200">
+                  <a:solidFill>
+                    <a:schemeClr val="tx1"/>
+                  </a:solidFill>
+                  <a:latin typeface="Tahoma" panose="020B0604030504040204" pitchFamily="34" charset="0"/>
+                  <a:ea typeface="+mn-ea"/>
+                  <a:cs typeface="+mn-cs"/>
+                </a:defRPr>
+              </a:lvl6pPr>
+              <a:lvl7pPr marL="2743200" algn="l" defTabSz="914400" rtl="0" eaLnBrk="1" latinLnBrk="0" hangingPunct="1">
+                <a:defRPr kern="1200">
+                  <a:solidFill>
+                    <a:schemeClr val="tx1"/>
+                  </a:solidFill>
+                  <a:latin typeface="Tahoma" panose="020B0604030504040204" pitchFamily="34" charset="0"/>
+                  <a:ea typeface="+mn-ea"/>
+                  <a:cs typeface="+mn-cs"/>
+                </a:defRPr>
+              </a:lvl7pPr>
+              <a:lvl8pPr marL="3200400" algn="l" defTabSz="914400" rtl="0" eaLnBrk="1" latinLnBrk="0" hangingPunct="1">
+                <a:defRPr kern="1200">
+                  <a:solidFill>
+                    <a:schemeClr val="tx1"/>
+                  </a:solidFill>
+                  <a:latin typeface="Tahoma" panose="020B0604030504040204" pitchFamily="34" charset="0"/>
+                  <a:ea typeface="+mn-ea"/>
+                  <a:cs typeface="+mn-cs"/>
+                </a:defRPr>
+              </a:lvl8pPr>
+              <a:lvl9pPr marL="3657600" algn="l" defTabSz="914400" rtl="0" eaLnBrk="1" latinLnBrk="0" hangingPunct="1">
+                <a:defRPr kern="1200">
+                  <a:solidFill>
+                    <a:schemeClr val="tx1"/>
+                  </a:solidFill>
+                  <a:latin typeface="Tahoma" panose="020B0604030504040204" pitchFamily="34" charset="0"/>
+                  <a:ea typeface="+mn-ea"/>
+                  <a:cs typeface="+mn-cs"/>
+                </a:defRPr>
+              </a:lvl9pPr>
+            </a:lstStyle>
+            <a:p>
+              <a:endParaRPr lang="en-US"/>
+            </a:p>
+          </p:txBody>
+        </p:sp>
+        <p:sp>
+          <p:nvSpPr>
+            <p:cNvPr id="24" name="Line 23"/>
+            <p:cNvSpPr>
+              <a:spLocks noChangeShapeType="1"/>
+            </p:cNvSpPr>
+            <p:nvPr/>
+          </p:nvSpPr>
+          <p:spPr bwMode="auto">
+            <a:xfrm>
+              <a:off x="5265737" y="3743326"/>
+              <a:ext cx="0" cy="1587"/>
+            </a:xfrm>
+            <a:prstGeom prst="line">
+              <a:avLst/>
+            </a:prstGeom>
+            <a:noFill/>
+            <a:ln w="12700">
+              <a:solidFill>
+                <a:srgbClr val="CDCDCD"/>
+              </a:solidFill>
+              <a:round/>
+              <a:headEnd/>
+              <a:tailEnd/>
+            </a:ln>
+            <a:effectLst/>
+            <a:extLst>
+              <a:ext uri="{909E8E84-426E-40DD-AFC4-6F175D3DCCD1}">
+                <a14:hiddenFill xmlns:a14="http://schemas.microsoft.com/office/drawing/2010/main">
+                  <a:noFill/>
+                </a14:hiddenFill>
+              </a:ext>
+              <a:ext uri="{AF507438-7753-43E0-B8FC-AC1667EBCBE1}">
+                <a14:hiddenEffects xmlns:a14="http://schemas.microsoft.com/office/drawing/2010/main">
+                  <a:effectLst>
+                    <a:outerShdw dist="35921" dir="2700000" algn="ctr" rotWithShape="0">
+                      <a:schemeClr val="bg2"/>
+                    </a:outerShdw>
+                  </a:effectLst>
+                </a14:hiddenEffects>
+              </a:ext>
+            </a:extLst>
+          </p:spPr>
+          <p:txBody>
+            <a:bodyPr wrap="none" anchor="ctr"/>
+            <a:lstStyle>
+              <a:defPPr>
+                <a:defRPr lang="en-US"/>
+              </a:defPPr>
+              <a:lvl1pPr algn="l" rtl="0" eaLnBrk="0" fontAlgn="base" hangingPunct="0">
+                <a:spcBef>
+                  <a:spcPct val="0"/>
+                </a:spcBef>
+                <a:spcAft>
+                  <a:spcPct val="0"/>
+                </a:spcAft>
+                <a:defRPr kern="1200">
+                  <a:solidFill>
+                    <a:schemeClr val="tx1"/>
+                  </a:solidFill>
+                  <a:latin typeface="Tahoma" panose="020B0604030504040204" pitchFamily="34" charset="0"/>
+                  <a:ea typeface="+mn-ea"/>
+                  <a:cs typeface="+mn-cs"/>
+                </a:defRPr>
+              </a:lvl1pPr>
+              <a:lvl2pPr marL="457200" algn="l" rtl="0" eaLnBrk="0" fontAlgn="base" hangingPunct="0">
+                <a:spcBef>
+                  <a:spcPct val="0"/>
+                </a:spcBef>
+                <a:spcAft>
+                  <a:spcPct val="0"/>
+                </a:spcAft>
+                <a:defRPr kern="1200">
+                  <a:solidFill>
+                    <a:schemeClr val="tx1"/>
+                  </a:solidFill>
+                  <a:latin typeface="Tahoma" panose="020B0604030504040204" pitchFamily="34" charset="0"/>
+                  <a:ea typeface="+mn-ea"/>
+                  <a:cs typeface="+mn-cs"/>
+                </a:defRPr>
+              </a:lvl2pPr>
+              <a:lvl3pPr marL="914400" algn="l" rtl="0" eaLnBrk="0" fontAlgn="base" hangingPunct="0">
+                <a:spcBef>
+                  <a:spcPct val="0"/>
+                </a:spcBef>
+                <a:spcAft>
+                  <a:spcPct val="0"/>
+                </a:spcAft>
+                <a:defRPr kern="1200">
+                  <a:solidFill>
+                    <a:schemeClr val="tx1"/>
+                  </a:solidFill>
+                  <a:latin typeface="Tahoma" panose="020B0604030504040204" pitchFamily="34" charset="0"/>
+                  <a:ea typeface="+mn-ea"/>
+                  <a:cs typeface="+mn-cs"/>
+                </a:defRPr>
+              </a:lvl3pPr>
+              <a:lvl4pPr marL="1371600" algn="l" rtl="0" eaLnBrk="0" fontAlgn="base" hangingPunct="0">
+                <a:spcBef>
+                  <a:spcPct val="0"/>
+                </a:spcBef>
+                <a:spcAft>
+                  <a:spcPct val="0"/>
+                </a:spcAft>
+                <a:defRPr kern="1200">
+                  <a:solidFill>
+                    <a:schemeClr val="tx1"/>
+                  </a:solidFill>
+                  <a:latin typeface="Tahoma" panose="020B0604030504040204" pitchFamily="34" charset="0"/>
+                  <a:ea typeface="+mn-ea"/>
+                  <a:cs typeface="+mn-cs"/>
+                </a:defRPr>
+              </a:lvl4pPr>
+              <a:lvl5pPr marL="1828800" algn="l" rtl="0" eaLnBrk="0" fontAlgn="base" hangingPunct="0">
+                <a:spcBef>
+                  <a:spcPct val="0"/>
+                </a:spcBef>
+                <a:spcAft>
+                  <a:spcPct val="0"/>
+                </a:spcAft>
+                <a:defRPr kern="1200">
+                  <a:solidFill>
+                    <a:schemeClr val="tx1"/>
+                  </a:solidFill>
+                  <a:latin typeface="Tahoma" panose="020B0604030504040204" pitchFamily="34" charset="0"/>
+                  <a:ea typeface="+mn-ea"/>
+                  <a:cs typeface="+mn-cs"/>
+                </a:defRPr>
+              </a:lvl5pPr>
+              <a:lvl6pPr marL="2286000" algn="l" defTabSz="914400" rtl="0" eaLnBrk="1" latinLnBrk="0" hangingPunct="1">
+                <a:defRPr kern="1200">
+                  <a:solidFill>
+                    <a:schemeClr val="tx1"/>
+                  </a:solidFill>
+                  <a:latin typeface="Tahoma" panose="020B0604030504040204" pitchFamily="34" charset="0"/>
+                  <a:ea typeface="+mn-ea"/>
+                  <a:cs typeface="+mn-cs"/>
+                </a:defRPr>
+              </a:lvl6pPr>
+              <a:lvl7pPr marL="2743200" algn="l" defTabSz="914400" rtl="0" eaLnBrk="1" latinLnBrk="0" hangingPunct="1">
+                <a:defRPr kern="1200">
+                  <a:solidFill>
+                    <a:schemeClr val="tx1"/>
+                  </a:solidFill>
+                  <a:latin typeface="Tahoma" panose="020B0604030504040204" pitchFamily="34" charset="0"/>
+                  <a:ea typeface="+mn-ea"/>
+                  <a:cs typeface="+mn-cs"/>
+                </a:defRPr>
+              </a:lvl7pPr>
+              <a:lvl8pPr marL="3200400" algn="l" defTabSz="914400" rtl="0" eaLnBrk="1" latinLnBrk="0" hangingPunct="1">
+                <a:defRPr kern="1200">
+                  <a:solidFill>
+                    <a:schemeClr val="tx1"/>
+                  </a:solidFill>
+                  <a:latin typeface="Tahoma" panose="020B0604030504040204" pitchFamily="34" charset="0"/>
+                  <a:ea typeface="+mn-ea"/>
+                  <a:cs typeface="+mn-cs"/>
+                </a:defRPr>
+              </a:lvl8pPr>
+              <a:lvl9pPr marL="3657600" algn="l" defTabSz="914400" rtl="0" eaLnBrk="1" latinLnBrk="0" hangingPunct="1">
+                <a:defRPr kern="1200">
+                  <a:solidFill>
+                    <a:schemeClr val="tx1"/>
+                  </a:solidFill>
+                  <a:latin typeface="Tahoma" panose="020B0604030504040204" pitchFamily="34" charset="0"/>
+                  <a:ea typeface="+mn-ea"/>
+                  <a:cs typeface="+mn-cs"/>
+                </a:defRPr>
+              </a:lvl9pPr>
+            </a:lstStyle>
+            <a:p>
+              <a:endParaRPr lang="en-US"/>
+            </a:p>
+          </p:txBody>
+        </p:sp>
+        <p:sp>
+          <p:nvSpPr>
+            <p:cNvPr id="25" name="Line 24"/>
+            <p:cNvSpPr>
+              <a:spLocks noChangeShapeType="1"/>
+            </p:cNvSpPr>
+            <p:nvPr/>
+          </p:nvSpPr>
+          <p:spPr bwMode="auto">
+            <a:xfrm>
+              <a:off x="4965700" y="3743326"/>
+              <a:ext cx="0" cy="1587"/>
+            </a:xfrm>
+            <a:prstGeom prst="line">
+              <a:avLst/>
+            </a:prstGeom>
+            <a:noFill/>
+            <a:ln w="12700">
+              <a:solidFill>
+                <a:srgbClr val="CDCDCD"/>
+              </a:solidFill>
+              <a:round/>
+              <a:headEnd/>
+              <a:tailEnd/>
+            </a:ln>
+            <a:effectLst/>
+            <a:extLst>
+              <a:ext uri="{909E8E84-426E-40DD-AFC4-6F175D3DCCD1}">
+                <a14:hiddenFill xmlns:a14="http://schemas.microsoft.com/office/drawing/2010/main">
+                  <a:noFill/>
+                </a14:hiddenFill>
+              </a:ext>
+              <a:ext uri="{AF507438-7753-43E0-B8FC-AC1667EBCBE1}">
+                <a14:hiddenEffects xmlns:a14="http://schemas.microsoft.com/office/drawing/2010/main">
+                  <a:effectLst>
+                    <a:outerShdw dist="35921" dir="2700000" algn="ctr" rotWithShape="0">
+                      <a:schemeClr val="bg2"/>
+                    </a:outerShdw>
+                  </a:effectLst>
+                </a14:hiddenEffects>
+              </a:ext>
+            </a:extLst>
+          </p:spPr>
+          <p:txBody>
+            <a:bodyPr wrap="none" anchor="ctr"/>
+            <a:lstStyle>
+              <a:defPPr>
+                <a:defRPr lang="en-US"/>
+              </a:defPPr>
+              <a:lvl1pPr algn="l" rtl="0" eaLnBrk="0" fontAlgn="base" hangingPunct="0">
+                <a:spcBef>
+                  <a:spcPct val="0"/>
+                </a:spcBef>
+                <a:spcAft>
+                  <a:spcPct val="0"/>
+                </a:spcAft>
+                <a:defRPr kern="1200">
+                  <a:solidFill>
+                    <a:schemeClr val="tx1"/>
+                  </a:solidFill>
+                  <a:latin typeface="Tahoma" panose="020B0604030504040204" pitchFamily="34" charset="0"/>
+                  <a:ea typeface="+mn-ea"/>
+                  <a:cs typeface="+mn-cs"/>
+                </a:defRPr>
+              </a:lvl1pPr>
+              <a:lvl2pPr marL="457200" algn="l" rtl="0" eaLnBrk="0" fontAlgn="base" hangingPunct="0">
+                <a:spcBef>
+                  <a:spcPct val="0"/>
+                </a:spcBef>
+                <a:spcAft>
+                  <a:spcPct val="0"/>
+                </a:spcAft>
+                <a:defRPr kern="1200">
+                  <a:solidFill>
+                    <a:schemeClr val="tx1"/>
+                  </a:solidFill>
+                  <a:latin typeface="Tahoma" panose="020B0604030504040204" pitchFamily="34" charset="0"/>
+                  <a:ea typeface="+mn-ea"/>
+                  <a:cs typeface="+mn-cs"/>
+                </a:defRPr>
+              </a:lvl2pPr>
+              <a:lvl3pPr marL="914400" algn="l" rtl="0" eaLnBrk="0" fontAlgn="base" hangingPunct="0">
+                <a:spcBef>
+                  <a:spcPct val="0"/>
+                </a:spcBef>
+                <a:spcAft>
+                  <a:spcPct val="0"/>
+                </a:spcAft>
+                <a:defRPr kern="1200">
+                  <a:solidFill>
+                    <a:schemeClr val="tx1"/>
+                  </a:solidFill>
+                  <a:latin typeface="Tahoma" panose="020B0604030504040204" pitchFamily="34" charset="0"/>
+                  <a:ea typeface="+mn-ea"/>
+                  <a:cs typeface="+mn-cs"/>
+                </a:defRPr>
+              </a:lvl3pPr>
+              <a:lvl4pPr marL="1371600" algn="l" rtl="0" eaLnBrk="0" fontAlgn="base" hangingPunct="0">
+                <a:spcBef>
+                  <a:spcPct val="0"/>
+                </a:spcBef>
+                <a:spcAft>
+                  <a:spcPct val="0"/>
+                </a:spcAft>
+                <a:defRPr kern="1200">
+                  <a:solidFill>
+                    <a:schemeClr val="tx1"/>
+                  </a:solidFill>
+                  <a:latin typeface="Tahoma" panose="020B0604030504040204" pitchFamily="34" charset="0"/>
+                  <a:ea typeface="+mn-ea"/>
+                  <a:cs typeface="+mn-cs"/>
+                </a:defRPr>
+              </a:lvl4pPr>
+              <a:lvl5pPr marL="1828800" algn="l" rtl="0" eaLnBrk="0" fontAlgn="base" hangingPunct="0">
+                <a:spcBef>
+                  <a:spcPct val="0"/>
+                </a:spcBef>
+                <a:spcAft>
+                  <a:spcPct val="0"/>
+                </a:spcAft>
+                <a:defRPr kern="1200">
+                  <a:solidFill>
+                    <a:schemeClr val="tx1"/>
+                  </a:solidFill>
+                  <a:latin typeface="Tahoma" panose="020B0604030504040204" pitchFamily="34" charset="0"/>
+                  <a:ea typeface="+mn-ea"/>
+                  <a:cs typeface="+mn-cs"/>
+                </a:defRPr>
+              </a:lvl5pPr>
+              <a:lvl6pPr marL="2286000" algn="l" defTabSz="914400" rtl="0" eaLnBrk="1" latinLnBrk="0" hangingPunct="1">
+                <a:defRPr kern="1200">
+                  <a:solidFill>
+                    <a:schemeClr val="tx1"/>
+                  </a:solidFill>
+                  <a:latin typeface="Tahoma" panose="020B0604030504040204" pitchFamily="34" charset="0"/>
+                  <a:ea typeface="+mn-ea"/>
+                  <a:cs typeface="+mn-cs"/>
+                </a:defRPr>
+              </a:lvl6pPr>
+              <a:lvl7pPr marL="2743200" algn="l" defTabSz="914400" rtl="0" eaLnBrk="1" latinLnBrk="0" hangingPunct="1">
+                <a:defRPr kern="1200">
+                  <a:solidFill>
+                    <a:schemeClr val="tx1"/>
+                  </a:solidFill>
+                  <a:latin typeface="Tahoma" panose="020B0604030504040204" pitchFamily="34" charset="0"/>
+                  <a:ea typeface="+mn-ea"/>
+                  <a:cs typeface="+mn-cs"/>
+                </a:defRPr>
+              </a:lvl7pPr>
+              <a:lvl8pPr marL="3200400" algn="l" defTabSz="914400" rtl="0" eaLnBrk="1" latinLnBrk="0" hangingPunct="1">
+                <a:defRPr kern="1200">
+                  <a:solidFill>
+                    <a:schemeClr val="tx1"/>
+                  </a:solidFill>
+                  <a:latin typeface="Tahoma" panose="020B0604030504040204" pitchFamily="34" charset="0"/>
+                  <a:ea typeface="+mn-ea"/>
+                  <a:cs typeface="+mn-cs"/>
+                </a:defRPr>
+              </a:lvl8pPr>
+              <a:lvl9pPr marL="3657600" algn="l" defTabSz="914400" rtl="0" eaLnBrk="1" latinLnBrk="0" hangingPunct="1">
+                <a:defRPr kern="1200">
+                  <a:solidFill>
+                    <a:schemeClr val="tx1"/>
+                  </a:solidFill>
+                  <a:latin typeface="Tahoma" panose="020B0604030504040204" pitchFamily="34" charset="0"/>
+                  <a:ea typeface="+mn-ea"/>
+                  <a:cs typeface="+mn-cs"/>
+                </a:defRPr>
+              </a:lvl9pPr>
+            </a:lstStyle>
+            <a:p>
+              <a:endParaRPr lang="en-US"/>
+            </a:p>
+          </p:txBody>
+        </p:sp>
+        <p:sp>
+          <p:nvSpPr>
+            <p:cNvPr id="26" name="Rectangle 25"/>
+            <p:cNvSpPr>
+              <a:spLocks noChangeArrowheads="1"/>
+            </p:cNvSpPr>
+            <p:nvPr/>
+          </p:nvSpPr>
+          <p:spPr bwMode="auto">
+            <a:xfrm>
+              <a:off x="4538662" y="3038476"/>
+              <a:ext cx="92075" cy="184150"/>
+            </a:xfrm>
+            <a:prstGeom prst="rect">
+              <a:avLst/>
+            </a:prstGeom>
+            <a:noFill/>
+            <a:ln>
+              <a:noFill/>
+            </a:ln>
+            <a:effectLst/>
+            <a:extLst>
+              <a:ext uri="{909E8E84-426E-40DD-AFC4-6F175D3DCCD1}">
+                <a14:hiddenFill xmlns:a14="http://schemas.microsoft.com/office/drawing/2010/main">
+                  <a:solidFill>
+                    <a:schemeClr val="accent1"/>
+                  </a:solidFill>
+                </a14:hiddenFill>
+              </a:ext>
+              <a:ext uri="{91240B29-F687-4F45-9708-019B960494DF}">
+                <a14:hiddenLine xmlns:a14="http://schemas.microsoft.com/office/drawing/2010/main" w="12700">
+                  <a:solidFill>
+                    <a:schemeClr val="tx1"/>
+                  </a:solidFill>
+                  <a:miter lim="800000"/>
+                  <a:headEnd/>
+                  <a:tailEnd/>
+                </a14:hiddenLine>
+              </a:ext>
+              <a:ext uri="{AF507438-7753-43E0-B8FC-AC1667EBCBE1}">
+                <a14:hiddenEffects xmlns:a14="http://schemas.microsoft.com/office/drawing/2010/main">
+                  <a:effectLst>
+                    <a:outerShdw dist="35921" dir="2700000" algn="ctr" rotWithShape="0">
+                      <a:schemeClr val="bg2"/>
+                    </a:outerShdw>
+                  </a:effectLst>
+                </a14:hiddenEffects>
+              </a:ext>
+            </a:extLst>
+          </p:spPr>
+          <p:txBody>
+            <a:bodyPr wrap="none" anchor="ctr"/>
+            <a:lstStyle>
+              <a:defPPr>
+                <a:defRPr lang="en-US"/>
+              </a:defPPr>
+              <a:lvl1pPr algn="l" rtl="0" eaLnBrk="0" fontAlgn="base" hangingPunct="0">
+                <a:spcBef>
+                  <a:spcPct val="0"/>
+                </a:spcBef>
+                <a:spcAft>
+                  <a:spcPct val="0"/>
+                </a:spcAft>
+                <a:defRPr kern="1200">
+                  <a:solidFill>
+                    <a:schemeClr val="tx1"/>
+                  </a:solidFill>
+                  <a:latin typeface="Tahoma" panose="020B0604030504040204" pitchFamily="34" charset="0"/>
+                  <a:ea typeface="+mn-ea"/>
+                  <a:cs typeface="+mn-cs"/>
+                </a:defRPr>
+              </a:lvl1pPr>
+              <a:lvl2pPr marL="457200" algn="l" rtl="0" eaLnBrk="0" fontAlgn="base" hangingPunct="0">
+                <a:spcBef>
+                  <a:spcPct val="0"/>
+                </a:spcBef>
+                <a:spcAft>
+                  <a:spcPct val="0"/>
+                </a:spcAft>
+                <a:defRPr kern="1200">
+                  <a:solidFill>
+                    <a:schemeClr val="tx1"/>
+                  </a:solidFill>
+                  <a:latin typeface="Tahoma" panose="020B0604030504040204" pitchFamily="34" charset="0"/>
+                  <a:ea typeface="+mn-ea"/>
+                  <a:cs typeface="+mn-cs"/>
+                </a:defRPr>
+              </a:lvl2pPr>
+              <a:lvl3pPr marL="914400" algn="l" rtl="0" eaLnBrk="0" fontAlgn="base" hangingPunct="0">
+                <a:spcBef>
+                  <a:spcPct val="0"/>
+                </a:spcBef>
+                <a:spcAft>
+                  <a:spcPct val="0"/>
+                </a:spcAft>
+                <a:defRPr kern="1200">
+                  <a:solidFill>
+                    <a:schemeClr val="tx1"/>
+                  </a:solidFill>
+                  <a:latin typeface="Tahoma" panose="020B0604030504040204" pitchFamily="34" charset="0"/>
+                  <a:ea typeface="+mn-ea"/>
+                  <a:cs typeface="+mn-cs"/>
+                </a:defRPr>
+              </a:lvl3pPr>
+              <a:lvl4pPr marL="1371600" algn="l" rtl="0" eaLnBrk="0" fontAlgn="base" hangingPunct="0">
+                <a:spcBef>
+                  <a:spcPct val="0"/>
+                </a:spcBef>
+                <a:spcAft>
+                  <a:spcPct val="0"/>
+                </a:spcAft>
+                <a:defRPr kern="1200">
+                  <a:solidFill>
+                    <a:schemeClr val="tx1"/>
+                  </a:solidFill>
+                  <a:latin typeface="Tahoma" panose="020B0604030504040204" pitchFamily="34" charset="0"/>
+                  <a:ea typeface="+mn-ea"/>
+                  <a:cs typeface="+mn-cs"/>
+                </a:defRPr>
+              </a:lvl4pPr>
+              <a:lvl5pPr marL="1828800" algn="l" rtl="0" eaLnBrk="0" fontAlgn="base" hangingPunct="0">
+                <a:spcBef>
+                  <a:spcPct val="0"/>
+                </a:spcBef>
+                <a:spcAft>
+                  <a:spcPct val="0"/>
+                </a:spcAft>
+                <a:defRPr kern="1200">
+                  <a:solidFill>
+                    <a:schemeClr val="tx1"/>
+                  </a:solidFill>
+                  <a:latin typeface="Tahoma" panose="020B0604030504040204" pitchFamily="34" charset="0"/>
+                  <a:ea typeface="+mn-ea"/>
+                  <a:cs typeface="+mn-cs"/>
+                </a:defRPr>
+              </a:lvl5pPr>
+              <a:lvl6pPr marL="2286000" algn="l" defTabSz="914400" rtl="0" eaLnBrk="1" latinLnBrk="0" hangingPunct="1">
+                <a:defRPr kern="1200">
+                  <a:solidFill>
+                    <a:schemeClr val="tx1"/>
+                  </a:solidFill>
+                  <a:latin typeface="Tahoma" panose="020B0604030504040204" pitchFamily="34" charset="0"/>
+                  <a:ea typeface="+mn-ea"/>
+                  <a:cs typeface="+mn-cs"/>
+                </a:defRPr>
+              </a:lvl6pPr>
+              <a:lvl7pPr marL="2743200" algn="l" defTabSz="914400" rtl="0" eaLnBrk="1" latinLnBrk="0" hangingPunct="1">
+                <a:defRPr kern="1200">
+                  <a:solidFill>
+                    <a:schemeClr val="tx1"/>
+                  </a:solidFill>
+                  <a:latin typeface="Tahoma" panose="020B0604030504040204" pitchFamily="34" charset="0"/>
+                  <a:ea typeface="+mn-ea"/>
+                  <a:cs typeface="+mn-cs"/>
+                </a:defRPr>
+              </a:lvl7pPr>
+              <a:lvl8pPr marL="3200400" algn="l" defTabSz="914400" rtl="0" eaLnBrk="1" latinLnBrk="0" hangingPunct="1">
+                <a:defRPr kern="1200">
+                  <a:solidFill>
+                    <a:schemeClr val="tx1"/>
+                  </a:solidFill>
+                  <a:latin typeface="Tahoma" panose="020B0604030504040204" pitchFamily="34" charset="0"/>
+                  <a:ea typeface="+mn-ea"/>
+                  <a:cs typeface="+mn-cs"/>
+                </a:defRPr>
+              </a:lvl8pPr>
+              <a:lvl9pPr marL="3657600" algn="l" defTabSz="914400" rtl="0" eaLnBrk="1" latinLnBrk="0" hangingPunct="1">
+                <a:defRPr kern="1200">
+                  <a:solidFill>
+                    <a:schemeClr val="tx1"/>
+                  </a:solidFill>
+                  <a:latin typeface="Tahoma" panose="020B0604030504040204" pitchFamily="34" charset="0"/>
+                  <a:ea typeface="+mn-ea"/>
+                  <a:cs typeface="+mn-cs"/>
+                </a:defRPr>
+              </a:lvl9pPr>
+            </a:lstStyle>
+            <a:p>
+              <a:endParaRPr lang="en-US"/>
+            </a:p>
+          </p:txBody>
+        </p:sp>
+        <p:sp>
+          <p:nvSpPr>
+            <p:cNvPr id="27" name="Rectangle 26"/>
+            <p:cNvSpPr>
+              <a:spLocks noChangeArrowheads="1"/>
+            </p:cNvSpPr>
+            <p:nvPr/>
+          </p:nvSpPr>
+          <p:spPr bwMode="auto">
+            <a:xfrm>
+              <a:off x="6075362" y="3713163"/>
+              <a:ext cx="184150" cy="92075"/>
+            </a:xfrm>
+            <a:prstGeom prst="rect">
+              <a:avLst/>
+            </a:prstGeom>
+            <a:noFill/>
+            <a:ln>
+              <a:noFill/>
+            </a:ln>
+            <a:effectLst/>
+            <a:extLst>
+              <a:ext uri="{909E8E84-426E-40DD-AFC4-6F175D3DCCD1}">
+                <a14:hiddenFill xmlns:a14="http://schemas.microsoft.com/office/drawing/2010/main">
+                  <a:solidFill>
+                    <a:schemeClr val="accent1"/>
+                  </a:solidFill>
+                </a14:hiddenFill>
+              </a:ext>
+              <a:ext uri="{91240B29-F687-4F45-9708-019B960494DF}">
+                <a14:hiddenLine xmlns:a14="http://schemas.microsoft.com/office/drawing/2010/main" w="12700">
+                  <a:solidFill>
+                    <a:schemeClr val="tx1"/>
+                  </a:solidFill>
+                  <a:miter lim="800000"/>
+                  <a:headEnd/>
+                  <a:tailEnd/>
+                </a14:hiddenLine>
+              </a:ext>
+              <a:ext uri="{AF507438-7753-43E0-B8FC-AC1667EBCBE1}">
+                <a14:hiddenEffects xmlns:a14="http://schemas.microsoft.com/office/drawing/2010/main">
+                  <a:effectLst>
+                    <a:outerShdw dist="35921" dir="2700000" algn="ctr" rotWithShape="0">
+                      <a:schemeClr val="bg2"/>
+                    </a:outerShdw>
+                  </a:effectLst>
+                </a14:hiddenEffects>
+              </a:ext>
+            </a:extLst>
+          </p:spPr>
+          <p:txBody>
+            <a:bodyPr wrap="none" anchor="ctr"/>
+            <a:lstStyle>
+              <a:defPPr>
+                <a:defRPr lang="en-US"/>
+              </a:defPPr>
+              <a:lvl1pPr algn="l" rtl="0" eaLnBrk="0" fontAlgn="base" hangingPunct="0">
+                <a:spcBef>
+                  <a:spcPct val="0"/>
+                </a:spcBef>
+                <a:spcAft>
+                  <a:spcPct val="0"/>
+                </a:spcAft>
+                <a:defRPr kern="1200">
+                  <a:solidFill>
+                    <a:schemeClr val="tx1"/>
+                  </a:solidFill>
+                  <a:latin typeface="Tahoma" panose="020B0604030504040204" pitchFamily="34" charset="0"/>
+                  <a:ea typeface="+mn-ea"/>
+                  <a:cs typeface="+mn-cs"/>
+                </a:defRPr>
+              </a:lvl1pPr>
+              <a:lvl2pPr marL="457200" algn="l" rtl="0" eaLnBrk="0" fontAlgn="base" hangingPunct="0">
+                <a:spcBef>
+                  <a:spcPct val="0"/>
+                </a:spcBef>
+                <a:spcAft>
+                  <a:spcPct val="0"/>
+                </a:spcAft>
+                <a:defRPr kern="1200">
+                  <a:solidFill>
+                    <a:schemeClr val="tx1"/>
+                  </a:solidFill>
+                  <a:latin typeface="Tahoma" panose="020B0604030504040204" pitchFamily="34" charset="0"/>
+                  <a:ea typeface="+mn-ea"/>
+                  <a:cs typeface="+mn-cs"/>
+                </a:defRPr>
+              </a:lvl2pPr>
+              <a:lvl3pPr marL="914400" algn="l" rtl="0" eaLnBrk="0" fontAlgn="base" hangingPunct="0">
+                <a:spcBef>
+                  <a:spcPct val="0"/>
+                </a:spcBef>
+                <a:spcAft>
+                  <a:spcPct val="0"/>
+                </a:spcAft>
+                <a:defRPr kern="1200">
+                  <a:solidFill>
+                    <a:schemeClr val="tx1"/>
+                  </a:solidFill>
+                  <a:latin typeface="Tahoma" panose="020B0604030504040204" pitchFamily="34" charset="0"/>
+                  <a:ea typeface="+mn-ea"/>
+                  <a:cs typeface="+mn-cs"/>
+                </a:defRPr>
+              </a:lvl3pPr>
+              <a:lvl4pPr marL="1371600" algn="l" rtl="0" eaLnBrk="0" fontAlgn="base" hangingPunct="0">
+                <a:spcBef>
+                  <a:spcPct val="0"/>
+                </a:spcBef>
+                <a:spcAft>
+                  <a:spcPct val="0"/>
+                </a:spcAft>
+                <a:defRPr kern="1200">
+                  <a:solidFill>
+                    <a:schemeClr val="tx1"/>
+                  </a:solidFill>
+                  <a:latin typeface="Tahoma" panose="020B0604030504040204" pitchFamily="34" charset="0"/>
+                  <a:ea typeface="+mn-ea"/>
+                  <a:cs typeface="+mn-cs"/>
+                </a:defRPr>
+              </a:lvl4pPr>
+              <a:lvl5pPr marL="1828800" algn="l" rtl="0" eaLnBrk="0" fontAlgn="base" hangingPunct="0">
+                <a:spcBef>
+                  <a:spcPct val="0"/>
+                </a:spcBef>
+                <a:spcAft>
+                  <a:spcPct val="0"/>
+                </a:spcAft>
+                <a:defRPr kern="1200">
+                  <a:solidFill>
+                    <a:schemeClr val="tx1"/>
+                  </a:solidFill>
+                  <a:latin typeface="Tahoma" panose="020B0604030504040204" pitchFamily="34" charset="0"/>
+                  <a:ea typeface="+mn-ea"/>
+                  <a:cs typeface="+mn-cs"/>
+                </a:defRPr>
+              </a:lvl5pPr>
+              <a:lvl6pPr marL="2286000" algn="l" defTabSz="914400" rtl="0" eaLnBrk="1" latinLnBrk="0" hangingPunct="1">
+                <a:defRPr kern="1200">
+                  <a:solidFill>
+                    <a:schemeClr val="tx1"/>
+                  </a:solidFill>
+                  <a:latin typeface="Tahoma" panose="020B0604030504040204" pitchFamily="34" charset="0"/>
+                  <a:ea typeface="+mn-ea"/>
+                  <a:cs typeface="+mn-cs"/>
+                </a:defRPr>
+              </a:lvl6pPr>
+              <a:lvl7pPr marL="2743200" algn="l" defTabSz="914400" rtl="0" eaLnBrk="1" latinLnBrk="0" hangingPunct="1">
+                <a:defRPr kern="1200">
+                  <a:solidFill>
+                    <a:schemeClr val="tx1"/>
+                  </a:solidFill>
+                  <a:latin typeface="Tahoma" panose="020B0604030504040204" pitchFamily="34" charset="0"/>
+                  <a:ea typeface="+mn-ea"/>
+                  <a:cs typeface="+mn-cs"/>
+                </a:defRPr>
+              </a:lvl7pPr>
+              <a:lvl8pPr marL="3200400" algn="l" defTabSz="914400" rtl="0" eaLnBrk="1" latinLnBrk="0" hangingPunct="1">
+                <a:defRPr kern="1200">
+                  <a:solidFill>
+                    <a:schemeClr val="tx1"/>
+                  </a:solidFill>
+                  <a:latin typeface="Tahoma" panose="020B0604030504040204" pitchFamily="34" charset="0"/>
+                  <a:ea typeface="+mn-ea"/>
+                  <a:cs typeface="+mn-cs"/>
+                </a:defRPr>
+              </a:lvl8pPr>
+              <a:lvl9pPr marL="3657600" algn="l" defTabSz="914400" rtl="0" eaLnBrk="1" latinLnBrk="0" hangingPunct="1">
+                <a:defRPr kern="1200">
+                  <a:solidFill>
+                    <a:schemeClr val="tx1"/>
+                  </a:solidFill>
+                  <a:latin typeface="Tahoma" panose="020B0604030504040204" pitchFamily="34" charset="0"/>
+                  <a:ea typeface="+mn-ea"/>
+                  <a:cs typeface="+mn-cs"/>
+                </a:defRPr>
+              </a:lvl9pPr>
+            </a:lstStyle>
+            <a:p>
+              <a:endParaRPr lang="en-US"/>
+            </a:p>
+          </p:txBody>
+        </p:sp>
+        <p:sp>
+          <p:nvSpPr>
+            <p:cNvPr id="32" name="Freeform 31"/>
+            <p:cNvSpPr>
+              <a:spLocks/>
+            </p:cNvSpPr>
+            <p:nvPr/>
+          </p:nvSpPr>
+          <p:spPr bwMode="auto">
+            <a:xfrm>
+              <a:off x="6018212" y="2744788"/>
+              <a:ext cx="2438400" cy="1905000"/>
+            </a:xfrm>
+            <a:custGeom>
+              <a:avLst/>
+              <a:gdLst>
+                <a:gd name="T0" fmla="*/ 900 w 901"/>
+                <a:gd name="T1" fmla="*/ 720 h 721"/>
+                <a:gd name="T2" fmla="*/ 805 w 901"/>
+                <a:gd name="T3" fmla="*/ 712 h 721"/>
+                <a:gd name="T4" fmla="*/ 758 w 901"/>
+                <a:gd name="T5" fmla="*/ 704 h 721"/>
+                <a:gd name="T6" fmla="*/ 711 w 901"/>
+                <a:gd name="T7" fmla="*/ 691 h 721"/>
+                <a:gd name="T8" fmla="*/ 663 w 901"/>
+                <a:gd name="T9" fmla="*/ 675 h 721"/>
+                <a:gd name="T10" fmla="*/ 615 w 901"/>
+                <a:gd name="T11" fmla="*/ 653 h 721"/>
+                <a:gd name="T12" fmla="*/ 568 w 901"/>
+                <a:gd name="T13" fmla="*/ 623 h 721"/>
+                <a:gd name="T14" fmla="*/ 473 w 901"/>
+                <a:gd name="T15" fmla="*/ 540 h 721"/>
+                <a:gd name="T16" fmla="*/ 378 w 901"/>
+                <a:gd name="T17" fmla="*/ 422 h 721"/>
+                <a:gd name="T18" fmla="*/ 284 w 901"/>
+                <a:gd name="T19" fmla="*/ 281 h 721"/>
+                <a:gd name="T20" fmla="*/ 236 w 901"/>
+                <a:gd name="T21" fmla="*/ 209 h 721"/>
+                <a:gd name="T22" fmla="*/ 189 w 901"/>
+                <a:gd name="T23" fmla="*/ 142 h 721"/>
+                <a:gd name="T24" fmla="*/ 142 w 901"/>
+                <a:gd name="T25" fmla="*/ 83 h 721"/>
+                <a:gd name="T26" fmla="*/ 94 w 901"/>
+                <a:gd name="T27" fmla="*/ 38 h 721"/>
+                <a:gd name="T28" fmla="*/ 47 w 901"/>
+                <a:gd name="T29" fmla="*/ 9 h 721"/>
+                <a:gd name="T30" fmla="*/ 0 w 901"/>
+                <a:gd name="T31" fmla="*/ 0 h 721"/>
+              </a:gdLst>
+              <a:ahLst/>
+              <a:cxnLst>
+                <a:cxn ang="0">
+                  <a:pos x="T0" y="T1"/>
+                </a:cxn>
+                <a:cxn ang="0">
+                  <a:pos x="T2" y="T3"/>
+                </a:cxn>
+                <a:cxn ang="0">
+                  <a:pos x="T4" y="T5"/>
+                </a:cxn>
+                <a:cxn ang="0">
+                  <a:pos x="T6" y="T7"/>
+                </a:cxn>
+                <a:cxn ang="0">
+                  <a:pos x="T8" y="T9"/>
+                </a:cxn>
+                <a:cxn ang="0">
+                  <a:pos x="T10" y="T11"/>
+                </a:cxn>
+                <a:cxn ang="0">
+                  <a:pos x="T12" y="T13"/>
+                </a:cxn>
+                <a:cxn ang="0">
+                  <a:pos x="T14" y="T15"/>
+                </a:cxn>
+                <a:cxn ang="0">
+                  <a:pos x="T16" y="T17"/>
+                </a:cxn>
+                <a:cxn ang="0">
+                  <a:pos x="T18" y="T19"/>
+                </a:cxn>
+                <a:cxn ang="0">
+                  <a:pos x="T20" y="T21"/>
+                </a:cxn>
+                <a:cxn ang="0">
+                  <a:pos x="T22" y="T23"/>
+                </a:cxn>
+                <a:cxn ang="0">
+                  <a:pos x="T24" y="T25"/>
+                </a:cxn>
+                <a:cxn ang="0">
+                  <a:pos x="T26" y="T27"/>
+                </a:cxn>
+                <a:cxn ang="0">
+                  <a:pos x="T28" y="T29"/>
+                </a:cxn>
+                <a:cxn ang="0">
+                  <a:pos x="T30" y="T31"/>
+                </a:cxn>
+              </a:cxnLst>
+              <a:rect l="0" t="0" r="r" b="b"/>
+              <a:pathLst>
+                <a:path w="901" h="721">
+                  <a:moveTo>
+                    <a:pt x="900" y="720"/>
+                  </a:moveTo>
+                  <a:lnTo>
+                    <a:pt x="805" y="712"/>
+                  </a:lnTo>
+                  <a:lnTo>
+                    <a:pt x="758" y="704"/>
+                  </a:lnTo>
+                  <a:lnTo>
+                    <a:pt x="711" y="691"/>
+                  </a:lnTo>
+                  <a:lnTo>
+                    <a:pt x="663" y="675"/>
+                  </a:lnTo>
+                  <a:lnTo>
+                    <a:pt x="615" y="653"/>
+                  </a:lnTo>
+                  <a:lnTo>
+                    <a:pt x="568" y="623"/>
+                  </a:lnTo>
+                  <a:lnTo>
+                    <a:pt x="473" y="540"/>
+                  </a:lnTo>
+                  <a:lnTo>
+                    <a:pt x="378" y="422"/>
+                  </a:lnTo>
+                  <a:lnTo>
+                    <a:pt x="284" y="281"/>
+                  </a:lnTo>
+                  <a:lnTo>
+                    <a:pt x="236" y="209"/>
+                  </a:lnTo>
+                  <a:lnTo>
+                    <a:pt x="189" y="142"/>
+                  </a:lnTo>
+                  <a:lnTo>
+                    <a:pt x="142" y="83"/>
+                  </a:lnTo>
+                  <a:lnTo>
+                    <a:pt x="94" y="38"/>
+                  </a:lnTo>
+                  <a:lnTo>
+                    <a:pt x="47" y="9"/>
+                  </a:lnTo>
+                  <a:lnTo>
+                    <a:pt x="0" y="0"/>
+                  </a:lnTo>
+                </a:path>
+              </a:pathLst>
+            </a:custGeom>
+            <a:noFill/>
+            <a:ln w="50800" cap="rnd" cmpd="sng">
+              <a:solidFill>
+                <a:srgbClr val="008000"/>
+              </a:solidFill>
+              <a:prstDash val="solid"/>
+              <a:round/>
+              <a:headEnd type="none" w="med" len="med"/>
+              <a:tailEnd type="none" w="med" len="med"/>
+            </a:ln>
+            <a:effectLst/>
+            <a:extLst>
+              <a:ext uri="{909E8E84-426E-40DD-AFC4-6F175D3DCCD1}">
+                <a14:hiddenFill xmlns:a14="http://schemas.microsoft.com/office/drawing/2010/main">
+                  <a:solidFill>
+                    <a:schemeClr val="accent1"/>
+                  </a:solidFill>
+                </a14:hiddenFill>
+              </a:ext>
+              <a:ext uri="{AF507438-7753-43E0-B8FC-AC1667EBCBE1}">
+                <a14:hiddenEffects xmlns:a14="http://schemas.microsoft.com/office/drawing/2010/main">
+                  <a:effectLst>
+                    <a:outerShdw dist="35921" dir="2700000" algn="ctr" rotWithShape="0">
+                      <a:schemeClr val="bg2"/>
+                    </a:outerShdw>
+                  </a:effectLst>
+                </a14:hiddenEffects>
+              </a:ext>
+            </a:extLst>
+          </p:spPr>
+          <p:txBody>
+            <a:bodyPr/>
+            <a:lstStyle>
+              <a:defPPr>
+                <a:defRPr lang="en-US"/>
+              </a:defPPr>
+              <a:lvl1pPr algn="l" rtl="0" eaLnBrk="0" fontAlgn="base" hangingPunct="0">
+                <a:spcBef>
+                  <a:spcPct val="0"/>
+                </a:spcBef>
+                <a:spcAft>
+                  <a:spcPct val="0"/>
+                </a:spcAft>
+                <a:defRPr kern="1200">
+                  <a:solidFill>
+                    <a:schemeClr val="tx1"/>
+                  </a:solidFill>
+                  <a:latin typeface="Tahoma" panose="020B0604030504040204" pitchFamily="34" charset="0"/>
+                  <a:ea typeface="+mn-ea"/>
+                  <a:cs typeface="+mn-cs"/>
+                </a:defRPr>
+              </a:lvl1pPr>
+              <a:lvl2pPr marL="457200" algn="l" rtl="0" eaLnBrk="0" fontAlgn="base" hangingPunct="0">
+                <a:spcBef>
+                  <a:spcPct val="0"/>
+                </a:spcBef>
+                <a:spcAft>
+                  <a:spcPct val="0"/>
+                </a:spcAft>
+                <a:defRPr kern="1200">
+                  <a:solidFill>
+                    <a:schemeClr val="tx1"/>
+                  </a:solidFill>
+                  <a:latin typeface="Tahoma" panose="020B0604030504040204" pitchFamily="34" charset="0"/>
+                  <a:ea typeface="+mn-ea"/>
+                  <a:cs typeface="+mn-cs"/>
+                </a:defRPr>
+              </a:lvl2pPr>
+              <a:lvl3pPr marL="914400" algn="l" rtl="0" eaLnBrk="0" fontAlgn="base" hangingPunct="0">
+                <a:spcBef>
+                  <a:spcPct val="0"/>
+                </a:spcBef>
+                <a:spcAft>
+                  <a:spcPct val="0"/>
+                </a:spcAft>
+                <a:defRPr kern="1200">
+                  <a:solidFill>
+                    <a:schemeClr val="tx1"/>
+                  </a:solidFill>
+                  <a:latin typeface="Tahoma" panose="020B0604030504040204" pitchFamily="34" charset="0"/>
+                  <a:ea typeface="+mn-ea"/>
+                  <a:cs typeface="+mn-cs"/>
+                </a:defRPr>
+              </a:lvl3pPr>
+              <a:lvl4pPr marL="1371600" algn="l" rtl="0" eaLnBrk="0" fontAlgn="base" hangingPunct="0">
+                <a:spcBef>
+                  <a:spcPct val="0"/>
+                </a:spcBef>
+                <a:spcAft>
+                  <a:spcPct val="0"/>
+                </a:spcAft>
+                <a:defRPr kern="1200">
+                  <a:solidFill>
+                    <a:schemeClr val="tx1"/>
+                  </a:solidFill>
+                  <a:latin typeface="Tahoma" panose="020B0604030504040204" pitchFamily="34" charset="0"/>
+                  <a:ea typeface="+mn-ea"/>
+                  <a:cs typeface="+mn-cs"/>
+                </a:defRPr>
+              </a:lvl4pPr>
+              <a:lvl5pPr marL="1828800" algn="l" rtl="0" eaLnBrk="0" fontAlgn="base" hangingPunct="0">
+                <a:spcBef>
+                  <a:spcPct val="0"/>
+                </a:spcBef>
+                <a:spcAft>
+                  <a:spcPct val="0"/>
+                </a:spcAft>
+                <a:defRPr kern="1200">
+                  <a:solidFill>
+                    <a:schemeClr val="tx1"/>
+                  </a:solidFill>
+                  <a:latin typeface="Tahoma" panose="020B0604030504040204" pitchFamily="34" charset="0"/>
+                  <a:ea typeface="+mn-ea"/>
+                  <a:cs typeface="+mn-cs"/>
+                </a:defRPr>
+              </a:lvl5pPr>
+              <a:lvl6pPr marL="2286000" algn="l" defTabSz="914400" rtl="0" eaLnBrk="1" latinLnBrk="0" hangingPunct="1">
+                <a:defRPr kern="1200">
+                  <a:solidFill>
+                    <a:schemeClr val="tx1"/>
+                  </a:solidFill>
+                  <a:latin typeface="Tahoma" panose="020B0604030504040204" pitchFamily="34" charset="0"/>
+                  <a:ea typeface="+mn-ea"/>
+                  <a:cs typeface="+mn-cs"/>
+                </a:defRPr>
+              </a:lvl6pPr>
+              <a:lvl7pPr marL="2743200" algn="l" defTabSz="914400" rtl="0" eaLnBrk="1" latinLnBrk="0" hangingPunct="1">
+                <a:defRPr kern="1200">
+                  <a:solidFill>
+                    <a:schemeClr val="tx1"/>
+                  </a:solidFill>
+                  <a:latin typeface="Tahoma" panose="020B0604030504040204" pitchFamily="34" charset="0"/>
+                  <a:ea typeface="+mn-ea"/>
+                  <a:cs typeface="+mn-cs"/>
+                </a:defRPr>
+              </a:lvl7pPr>
+              <a:lvl8pPr marL="3200400" algn="l" defTabSz="914400" rtl="0" eaLnBrk="1" latinLnBrk="0" hangingPunct="1">
+                <a:defRPr kern="1200">
+                  <a:solidFill>
+                    <a:schemeClr val="tx1"/>
+                  </a:solidFill>
+                  <a:latin typeface="Tahoma" panose="020B0604030504040204" pitchFamily="34" charset="0"/>
+                  <a:ea typeface="+mn-ea"/>
+                  <a:cs typeface="+mn-cs"/>
+                </a:defRPr>
+              </a:lvl8pPr>
+              <a:lvl9pPr marL="3657600" algn="l" defTabSz="914400" rtl="0" eaLnBrk="1" latinLnBrk="0" hangingPunct="1">
+                <a:defRPr kern="1200">
+                  <a:solidFill>
+                    <a:schemeClr val="tx1"/>
+                  </a:solidFill>
+                  <a:latin typeface="Tahoma" panose="020B0604030504040204" pitchFamily="34" charset="0"/>
+                  <a:ea typeface="+mn-ea"/>
+                  <a:cs typeface="+mn-cs"/>
+                </a:defRPr>
+              </a:lvl9pPr>
+            </a:lstStyle>
+            <a:p>
+              <a:endParaRPr lang="en-US"/>
+            </a:p>
+          </p:txBody>
+        </p:sp>
+        <p:sp>
+          <p:nvSpPr>
+            <p:cNvPr id="33" name="Freeform 32"/>
+            <p:cNvSpPr>
+              <a:spLocks/>
+            </p:cNvSpPr>
+            <p:nvPr/>
+          </p:nvSpPr>
+          <p:spPr bwMode="auto">
+            <a:xfrm>
+              <a:off x="3656012" y="2744788"/>
+              <a:ext cx="2344738" cy="1905000"/>
+            </a:xfrm>
+            <a:custGeom>
+              <a:avLst/>
+              <a:gdLst>
+                <a:gd name="T0" fmla="*/ 0 w 901"/>
+                <a:gd name="T1" fmla="*/ 720 h 721"/>
+                <a:gd name="T2" fmla="*/ 95 w 901"/>
+                <a:gd name="T3" fmla="*/ 712 h 721"/>
+                <a:gd name="T4" fmla="*/ 142 w 901"/>
+                <a:gd name="T5" fmla="*/ 704 h 721"/>
+                <a:gd name="T6" fmla="*/ 189 w 901"/>
+                <a:gd name="T7" fmla="*/ 691 h 721"/>
+                <a:gd name="T8" fmla="*/ 237 w 901"/>
+                <a:gd name="T9" fmla="*/ 675 h 721"/>
+                <a:gd name="T10" fmla="*/ 284 w 901"/>
+                <a:gd name="T11" fmla="*/ 653 h 721"/>
+                <a:gd name="T12" fmla="*/ 331 w 901"/>
+                <a:gd name="T13" fmla="*/ 623 h 721"/>
+                <a:gd name="T14" fmla="*/ 426 w 901"/>
+                <a:gd name="T15" fmla="*/ 540 h 721"/>
+                <a:gd name="T16" fmla="*/ 521 w 901"/>
+                <a:gd name="T17" fmla="*/ 422 h 721"/>
+                <a:gd name="T18" fmla="*/ 616 w 901"/>
+                <a:gd name="T19" fmla="*/ 281 h 721"/>
+                <a:gd name="T20" fmla="*/ 663 w 901"/>
+                <a:gd name="T21" fmla="*/ 209 h 721"/>
+                <a:gd name="T22" fmla="*/ 710 w 901"/>
+                <a:gd name="T23" fmla="*/ 142 h 721"/>
+                <a:gd name="T24" fmla="*/ 757 w 901"/>
+                <a:gd name="T25" fmla="*/ 83 h 721"/>
+                <a:gd name="T26" fmla="*/ 805 w 901"/>
+                <a:gd name="T27" fmla="*/ 38 h 721"/>
+                <a:gd name="T28" fmla="*/ 852 w 901"/>
+                <a:gd name="T29" fmla="*/ 9 h 721"/>
+                <a:gd name="T30" fmla="*/ 900 w 901"/>
+                <a:gd name="T31" fmla="*/ 0 h 721"/>
+              </a:gdLst>
+              <a:ahLst/>
+              <a:cxnLst>
+                <a:cxn ang="0">
+                  <a:pos x="T0" y="T1"/>
+                </a:cxn>
+                <a:cxn ang="0">
+                  <a:pos x="T2" y="T3"/>
+                </a:cxn>
+                <a:cxn ang="0">
+                  <a:pos x="T4" y="T5"/>
+                </a:cxn>
+                <a:cxn ang="0">
+                  <a:pos x="T6" y="T7"/>
+                </a:cxn>
+                <a:cxn ang="0">
+                  <a:pos x="T8" y="T9"/>
+                </a:cxn>
+                <a:cxn ang="0">
+                  <a:pos x="T10" y="T11"/>
+                </a:cxn>
+                <a:cxn ang="0">
+                  <a:pos x="T12" y="T13"/>
+                </a:cxn>
+                <a:cxn ang="0">
+                  <a:pos x="T14" y="T15"/>
+                </a:cxn>
+                <a:cxn ang="0">
+                  <a:pos x="T16" y="T17"/>
+                </a:cxn>
+                <a:cxn ang="0">
+                  <a:pos x="T18" y="T19"/>
+                </a:cxn>
+                <a:cxn ang="0">
+                  <a:pos x="T20" y="T21"/>
+                </a:cxn>
+                <a:cxn ang="0">
+                  <a:pos x="T22" y="T23"/>
+                </a:cxn>
+                <a:cxn ang="0">
+                  <a:pos x="T24" y="T25"/>
+                </a:cxn>
+                <a:cxn ang="0">
+                  <a:pos x="T26" y="T27"/>
+                </a:cxn>
+                <a:cxn ang="0">
+                  <a:pos x="T28" y="T29"/>
+                </a:cxn>
+                <a:cxn ang="0">
+                  <a:pos x="T30" y="T31"/>
+                </a:cxn>
+              </a:cxnLst>
+              <a:rect l="0" t="0" r="r" b="b"/>
+              <a:pathLst>
+                <a:path w="901" h="721">
+                  <a:moveTo>
+                    <a:pt x="0" y="720"/>
+                  </a:moveTo>
+                  <a:lnTo>
+                    <a:pt x="95" y="712"/>
+                  </a:lnTo>
+                  <a:lnTo>
+                    <a:pt x="142" y="704"/>
+                  </a:lnTo>
+                  <a:lnTo>
+                    <a:pt x="189" y="691"/>
+                  </a:lnTo>
+                  <a:lnTo>
+                    <a:pt x="237" y="675"/>
+                  </a:lnTo>
+                  <a:lnTo>
+                    <a:pt x="284" y="653"/>
+                  </a:lnTo>
+                  <a:lnTo>
+                    <a:pt x="331" y="623"/>
+                  </a:lnTo>
+                  <a:lnTo>
+                    <a:pt x="426" y="540"/>
+                  </a:lnTo>
+                  <a:lnTo>
+                    <a:pt x="521" y="422"/>
+                  </a:lnTo>
+                  <a:lnTo>
+                    <a:pt x="616" y="281"/>
+                  </a:lnTo>
+                  <a:lnTo>
+                    <a:pt x="663" y="209"/>
+                  </a:lnTo>
+                  <a:lnTo>
+                    <a:pt x="710" y="142"/>
+                  </a:lnTo>
+                  <a:lnTo>
+                    <a:pt x="757" y="83"/>
+                  </a:lnTo>
+                  <a:lnTo>
+                    <a:pt x="805" y="38"/>
+                  </a:lnTo>
+                  <a:lnTo>
+                    <a:pt x="852" y="9"/>
+                  </a:lnTo>
+                  <a:lnTo>
+                    <a:pt x="900" y="0"/>
+                  </a:lnTo>
+                </a:path>
+              </a:pathLst>
+            </a:custGeom>
+            <a:noFill/>
+            <a:ln w="50800" cap="rnd" cmpd="sng">
+              <a:solidFill>
+                <a:srgbClr val="008000"/>
+              </a:solidFill>
+              <a:prstDash val="solid"/>
+              <a:round/>
+              <a:headEnd type="none" w="med" len="med"/>
+              <a:tailEnd type="none" w="med" len="med"/>
+            </a:ln>
+            <a:effectLst/>
+            <a:extLst>
+              <a:ext uri="{909E8E84-426E-40DD-AFC4-6F175D3DCCD1}">
+                <a14:hiddenFill xmlns:a14="http://schemas.microsoft.com/office/drawing/2010/main">
+                  <a:solidFill>
+                    <a:schemeClr val="accent1"/>
+                  </a:solidFill>
+                </a14:hiddenFill>
+              </a:ext>
+              <a:ext uri="{AF507438-7753-43E0-B8FC-AC1667EBCBE1}">
+                <a14:hiddenEffects xmlns:a14="http://schemas.microsoft.com/office/drawing/2010/main">
+                  <a:effectLst>
+                    <a:outerShdw dist="35921" dir="2700000" algn="ctr" rotWithShape="0">
+                      <a:schemeClr val="bg2"/>
+                    </a:outerShdw>
+                  </a:effectLst>
+                </a14:hiddenEffects>
+              </a:ext>
+            </a:extLst>
+          </p:spPr>
+          <p:txBody>
+            <a:bodyPr/>
+            <a:lstStyle>
+              <a:defPPr>
+                <a:defRPr lang="en-US"/>
+              </a:defPPr>
+              <a:lvl1pPr algn="l" rtl="0" eaLnBrk="0" fontAlgn="base" hangingPunct="0">
+                <a:spcBef>
+                  <a:spcPct val="0"/>
+                </a:spcBef>
+                <a:spcAft>
+                  <a:spcPct val="0"/>
+                </a:spcAft>
+                <a:defRPr kern="1200">
+                  <a:solidFill>
+                    <a:schemeClr val="tx1"/>
+                  </a:solidFill>
+                  <a:latin typeface="Tahoma" panose="020B0604030504040204" pitchFamily="34" charset="0"/>
+                  <a:ea typeface="+mn-ea"/>
+                  <a:cs typeface="+mn-cs"/>
+                </a:defRPr>
+              </a:lvl1pPr>
+              <a:lvl2pPr marL="457200" algn="l" rtl="0" eaLnBrk="0" fontAlgn="base" hangingPunct="0">
+                <a:spcBef>
+                  <a:spcPct val="0"/>
+                </a:spcBef>
+                <a:spcAft>
+                  <a:spcPct val="0"/>
+                </a:spcAft>
+                <a:defRPr kern="1200">
+                  <a:solidFill>
+                    <a:schemeClr val="tx1"/>
+                  </a:solidFill>
+                  <a:latin typeface="Tahoma" panose="020B0604030504040204" pitchFamily="34" charset="0"/>
+                  <a:ea typeface="+mn-ea"/>
+                  <a:cs typeface="+mn-cs"/>
+                </a:defRPr>
+              </a:lvl2pPr>
+              <a:lvl3pPr marL="914400" algn="l" rtl="0" eaLnBrk="0" fontAlgn="base" hangingPunct="0">
+                <a:spcBef>
+                  <a:spcPct val="0"/>
+                </a:spcBef>
+                <a:spcAft>
+                  <a:spcPct val="0"/>
+                </a:spcAft>
+                <a:defRPr kern="1200">
+                  <a:solidFill>
+                    <a:schemeClr val="tx1"/>
+                  </a:solidFill>
+                  <a:latin typeface="Tahoma" panose="020B0604030504040204" pitchFamily="34" charset="0"/>
+                  <a:ea typeface="+mn-ea"/>
+                  <a:cs typeface="+mn-cs"/>
+                </a:defRPr>
+              </a:lvl3pPr>
+              <a:lvl4pPr marL="1371600" algn="l" rtl="0" eaLnBrk="0" fontAlgn="base" hangingPunct="0">
+                <a:spcBef>
+                  <a:spcPct val="0"/>
+                </a:spcBef>
+                <a:spcAft>
+                  <a:spcPct val="0"/>
+                </a:spcAft>
+                <a:defRPr kern="1200">
+                  <a:solidFill>
+                    <a:schemeClr val="tx1"/>
+                  </a:solidFill>
+                  <a:latin typeface="Tahoma" panose="020B0604030504040204" pitchFamily="34" charset="0"/>
+                  <a:ea typeface="+mn-ea"/>
+                  <a:cs typeface="+mn-cs"/>
+                </a:defRPr>
+              </a:lvl4pPr>
+              <a:lvl5pPr marL="1828800" algn="l" rtl="0" eaLnBrk="0" fontAlgn="base" hangingPunct="0">
+                <a:spcBef>
+                  <a:spcPct val="0"/>
+                </a:spcBef>
+                <a:spcAft>
+                  <a:spcPct val="0"/>
+                </a:spcAft>
+                <a:defRPr kern="1200">
+                  <a:solidFill>
+                    <a:schemeClr val="tx1"/>
+                  </a:solidFill>
+                  <a:latin typeface="Tahoma" panose="020B0604030504040204" pitchFamily="34" charset="0"/>
+                  <a:ea typeface="+mn-ea"/>
+                  <a:cs typeface="+mn-cs"/>
+                </a:defRPr>
+              </a:lvl5pPr>
+              <a:lvl6pPr marL="2286000" algn="l" defTabSz="914400" rtl="0" eaLnBrk="1" latinLnBrk="0" hangingPunct="1">
+                <a:defRPr kern="1200">
+                  <a:solidFill>
+                    <a:schemeClr val="tx1"/>
+                  </a:solidFill>
+                  <a:latin typeface="Tahoma" panose="020B0604030504040204" pitchFamily="34" charset="0"/>
+                  <a:ea typeface="+mn-ea"/>
+                  <a:cs typeface="+mn-cs"/>
+                </a:defRPr>
+              </a:lvl6pPr>
+              <a:lvl7pPr marL="2743200" algn="l" defTabSz="914400" rtl="0" eaLnBrk="1" latinLnBrk="0" hangingPunct="1">
+                <a:defRPr kern="1200">
+                  <a:solidFill>
+                    <a:schemeClr val="tx1"/>
+                  </a:solidFill>
+                  <a:latin typeface="Tahoma" panose="020B0604030504040204" pitchFamily="34" charset="0"/>
+                  <a:ea typeface="+mn-ea"/>
+                  <a:cs typeface="+mn-cs"/>
+                </a:defRPr>
+              </a:lvl7pPr>
+              <a:lvl8pPr marL="3200400" algn="l" defTabSz="914400" rtl="0" eaLnBrk="1" latinLnBrk="0" hangingPunct="1">
+                <a:defRPr kern="1200">
+                  <a:solidFill>
+                    <a:schemeClr val="tx1"/>
+                  </a:solidFill>
+                  <a:latin typeface="Tahoma" panose="020B0604030504040204" pitchFamily="34" charset="0"/>
+                  <a:ea typeface="+mn-ea"/>
+                  <a:cs typeface="+mn-cs"/>
+                </a:defRPr>
+              </a:lvl8pPr>
+              <a:lvl9pPr marL="3657600" algn="l" defTabSz="914400" rtl="0" eaLnBrk="1" latinLnBrk="0" hangingPunct="1">
+                <a:defRPr kern="1200">
+                  <a:solidFill>
+                    <a:schemeClr val="tx1"/>
+                  </a:solidFill>
+                  <a:latin typeface="Tahoma" panose="020B0604030504040204" pitchFamily="34" charset="0"/>
+                  <a:ea typeface="+mn-ea"/>
+                  <a:cs typeface="+mn-cs"/>
+                </a:defRPr>
+              </a:lvl9pPr>
+            </a:lstStyle>
+            <a:p>
+              <a:endParaRPr lang="en-US"/>
+            </a:p>
+          </p:txBody>
+        </p:sp>
+        <p:sp>
+          <p:nvSpPr>
+            <p:cNvPr id="34" name="Line 33"/>
+            <p:cNvSpPr>
+              <a:spLocks noChangeShapeType="1"/>
+            </p:cNvSpPr>
+            <p:nvPr/>
+          </p:nvSpPr>
+          <p:spPr bwMode="auto">
+            <a:xfrm>
+              <a:off x="6012334" y="2744788"/>
+              <a:ext cx="5878" cy="1981200"/>
+            </a:xfrm>
+            <a:prstGeom prst="line">
+              <a:avLst/>
+            </a:prstGeom>
+            <a:ln>
+              <a:headEnd/>
+              <a:tailEnd/>
+            </a:ln>
+            <a:extLst/>
+          </p:spPr>
+          <p:style>
+            <a:lnRef idx="2">
+              <a:schemeClr val="accent2"/>
+            </a:lnRef>
+            <a:fillRef idx="0">
+              <a:schemeClr val="accent2"/>
+            </a:fillRef>
+            <a:effectRef idx="1">
+              <a:schemeClr val="accent2"/>
+            </a:effectRef>
+            <a:fontRef idx="minor">
+              <a:schemeClr val="tx1"/>
+            </a:fontRef>
+          </p:style>
+          <p:txBody>
+            <a:bodyPr wrap="none" anchor="ctr"/>
+            <a:lstStyle>
+              <a:defPPr>
+                <a:defRPr lang="en-US"/>
+              </a:defPPr>
+              <a:lvl1pPr algn="l" rtl="0" eaLnBrk="0" fontAlgn="base" hangingPunct="0">
+                <a:spcBef>
+                  <a:spcPct val="0"/>
+                </a:spcBef>
+                <a:spcAft>
+                  <a:spcPct val="0"/>
+                </a:spcAft>
+                <a:defRPr kern="1200">
+                  <a:solidFill>
+                    <a:schemeClr val="tx1"/>
+                  </a:solidFill>
+                  <a:latin typeface="Tahoma" panose="020B0604030504040204" pitchFamily="34" charset="0"/>
+                  <a:ea typeface="+mn-ea"/>
+                  <a:cs typeface="+mn-cs"/>
+                </a:defRPr>
+              </a:lvl1pPr>
+              <a:lvl2pPr marL="457200" algn="l" rtl="0" eaLnBrk="0" fontAlgn="base" hangingPunct="0">
+                <a:spcBef>
+                  <a:spcPct val="0"/>
+                </a:spcBef>
+                <a:spcAft>
+                  <a:spcPct val="0"/>
+                </a:spcAft>
+                <a:defRPr kern="1200">
+                  <a:solidFill>
+                    <a:schemeClr val="tx1"/>
+                  </a:solidFill>
+                  <a:latin typeface="Tahoma" panose="020B0604030504040204" pitchFamily="34" charset="0"/>
+                  <a:ea typeface="+mn-ea"/>
+                  <a:cs typeface="+mn-cs"/>
+                </a:defRPr>
+              </a:lvl2pPr>
+              <a:lvl3pPr marL="914400" algn="l" rtl="0" eaLnBrk="0" fontAlgn="base" hangingPunct="0">
+                <a:spcBef>
+                  <a:spcPct val="0"/>
+                </a:spcBef>
+                <a:spcAft>
+                  <a:spcPct val="0"/>
+                </a:spcAft>
+                <a:defRPr kern="1200">
+                  <a:solidFill>
+                    <a:schemeClr val="tx1"/>
+                  </a:solidFill>
+                  <a:latin typeface="Tahoma" panose="020B0604030504040204" pitchFamily="34" charset="0"/>
+                  <a:ea typeface="+mn-ea"/>
+                  <a:cs typeface="+mn-cs"/>
+                </a:defRPr>
+              </a:lvl3pPr>
+              <a:lvl4pPr marL="1371600" algn="l" rtl="0" eaLnBrk="0" fontAlgn="base" hangingPunct="0">
+                <a:spcBef>
+                  <a:spcPct val="0"/>
+                </a:spcBef>
+                <a:spcAft>
+                  <a:spcPct val="0"/>
+                </a:spcAft>
+                <a:defRPr kern="1200">
+                  <a:solidFill>
+                    <a:schemeClr val="tx1"/>
+                  </a:solidFill>
+                  <a:latin typeface="Tahoma" panose="020B0604030504040204" pitchFamily="34" charset="0"/>
+                  <a:ea typeface="+mn-ea"/>
+                  <a:cs typeface="+mn-cs"/>
+                </a:defRPr>
+              </a:lvl4pPr>
+              <a:lvl5pPr marL="1828800" algn="l" rtl="0" eaLnBrk="0" fontAlgn="base" hangingPunct="0">
+                <a:spcBef>
+                  <a:spcPct val="0"/>
+                </a:spcBef>
+                <a:spcAft>
+                  <a:spcPct val="0"/>
+                </a:spcAft>
+                <a:defRPr kern="1200">
+                  <a:solidFill>
+                    <a:schemeClr val="tx1"/>
+                  </a:solidFill>
+                  <a:latin typeface="Tahoma" panose="020B0604030504040204" pitchFamily="34" charset="0"/>
+                  <a:ea typeface="+mn-ea"/>
+                  <a:cs typeface="+mn-cs"/>
+                </a:defRPr>
+              </a:lvl5pPr>
+              <a:lvl6pPr marL="2286000" algn="l" defTabSz="914400" rtl="0" eaLnBrk="1" latinLnBrk="0" hangingPunct="1">
+                <a:defRPr kern="1200">
+                  <a:solidFill>
+                    <a:schemeClr val="tx1"/>
+                  </a:solidFill>
+                  <a:latin typeface="Tahoma" panose="020B0604030504040204" pitchFamily="34" charset="0"/>
+                  <a:ea typeface="+mn-ea"/>
+                  <a:cs typeface="+mn-cs"/>
+                </a:defRPr>
+              </a:lvl6pPr>
+              <a:lvl7pPr marL="2743200" algn="l" defTabSz="914400" rtl="0" eaLnBrk="1" latinLnBrk="0" hangingPunct="1">
+                <a:defRPr kern="1200">
+                  <a:solidFill>
+                    <a:schemeClr val="tx1"/>
+                  </a:solidFill>
+                  <a:latin typeface="Tahoma" panose="020B0604030504040204" pitchFamily="34" charset="0"/>
+                  <a:ea typeface="+mn-ea"/>
+                  <a:cs typeface="+mn-cs"/>
+                </a:defRPr>
+              </a:lvl7pPr>
+              <a:lvl8pPr marL="3200400" algn="l" defTabSz="914400" rtl="0" eaLnBrk="1" latinLnBrk="0" hangingPunct="1">
+                <a:defRPr kern="1200">
+                  <a:solidFill>
+                    <a:schemeClr val="tx1"/>
+                  </a:solidFill>
+                  <a:latin typeface="Tahoma" panose="020B0604030504040204" pitchFamily="34" charset="0"/>
+                  <a:ea typeface="+mn-ea"/>
+                  <a:cs typeface="+mn-cs"/>
+                </a:defRPr>
+              </a:lvl8pPr>
+              <a:lvl9pPr marL="3657600" algn="l" defTabSz="914400" rtl="0" eaLnBrk="1" latinLnBrk="0" hangingPunct="1">
+                <a:defRPr kern="1200">
+                  <a:solidFill>
+                    <a:schemeClr val="tx1"/>
+                  </a:solidFill>
+                  <a:latin typeface="Tahoma" panose="020B0604030504040204" pitchFamily="34" charset="0"/>
+                  <a:ea typeface="+mn-ea"/>
+                  <a:cs typeface="+mn-cs"/>
+                </a:defRPr>
+              </a:lvl9pPr>
+            </a:lstStyle>
+            <a:p>
+              <a:endParaRPr lang="en-US"/>
+            </a:p>
+          </p:txBody>
+        </p:sp>
+      </p:grpSp>
+      <mc:AlternateContent xmlns:mc="http://schemas.openxmlformats.org/markup-compatibility/2006">
+        <mc:Choice xmlns:a14="http://schemas.microsoft.com/office/drawing/2010/main" Requires="a14">
+          <p:sp>
+            <p:nvSpPr>
+              <p:cNvPr id="31" name="TextBox 30"/>
+              <p:cNvSpPr txBox="1"/>
+              <p:nvPr/>
+            </p:nvSpPr>
+            <p:spPr>
+              <a:xfrm>
+                <a:off x="4143687" y="5300708"/>
+                <a:ext cx="1534624" cy="461665"/>
+              </a:xfrm>
+              <a:prstGeom prst="rect">
+                <a:avLst/>
+              </a:prstGeom>
+              <a:noFill/>
+            </p:spPr>
+            <p:txBody>
+              <a:bodyPr wrap="square" rtlCol="0">
+                <a:spAutoFit/>
+              </a:bodyPr>
+              <a:lstStyle/>
+              <a:p>
+                <a14:m>
+                  <m:oMath xmlns:m="http://schemas.openxmlformats.org/officeDocument/2006/math">
+                    <m:r>
+                      <a:rPr lang="en-US" sz="2400" b="1" i="1" dirty="0" smtClean="0">
+                        <a:latin typeface="Cambria Math" panose="02040503050406030204" pitchFamily="18" charset="0"/>
+                      </a:rPr>
+                      <m:t>𝝁</m:t>
+                    </m:r>
+                    <m:r>
+                      <a:rPr lang="en-US" sz="2400" b="1" i="1" dirty="0" smtClean="0">
+                        <a:latin typeface="Cambria Math" panose="02040503050406030204" pitchFamily="18" charset="0"/>
+                      </a:rPr>
+                      <m:t>=</m:t>
+                    </m:r>
+                  </m:oMath>
+                </a14:m>
+                <a:r>
+                  <a:rPr lang="en-US" sz="2400" b="1" dirty="0" smtClean="0"/>
+                  <a:t>$300K</a:t>
+                </a:r>
+                <a:endParaRPr lang="en-US" sz="2400" b="1" dirty="0"/>
+              </a:p>
+            </p:txBody>
+          </p:sp>
+        </mc:Choice>
+        <mc:Fallback>
+          <p:sp>
+            <p:nvSpPr>
+              <p:cNvPr id="31" name="TextBox 30"/>
+              <p:cNvSpPr txBox="1">
+                <a:spLocks noRot="1" noChangeAspect="1" noMove="1" noResize="1" noEditPoints="1" noAdjustHandles="1" noChangeArrowheads="1" noChangeShapeType="1" noTextEdit="1"/>
+              </p:cNvSpPr>
+              <p:nvPr/>
+            </p:nvSpPr>
+            <p:spPr>
+              <a:xfrm>
+                <a:off x="4143687" y="5300708"/>
+                <a:ext cx="1534624" cy="461665"/>
+              </a:xfrm>
+              <a:prstGeom prst="rect">
+                <a:avLst/>
+              </a:prstGeom>
+              <a:blipFill rotWithShape="0">
+                <a:blip r:embed="rId2"/>
+                <a:stretch>
+                  <a:fillRect l="-1195" t="-10667" r="-1594" b="-30667"/>
+                </a:stretch>
+              </a:blipFill>
+            </p:spPr>
+            <p:txBody>
+              <a:bodyPr/>
+              <a:lstStyle/>
+              <a:p>
+                <a:r>
+                  <a:rPr lang="en-US">
+                    <a:noFill/>
+                  </a:rPr>
+                  <a:t> </a:t>
+                </a:r>
+              </a:p>
+            </p:txBody>
+          </p:sp>
+        </mc:Fallback>
+      </mc:AlternateContent>
+      <p:sp>
+        <p:nvSpPr>
+          <p:cNvPr id="37" name="TextBox 36"/>
+          <p:cNvSpPr txBox="1"/>
+          <p:nvPr/>
+        </p:nvSpPr>
+        <p:spPr>
+          <a:xfrm>
+            <a:off x="1176507" y="5287002"/>
+            <a:ext cx="1078029" cy="461665"/>
+          </a:xfrm>
+          <a:prstGeom prst="rect">
+            <a:avLst/>
+          </a:prstGeom>
+          <a:noFill/>
+        </p:spPr>
+        <p:txBody>
+          <a:bodyPr wrap="square" rtlCol="0">
+            <a:spAutoFit/>
+          </a:bodyPr>
+          <a:lstStyle/>
+          <a:p>
+            <a:r>
+              <a:rPr lang="en-US" sz="2400" b="1" dirty="0" smtClean="0"/>
+              <a:t>$120K</a:t>
+            </a:r>
+            <a:endParaRPr lang="en-US" sz="2400" b="1" dirty="0"/>
+          </a:p>
+        </p:txBody>
+      </p:sp>
+      <p:sp>
+        <p:nvSpPr>
+          <p:cNvPr id="38" name="TextBox 37"/>
+          <p:cNvSpPr txBox="1"/>
+          <p:nvPr/>
+        </p:nvSpPr>
+        <p:spPr>
+          <a:xfrm>
+            <a:off x="7979344" y="5299589"/>
+            <a:ext cx="1078029" cy="461665"/>
+          </a:xfrm>
+          <a:prstGeom prst="rect">
+            <a:avLst/>
+          </a:prstGeom>
+          <a:noFill/>
+        </p:spPr>
+        <p:txBody>
+          <a:bodyPr wrap="square" rtlCol="0">
+            <a:spAutoFit/>
+          </a:bodyPr>
+          <a:lstStyle/>
+          <a:p>
+            <a:r>
+              <a:rPr lang="en-US" sz="2400" b="1" dirty="0" smtClean="0"/>
+              <a:t>$480K</a:t>
+            </a:r>
+            <a:endParaRPr lang="en-US" sz="2400" b="1" dirty="0"/>
+          </a:p>
+        </p:txBody>
+      </p:sp>
+      <p:cxnSp>
+        <p:nvCxnSpPr>
+          <p:cNvPr id="44" name="Straight Arrow Connector 43"/>
+          <p:cNvCxnSpPr/>
+          <p:nvPr/>
+        </p:nvCxnSpPr>
+        <p:spPr>
+          <a:xfrm flipH="1" flipV="1">
+            <a:off x="2871702" y="3071761"/>
+            <a:ext cx="550477" cy="802854"/>
+          </a:xfrm>
+          <a:prstGeom prst="straightConnector1">
+            <a:avLst/>
+          </a:prstGeom>
+          <a:ln>
+            <a:tailEnd type="triangle"/>
+          </a:ln>
+        </p:spPr>
+        <p:style>
+          <a:lnRef idx="3">
+            <a:schemeClr val="accent6"/>
+          </a:lnRef>
+          <a:fillRef idx="0">
+            <a:schemeClr val="accent6"/>
+          </a:fillRef>
+          <a:effectRef idx="2">
+            <a:schemeClr val="accent6"/>
+          </a:effectRef>
+          <a:fontRef idx="minor">
+            <a:schemeClr val="tx1"/>
+          </a:fontRef>
+        </p:style>
+      </p:cxnSp>
+      <p:sp>
+        <p:nvSpPr>
+          <p:cNvPr id="45" name="TextBox 44"/>
+          <p:cNvSpPr txBox="1"/>
+          <p:nvPr/>
+        </p:nvSpPr>
+        <p:spPr>
+          <a:xfrm>
+            <a:off x="1006701" y="2157818"/>
+            <a:ext cx="3412343" cy="830997"/>
+          </a:xfrm>
+          <a:prstGeom prst="rect">
+            <a:avLst/>
+          </a:prstGeom>
+          <a:noFill/>
+        </p:spPr>
+        <p:txBody>
+          <a:bodyPr wrap="square" rtlCol="0">
+            <a:spAutoFit/>
+          </a:bodyPr>
+          <a:lstStyle/>
+          <a:p>
+            <a:pPr algn="ctr"/>
+            <a:r>
+              <a:rPr lang="en-US" sz="2400" b="1" dirty="0" smtClean="0"/>
+              <a:t>Population Distribution</a:t>
+            </a:r>
+          </a:p>
+          <a:p>
+            <a:pPr algn="ctr"/>
+            <a:r>
+              <a:rPr lang="en-US" sz="2400" b="1" dirty="0" smtClean="0"/>
+              <a:t>(house prices)</a:t>
+            </a:r>
+            <a:endParaRPr lang="en-US" sz="2400" b="1" dirty="0"/>
+          </a:p>
+        </p:txBody>
+      </p:sp>
+      <p:cxnSp>
+        <p:nvCxnSpPr>
+          <p:cNvPr id="51" name="Straight Arrow Connector 50"/>
+          <p:cNvCxnSpPr/>
+          <p:nvPr/>
+        </p:nvCxnSpPr>
+        <p:spPr>
+          <a:xfrm>
+            <a:off x="4843811" y="4168952"/>
+            <a:ext cx="1723380" cy="0"/>
+          </a:xfrm>
+          <a:prstGeom prst="straightConnector1">
+            <a:avLst/>
+          </a:prstGeom>
+          <a:ln w="28575">
+            <a:prstDash val="dash"/>
+            <a:tailEnd type="triangle"/>
+          </a:ln>
+        </p:spPr>
+        <p:style>
+          <a:lnRef idx="3">
+            <a:schemeClr val="accent6"/>
+          </a:lnRef>
+          <a:fillRef idx="0">
+            <a:schemeClr val="accent6"/>
+          </a:fillRef>
+          <a:effectRef idx="2">
+            <a:schemeClr val="accent6"/>
+          </a:effectRef>
+          <a:fontRef idx="minor">
+            <a:schemeClr val="tx1"/>
+          </a:fontRef>
+        </p:style>
+      </p:cxnSp>
+      <mc:AlternateContent xmlns:mc="http://schemas.openxmlformats.org/markup-compatibility/2006">
+        <mc:Choice xmlns:a14="http://schemas.microsoft.com/office/drawing/2010/main" Requires="a14">
+          <p:sp>
+            <p:nvSpPr>
+              <p:cNvPr id="56" name="TextBox 55"/>
+              <p:cNvSpPr txBox="1"/>
+              <p:nvPr/>
+            </p:nvSpPr>
+            <p:spPr>
+              <a:xfrm>
+                <a:off x="5936596" y="4101109"/>
+                <a:ext cx="401650" cy="461665"/>
+              </a:xfrm>
+              <a:prstGeom prst="rect">
+                <a:avLst/>
+              </a:prstGeom>
+              <a:noFill/>
+            </p:spPr>
+            <p:txBody>
+              <a:bodyPr wrap="square" rtlCol="0">
+                <a:spAutoFit/>
+              </a:bodyPr>
+              <a:lstStyle/>
+              <a:p>
+                <a14:m>
+                  <m:oMathPara xmlns:m="http://schemas.openxmlformats.org/officeDocument/2006/math">
+                    <m:oMathParaPr>
+                      <m:jc m:val="centerGroup"/>
+                    </m:oMathParaPr>
+                    <m:oMath xmlns:m="http://schemas.openxmlformats.org/officeDocument/2006/math">
+                      <m:r>
+                        <a:rPr lang="en-US" sz="2400" b="1" i="1" dirty="0" smtClean="0">
+                          <a:solidFill>
+                            <a:schemeClr val="accent6">
+                              <a:lumMod val="75000"/>
+                            </a:schemeClr>
+                          </a:solidFill>
+                          <a:latin typeface="Cambria Math" panose="02040503050406030204" pitchFamily="18" charset="0"/>
+                        </a:rPr>
+                        <m:t>𝝈</m:t>
+                      </m:r>
+                    </m:oMath>
+                  </m:oMathPara>
+                </a14:m>
+                <a:endParaRPr lang="en-US" sz="2400" b="1" dirty="0">
+                  <a:solidFill>
+                    <a:schemeClr val="accent6">
+                      <a:lumMod val="75000"/>
+                    </a:schemeClr>
+                  </a:solidFill>
+                </a:endParaRPr>
+              </a:p>
+            </p:txBody>
+          </p:sp>
+        </mc:Choice>
+        <mc:Fallback>
+          <p:sp>
+            <p:nvSpPr>
+              <p:cNvPr id="56" name="TextBox 55"/>
+              <p:cNvSpPr txBox="1">
+                <a:spLocks noRot="1" noChangeAspect="1" noMove="1" noResize="1" noEditPoints="1" noAdjustHandles="1" noChangeArrowheads="1" noChangeShapeType="1" noTextEdit="1"/>
+              </p:cNvSpPr>
+              <p:nvPr/>
+            </p:nvSpPr>
+            <p:spPr>
+              <a:xfrm>
+                <a:off x="5936596" y="4101109"/>
+                <a:ext cx="401650" cy="461665"/>
+              </a:xfrm>
+              <a:prstGeom prst="rect">
+                <a:avLst/>
+              </a:prstGeom>
+              <a:blipFill rotWithShape="0">
+                <a:blip r:embed="rId3"/>
+                <a:stretch>
+                  <a:fillRect/>
+                </a:stretch>
+              </a:blipFill>
+            </p:spPr>
+            <p:txBody>
+              <a:bodyPr/>
+              <a:lstStyle/>
+              <a:p>
+                <a:r>
+                  <a:rPr lang="en-US">
+                    <a:noFill/>
+                  </a:rPr>
+                  <a:t> </a:t>
+                </a:r>
+              </a:p>
+            </p:txBody>
+          </p:sp>
+        </mc:Fallback>
+      </mc:AlternateContent>
+      <mc:AlternateContent xmlns:mc="http://schemas.openxmlformats.org/markup-compatibility/2006">
+        <mc:Choice xmlns:a14="http://schemas.microsoft.com/office/drawing/2010/main" Requires="a14">
+          <p:sp>
+            <p:nvSpPr>
+              <p:cNvPr id="59" name="TextBox 58"/>
+              <p:cNvSpPr txBox="1"/>
+              <p:nvPr/>
+            </p:nvSpPr>
+            <p:spPr>
+              <a:xfrm>
+                <a:off x="7073829" y="2482294"/>
+                <a:ext cx="1240297" cy="461665"/>
+              </a:xfrm>
+              <a:prstGeom prst="rect">
+                <a:avLst/>
+              </a:prstGeom>
+              <a:noFill/>
+            </p:spPr>
+            <p:txBody>
+              <a:bodyPr wrap="square" rtlCol="0">
+                <a:spAutoFit/>
+              </a:bodyPr>
+              <a:lstStyle/>
+              <a:p>
+                <a14:m>
+                  <m:oMath xmlns:m="http://schemas.openxmlformats.org/officeDocument/2006/math">
+                    <m:r>
+                      <a:rPr lang="en-US" sz="2400" b="1" i="1" dirty="0" smtClean="0">
+                        <a:solidFill>
+                          <a:schemeClr val="accent6">
+                            <a:lumMod val="75000"/>
+                          </a:schemeClr>
+                        </a:solidFill>
+                        <a:latin typeface="Cambria Math" panose="02040503050406030204" pitchFamily="18" charset="0"/>
+                      </a:rPr>
+                      <m:t>𝝈</m:t>
+                    </m:r>
+                  </m:oMath>
+                </a14:m>
+                <a:r>
+                  <a:rPr lang="en-US" sz="2400" b="1" dirty="0" smtClean="0">
+                    <a:solidFill>
+                      <a:schemeClr val="accent6">
+                        <a:lumMod val="75000"/>
+                      </a:schemeClr>
+                    </a:solidFill>
+                  </a:rPr>
+                  <a:t>=$60K</a:t>
+                </a:r>
+                <a:endParaRPr lang="en-US" sz="2400" b="1" dirty="0">
+                  <a:solidFill>
+                    <a:schemeClr val="accent6">
+                      <a:lumMod val="75000"/>
+                    </a:schemeClr>
+                  </a:solidFill>
+                </a:endParaRPr>
+              </a:p>
+            </p:txBody>
+          </p:sp>
+        </mc:Choice>
+        <mc:Fallback>
+          <p:sp>
+            <p:nvSpPr>
+              <p:cNvPr id="59" name="TextBox 58"/>
+              <p:cNvSpPr txBox="1">
+                <a:spLocks noRot="1" noChangeAspect="1" noMove="1" noResize="1" noEditPoints="1" noAdjustHandles="1" noChangeArrowheads="1" noChangeShapeType="1" noTextEdit="1"/>
+              </p:cNvSpPr>
+              <p:nvPr/>
+            </p:nvSpPr>
+            <p:spPr>
+              <a:xfrm>
+                <a:off x="7073829" y="2482294"/>
+                <a:ext cx="1240297" cy="461665"/>
+              </a:xfrm>
+              <a:prstGeom prst="rect">
+                <a:avLst/>
+              </a:prstGeom>
+              <a:blipFill rotWithShape="0">
+                <a:blip r:embed="rId4"/>
+                <a:stretch>
+                  <a:fillRect t="-10526" r="-490" b="-28947"/>
+                </a:stretch>
+              </a:blipFill>
+            </p:spPr>
+            <p:txBody>
+              <a:bodyPr/>
+              <a:lstStyle/>
+              <a:p>
+                <a:r>
+                  <a:rPr lang="en-US">
+                    <a:noFill/>
+                  </a:rPr>
+                  <a:t> </a:t>
+                </a:r>
+              </a:p>
+            </p:txBody>
+          </p:sp>
+        </mc:Fallback>
+      </mc:AlternateContent>
+    </p:spTree>
+    <p:extLst>
+      <p:ext uri="{BB962C8B-B14F-4D97-AF65-F5344CB8AC3E}">
+        <p14:creationId xmlns:p14="http://schemas.microsoft.com/office/powerpoint/2010/main" val="3906285873"/>
+      </p:ext>
+    </p:extLst>
+  </p:cSld>
+  <p:clrMapOvr>
+    <a:masterClrMapping/>
+  </p:clrMapOvr>
+</p:sld>
+</file>
+
+<file path=ppt/slides/slide3.xml><?xml version="1.0" encoding="utf-8"?>
+<p:sld xmlns:a="http://schemas.openxmlformats.org/drawingml/2006/main" xmlns:r="http://schemas.openxmlformats.org/officeDocument/2006/relationships" xmlns:p="http://schemas.openxmlformats.org/presentationml/2006/main">
+  <p:cSld>
+    <p:spTree>
+      <p:nvGrpSpPr>
+        <p:cNvPr id="1" name=""/>
+        <p:cNvGrpSpPr/>
+        <p:nvPr/>
+      </p:nvGrpSpPr>
+      <p:grpSpPr>
+        <a:xfrm>
+          <a:off x="0" y="0"/>
+          <a:ext cx="0" cy="0"/>
+          <a:chOff x="0" y="0"/>
+          <a:chExt cx="0" cy="0"/>
+        </a:xfrm>
+      </p:grpSpPr>
       <p:sp>
         <p:nvSpPr>
           <p:cNvPr id="29" name="Rectangle 28"/>
@@ -8652,7 +14033,7 @@
         </p:nvSpPr>
         <p:spPr bwMode="auto">
           <a:xfrm>
-            <a:off x="228814" y="1124530"/>
+            <a:off x="573875" y="1119482"/>
             <a:ext cx="1654298" cy="828432"/>
           </a:xfrm>
           <a:prstGeom prst="rect">
@@ -14382,36 +19763,6 @@
       </p:grpSp>
       <p:sp>
         <p:nvSpPr>
-          <p:cNvPr id="31" name="TextBox 30"/>
-          <p:cNvSpPr txBox="1"/>
-          <p:nvPr/>
-        </p:nvSpPr>
-        <p:spPr>
-          <a:xfrm>
-            <a:off x="4425329" y="5300708"/>
-            <a:ext cx="1078029" cy="461665"/>
-          </a:xfrm>
-          <a:prstGeom prst="rect">
-            <a:avLst/>
-          </a:prstGeom>
-          <a:noFill/>
-        </p:spPr>
-        <p:txBody>
-          <a:bodyPr wrap="square" rtlCol="0">
-            <a:spAutoFit/>
-          </a:bodyPr>
-          <a:lstStyle/>
-          <a:p>
-            <a:r>
-              <a:rPr lang="en-US" sz="2400" b="1" dirty="0" smtClean="0"/>
-              <a:t>$300K</a:t>
-            </a:r>
-            <a:endParaRPr lang="en-US" sz="2400" b="1" dirty="0"/>
-          </a:p>
-        </p:txBody>
-      </p:sp>
-      <p:sp>
-        <p:nvSpPr>
           <p:cNvPr id="37" name="TextBox 36"/>
           <p:cNvSpPr txBox="1"/>
           <p:nvPr/>
@@ -14478,7 +19829,7 @@
         </p:nvSpPr>
         <p:spPr>
           <a:xfrm>
-            <a:off x="5649905" y="5300037"/>
+            <a:off x="5851025" y="5307929"/>
             <a:ext cx="1078029" cy="461665"/>
           </a:xfrm>
           <a:prstGeom prst="rect">
@@ -14508,7 +19859,7 @@
         </p:nvSpPr>
         <p:spPr>
           <a:xfrm>
-            <a:off x="3137901" y="5299589"/>
+            <a:off x="3010978" y="5327670"/>
             <a:ext cx="1078029" cy="461665"/>
           </a:xfrm>
           <a:prstGeom prst="rect">
@@ -14533,15 +19884,13 @@
       <p:cxnSp>
         <p:nvCxnSpPr>
           <p:cNvPr id="42" name="Straight Arrow Connector 41"/>
-          <p:cNvCxnSpPr>
-            <a:stCxn id="35" idx="12"/>
-          </p:cNvCxnSpPr>
+          <p:cNvCxnSpPr/>
           <p:nvPr/>
         </p:nvCxnSpPr>
         <p:spPr>
           <a:xfrm flipV="1">
-            <a:off x="5071924" y="1241659"/>
-            <a:ext cx="751360" cy="248281"/>
+            <a:off x="5170419" y="1894621"/>
+            <a:ext cx="1074140" cy="188889"/>
           </a:xfrm>
           <a:prstGeom prst="straightConnector1">
             <a:avLst/>
@@ -14573,8 +19922,8 @@
         </p:nvSpPr>
         <p:spPr>
           <a:xfrm>
-            <a:off x="5723352" y="810347"/>
-            <a:ext cx="2381120" cy="1200329"/>
+            <a:off x="5993446" y="1420227"/>
+            <a:ext cx="3110089" cy="830997"/>
           </a:xfrm>
           <a:prstGeom prst="rect">
             <a:avLst/>
@@ -14590,7 +19939,15 @@
             <a:pPr algn="ctr"/>
             <a:r>
               <a:rPr lang="en-US" sz="2400" b="1" dirty="0" smtClean="0"/>
-              <a:t>Sampling Distribution (Survey Results)</a:t>
+              <a:t>Sampling Distribution </a:t>
+            </a:r>
+            <a:r>
+              <a:rPr lang="en-US" sz="2400" b="1" dirty="0" smtClean="0"/>
+              <a:t>(survey results</a:t>
+            </a:r>
+            <a:r>
+              <a:rPr lang="en-US" sz="2400" b="1" dirty="0" smtClean="0"/>
+              <a:t>)</a:t>
             </a:r>
             <a:endParaRPr lang="en-US" sz="2400" b="1" dirty="0"/>
           </a:p>
@@ -14603,9 +19960,9 @@
           <p:nvPr/>
         </p:nvCxnSpPr>
         <p:spPr>
-          <a:xfrm flipV="1">
-            <a:off x="5868879" y="3007512"/>
-            <a:ext cx="751360" cy="248281"/>
+          <a:xfrm flipH="1" flipV="1">
+            <a:off x="2871702" y="3071761"/>
+            <a:ext cx="550477" cy="802854"/>
           </a:xfrm>
           <a:prstGeom prst="straightConnector1">
             <a:avLst/>
@@ -14637,8 +19994,8 @@
         </p:nvSpPr>
         <p:spPr>
           <a:xfrm>
-            <a:off x="6520307" y="2576200"/>
-            <a:ext cx="2281373" cy="830997"/>
+            <a:off x="1006701" y="2157818"/>
+            <a:ext cx="3412343" cy="830997"/>
           </a:xfrm>
           <a:prstGeom prst="rect">
             <a:avLst/>
@@ -14654,7 +20011,14 @@
             <a:pPr algn="ctr"/>
             <a:r>
               <a:rPr lang="en-US" sz="2400" b="1" dirty="0" smtClean="0"/>
-              <a:t>House Price Distribution</a:t>
+              <a:t>Population Distribution</a:t>
+            </a:r>
+          </a:p>
+          <a:p>
+            <a:pPr algn="ctr"/>
+            <a:r>
+              <a:rPr lang="en-US" sz="2400" b="1" dirty="0" smtClean="0"/>
+              <a:t>(house prices)</a:t>
             </a:r>
             <a:endParaRPr lang="en-US" sz="2400" b="1" dirty="0"/>
           </a:p>
@@ -14736,10 +20100,674 @@
           </a:fontRef>
         </p:style>
       </p:cxnSp>
+      <p:cxnSp>
+        <p:nvCxnSpPr>
+          <p:cNvPr id="51" name="Straight Arrow Connector 50"/>
+          <p:cNvCxnSpPr/>
+          <p:nvPr/>
+        </p:nvCxnSpPr>
+        <p:spPr>
+          <a:xfrm>
+            <a:off x="4843811" y="4168952"/>
+            <a:ext cx="1723380" cy="0"/>
+          </a:xfrm>
+          <a:prstGeom prst="straightConnector1">
+            <a:avLst/>
+          </a:prstGeom>
+          <a:ln w="28575">
+            <a:prstDash val="dash"/>
+            <a:tailEnd type="triangle"/>
+          </a:ln>
+        </p:spPr>
+        <p:style>
+          <a:lnRef idx="3">
+            <a:schemeClr val="accent6"/>
+          </a:lnRef>
+          <a:fillRef idx="0">
+            <a:schemeClr val="accent6"/>
+          </a:fillRef>
+          <a:effectRef idx="2">
+            <a:schemeClr val="accent6"/>
+          </a:effectRef>
+          <a:fontRef idx="minor">
+            <a:schemeClr val="tx1"/>
+          </a:fontRef>
+        </p:style>
+      </p:cxnSp>
+      <p:cxnSp>
+        <p:nvCxnSpPr>
+          <p:cNvPr id="54" name="Straight Arrow Connector 53"/>
+          <p:cNvCxnSpPr>
+            <a:endCxn id="35" idx="5"/>
+          </p:cNvCxnSpPr>
+          <p:nvPr/>
+        </p:nvCxnSpPr>
+        <p:spPr>
+          <a:xfrm>
+            <a:off x="4862524" y="4760195"/>
+            <a:ext cx="905499" cy="0"/>
+          </a:xfrm>
+          <a:prstGeom prst="straightConnector1">
+            <a:avLst/>
+          </a:prstGeom>
+          <a:ln w="28575">
+            <a:prstDash val="dash"/>
+            <a:tailEnd type="triangle"/>
+          </a:ln>
+        </p:spPr>
+        <p:style>
+          <a:lnRef idx="1">
+            <a:schemeClr val="accent1"/>
+          </a:lnRef>
+          <a:fillRef idx="0">
+            <a:schemeClr val="accent1"/>
+          </a:fillRef>
+          <a:effectRef idx="0">
+            <a:schemeClr val="accent1"/>
+          </a:effectRef>
+          <a:fontRef idx="minor">
+            <a:schemeClr val="tx1"/>
+          </a:fontRef>
+        </p:style>
+      </p:cxnSp>
+      <mc:AlternateContent xmlns:mc="http://schemas.openxmlformats.org/markup-compatibility/2006">
+        <mc:Choice xmlns:a14="http://schemas.microsoft.com/office/drawing/2010/main" Requires="a14">
+          <p:sp>
+            <p:nvSpPr>
+              <p:cNvPr id="56" name="TextBox 55"/>
+              <p:cNvSpPr txBox="1"/>
+              <p:nvPr/>
+            </p:nvSpPr>
+            <p:spPr>
+              <a:xfrm>
+                <a:off x="5936596" y="4101109"/>
+                <a:ext cx="401650" cy="461665"/>
+              </a:xfrm>
+              <a:prstGeom prst="rect">
+                <a:avLst/>
+              </a:prstGeom>
+              <a:noFill/>
+            </p:spPr>
+            <p:txBody>
+              <a:bodyPr wrap="square" rtlCol="0">
+                <a:spAutoFit/>
+              </a:bodyPr>
+              <a:lstStyle/>
+              <a:p>
+                <a14:m>
+                  <m:oMathPara xmlns:m="http://schemas.openxmlformats.org/officeDocument/2006/math">
+                    <m:oMathParaPr>
+                      <m:jc m:val="centerGroup"/>
+                    </m:oMathParaPr>
+                    <m:oMath xmlns:m="http://schemas.openxmlformats.org/officeDocument/2006/math">
+                      <m:r>
+                        <a:rPr lang="en-US" sz="2400" b="1" i="1" dirty="0" smtClean="0">
+                          <a:solidFill>
+                            <a:schemeClr val="accent6">
+                              <a:lumMod val="75000"/>
+                            </a:schemeClr>
+                          </a:solidFill>
+                          <a:latin typeface="Cambria Math" panose="02040503050406030204" pitchFamily="18" charset="0"/>
+                        </a:rPr>
+                        <m:t>𝝈</m:t>
+                      </m:r>
+                    </m:oMath>
+                  </m:oMathPara>
+                </a14:m>
+                <a:endParaRPr lang="en-US" sz="2400" b="1" dirty="0">
+                  <a:solidFill>
+                    <a:schemeClr val="accent6">
+                      <a:lumMod val="75000"/>
+                    </a:schemeClr>
+                  </a:solidFill>
+                </a:endParaRPr>
+              </a:p>
+            </p:txBody>
+          </p:sp>
+        </mc:Choice>
+        <mc:Fallback>
+          <p:sp>
+            <p:nvSpPr>
+              <p:cNvPr id="56" name="TextBox 55"/>
+              <p:cNvSpPr txBox="1">
+                <a:spLocks noRot="1" noChangeAspect="1" noMove="1" noResize="1" noEditPoints="1" noAdjustHandles="1" noChangeArrowheads="1" noChangeShapeType="1" noTextEdit="1"/>
+              </p:cNvSpPr>
+              <p:nvPr/>
+            </p:nvSpPr>
+            <p:spPr>
+              <a:xfrm>
+                <a:off x="5936596" y="4101109"/>
+                <a:ext cx="401650" cy="461665"/>
+              </a:xfrm>
+              <a:prstGeom prst="rect">
+                <a:avLst/>
+              </a:prstGeom>
+              <a:blipFill rotWithShape="0">
+                <a:blip r:embed="rId2"/>
+                <a:stretch>
+                  <a:fillRect/>
+                </a:stretch>
+              </a:blipFill>
+            </p:spPr>
+            <p:txBody>
+              <a:bodyPr/>
+              <a:lstStyle/>
+              <a:p>
+                <a:r>
+                  <a:rPr lang="en-US">
+                    <a:noFill/>
+                  </a:rPr>
+                  <a:t> </a:t>
+                </a:r>
+              </a:p>
+            </p:txBody>
+          </p:sp>
+        </mc:Fallback>
+      </mc:AlternateContent>
+      <mc:AlternateContent xmlns:mc="http://schemas.openxmlformats.org/markup-compatibility/2006">
+        <mc:Choice xmlns:a14="http://schemas.microsoft.com/office/drawing/2010/main" Requires="a14">
+          <p:sp>
+            <p:nvSpPr>
+              <p:cNvPr id="57" name="TextBox 56"/>
+              <p:cNvSpPr txBox="1"/>
+              <p:nvPr/>
+            </p:nvSpPr>
+            <p:spPr>
+              <a:xfrm>
+                <a:off x="4816785" y="4740013"/>
+                <a:ext cx="966666" cy="405817"/>
+              </a:xfrm>
+              <a:prstGeom prst="rect">
+                <a:avLst/>
+              </a:prstGeom>
+              <a:noFill/>
+            </p:spPr>
+            <p:txBody>
+              <a:bodyPr wrap="square" rtlCol="0">
+                <a:spAutoFit/>
+              </a:bodyPr>
+              <a:lstStyle/>
+              <a:p>
+                <a14:m>
+                  <m:oMathPara xmlns:m="http://schemas.openxmlformats.org/officeDocument/2006/math">
+                    <m:oMathParaPr>
+                      <m:jc m:val="centerGroup"/>
+                    </m:oMathParaPr>
+                    <m:oMath xmlns:m="http://schemas.openxmlformats.org/officeDocument/2006/math">
+                      <m:r>
+                        <a:rPr lang="en-US" sz="2000" b="1" i="1" dirty="0" smtClean="0">
+                          <a:solidFill>
+                            <a:schemeClr val="accent1">
+                              <a:lumMod val="75000"/>
+                            </a:schemeClr>
+                          </a:solidFill>
+                          <a:latin typeface="Cambria Math" panose="02040503050406030204" pitchFamily="18" charset="0"/>
+                        </a:rPr>
+                        <m:t>𝝈</m:t>
+                      </m:r>
+                      <m:r>
+                        <a:rPr lang="en-US" sz="2000" b="1" i="1" dirty="0" smtClean="0">
+                          <a:solidFill>
+                            <a:schemeClr val="accent1">
+                              <a:lumMod val="75000"/>
+                            </a:schemeClr>
+                          </a:solidFill>
+                          <a:latin typeface="Cambria Math" panose="02040503050406030204" pitchFamily="18" charset="0"/>
+                        </a:rPr>
+                        <m:t>/</m:t>
+                      </m:r>
+                      <m:rad>
+                        <m:radPr>
+                          <m:degHide m:val="on"/>
+                          <m:ctrlPr>
+                            <a:rPr lang="en-US" sz="2000" b="1" i="1" dirty="0" smtClean="0">
+                              <a:solidFill>
+                                <a:schemeClr val="accent1">
+                                  <a:lumMod val="75000"/>
+                                </a:schemeClr>
+                              </a:solidFill>
+                              <a:latin typeface="Cambria Math" panose="02040503050406030204" pitchFamily="18" charset="0"/>
+                            </a:rPr>
+                          </m:ctrlPr>
+                        </m:radPr>
+                        <m:deg/>
+                        <m:e>
+                          <m:r>
+                            <a:rPr lang="en-US" sz="2000" b="1" i="1" dirty="0" smtClean="0">
+                              <a:solidFill>
+                                <a:schemeClr val="accent1">
+                                  <a:lumMod val="75000"/>
+                                </a:schemeClr>
+                              </a:solidFill>
+                              <a:latin typeface="Cambria Math" panose="02040503050406030204" pitchFamily="18" charset="0"/>
+                            </a:rPr>
+                            <m:t>𝒏</m:t>
+                          </m:r>
+                        </m:e>
+                      </m:rad>
+                    </m:oMath>
+                  </m:oMathPara>
+                </a14:m>
+                <a:endParaRPr lang="en-US" sz="2000" b="1" dirty="0">
+                  <a:solidFill>
+                    <a:schemeClr val="accent1">
+                      <a:lumMod val="75000"/>
+                    </a:schemeClr>
+                  </a:solidFill>
+                </a:endParaRPr>
+              </a:p>
+            </p:txBody>
+          </p:sp>
+        </mc:Choice>
+        <mc:Fallback>
+          <p:sp>
+            <p:nvSpPr>
+              <p:cNvPr id="57" name="TextBox 56"/>
+              <p:cNvSpPr txBox="1">
+                <a:spLocks noRot="1" noChangeAspect="1" noMove="1" noResize="1" noEditPoints="1" noAdjustHandles="1" noChangeArrowheads="1" noChangeShapeType="1" noTextEdit="1"/>
+              </p:cNvSpPr>
+              <p:nvPr/>
+            </p:nvSpPr>
+            <p:spPr>
+              <a:xfrm>
+                <a:off x="4816785" y="4740013"/>
+                <a:ext cx="966666" cy="405817"/>
+              </a:xfrm>
+              <a:prstGeom prst="rect">
+                <a:avLst/>
+              </a:prstGeom>
+              <a:blipFill rotWithShape="0">
+                <a:blip r:embed="rId3"/>
+                <a:stretch>
+                  <a:fillRect b="-15152"/>
+                </a:stretch>
+              </a:blipFill>
+            </p:spPr>
+            <p:txBody>
+              <a:bodyPr/>
+              <a:lstStyle/>
+              <a:p>
+                <a:r>
+                  <a:rPr lang="en-US">
+                    <a:noFill/>
+                  </a:rPr>
+                  <a:t> </a:t>
+                </a:r>
+              </a:p>
+            </p:txBody>
+          </p:sp>
+        </mc:Fallback>
+      </mc:AlternateContent>
+      <mc:AlternateContent xmlns:mc="http://schemas.openxmlformats.org/markup-compatibility/2006">
+        <mc:Choice xmlns:a14="http://schemas.microsoft.com/office/drawing/2010/main" Requires="a14">
+          <p:sp>
+            <p:nvSpPr>
+              <p:cNvPr id="48" name="TextBox 47"/>
+              <p:cNvSpPr txBox="1"/>
+              <p:nvPr/>
+            </p:nvSpPr>
+            <p:spPr>
+              <a:xfrm>
+                <a:off x="4143687" y="5300708"/>
+                <a:ext cx="1534624" cy="461665"/>
+              </a:xfrm>
+              <a:prstGeom prst="rect">
+                <a:avLst/>
+              </a:prstGeom>
+              <a:noFill/>
+            </p:spPr>
+            <p:txBody>
+              <a:bodyPr wrap="square" rtlCol="0">
+                <a:spAutoFit/>
+              </a:bodyPr>
+              <a:lstStyle/>
+              <a:p>
+                <a14:m>
+                  <m:oMath xmlns:m="http://schemas.openxmlformats.org/officeDocument/2006/math">
+                    <m:r>
+                      <a:rPr lang="en-US" sz="2400" b="1" i="1" dirty="0" smtClean="0">
+                        <a:latin typeface="Cambria Math" panose="02040503050406030204" pitchFamily="18" charset="0"/>
+                      </a:rPr>
+                      <m:t>𝝁</m:t>
+                    </m:r>
+                    <m:r>
+                      <a:rPr lang="en-US" sz="2400" b="1" i="1" dirty="0" smtClean="0">
+                        <a:latin typeface="Cambria Math" panose="02040503050406030204" pitchFamily="18" charset="0"/>
+                      </a:rPr>
+                      <m:t>=</m:t>
+                    </m:r>
+                  </m:oMath>
+                </a14:m>
+                <a:r>
+                  <a:rPr lang="en-US" sz="2400" b="1" dirty="0" smtClean="0"/>
+                  <a:t>$300K</a:t>
+                </a:r>
+                <a:endParaRPr lang="en-US" sz="2400" b="1" dirty="0"/>
+              </a:p>
+            </p:txBody>
+          </p:sp>
+        </mc:Choice>
+        <mc:Fallback>
+          <p:sp>
+            <p:nvSpPr>
+              <p:cNvPr id="48" name="TextBox 47"/>
+              <p:cNvSpPr txBox="1">
+                <a:spLocks noRot="1" noChangeAspect="1" noMove="1" noResize="1" noEditPoints="1" noAdjustHandles="1" noChangeArrowheads="1" noChangeShapeType="1" noTextEdit="1"/>
+              </p:cNvSpPr>
+              <p:nvPr/>
+            </p:nvSpPr>
+            <p:spPr>
+              <a:xfrm>
+                <a:off x="4143687" y="5300708"/>
+                <a:ext cx="1534624" cy="461665"/>
+              </a:xfrm>
+              <a:prstGeom prst="rect">
+                <a:avLst/>
+              </a:prstGeom>
+              <a:blipFill rotWithShape="0">
+                <a:blip r:embed="rId4"/>
+                <a:stretch>
+                  <a:fillRect l="-1195" t="-10667" r="-1594" b="-30667"/>
+                </a:stretch>
+              </a:blipFill>
+            </p:spPr>
+            <p:txBody>
+              <a:bodyPr/>
+              <a:lstStyle/>
+              <a:p>
+                <a:r>
+                  <a:rPr lang="en-US">
+                    <a:noFill/>
+                  </a:rPr>
+                  <a:t> </a:t>
+                </a:r>
+              </a:p>
+            </p:txBody>
+          </p:sp>
+        </mc:Fallback>
+      </mc:AlternateContent>
+      <mc:AlternateContent xmlns:mc="http://schemas.openxmlformats.org/markup-compatibility/2006">
+        <mc:Choice xmlns:a14="http://schemas.microsoft.com/office/drawing/2010/main" Requires="a14">
+          <p:sp>
+            <p:nvSpPr>
+              <p:cNvPr id="50" name="TextBox 49"/>
+              <p:cNvSpPr txBox="1"/>
+              <p:nvPr/>
+            </p:nvSpPr>
+            <p:spPr>
+              <a:xfrm>
+                <a:off x="7073829" y="2482294"/>
+                <a:ext cx="1240297" cy="461665"/>
+              </a:xfrm>
+              <a:prstGeom prst="rect">
+                <a:avLst/>
+              </a:prstGeom>
+              <a:noFill/>
+            </p:spPr>
+            <p:txBody>
+              <a:bodyPr wrap="square" rtlCol="0">
+                <a:spAutoFit/>
+              </a:bodyPr>
+              <a:lstStyle/>
+              <a:p>
+                <a14:m>
+                  <m:oMath xmlns:m="http://schemas.openxmlformats.org/officeDocument/2006/math">
+                    <m:r>
+                      <a:rPr lang="en-US" sz="2400" b="1" i="1" dirty="0" smtClean="0">
+                        <a:solidFill>
+                          <a:schemeClr val="accent6">
+                            <a:lumMod val="75000"/>
+                          </a:schemeClr>
+                        </a:solidFill>
+                        <a:latin typeface="Cambria Math" panose="02040503050406030204" pitchFamily="18" charset="0"/>
+                      </a:rPr>
+                      <m:t>𝝈</m:t>
+                    </m:r>
+                  </m:oMath>
+                </a14:m>
+                <a:r>
+                  <a:rPr lang="en-US" sz="2400" b="1" dirty="0" smtClean="0">
+                    <a:solidFill>
+                      <a:schemeClr val="accent6">
+                        <a:lumMod val="75000"/>
+                      </a:schemeClr>
+                    </a:solidFill>
+                  </a:rPr>
+                  <a:t>=$60K</a:t>
+                </a:r>
+                <a:endParaRPr lang="en-US" sz="2400" b="1" dirty="0">
+                  <a:solidFill>
+                    <a:schemeClr val="accent6">
+                      <a:lumMod val="75000"/>
+                    </a:schemeClr>
+                  </a:solidFill>
+                </a:endParaRPr>
+              </a:p>
+            </p:txBody>
+          </p:sp>
+        </mc:Choice>
+        <mc:Fallback>
+          <p:sp>
+            <p:nvSpPr>
+              <p:cNvPr id="50" name="TextBox 49"/>
+              <p:cNvSpPr txBox="1">
+                <a:spLocks noRot="1" noChangeAspect="1" noMove="1" noResize="1" noEditPoints="1" noAdjustHandles="1" noChangeArrowheads="1" noChangeShapeType="1" noTextEdit="1"/>
+              </p:cNvSpPr>
+              <p:nvPr/>
+            </p:nvSpPr>
+            <p:spPr>
+              <a:xfrm>
+                <a:off x="7073829" y="2482294"/>
+                <a:ext cx="1240297" cy="461665"/>
+              </a:xfrm>
+              <a:prstGeom prst="rect">
+                <a:avLst/>
+              </a:prstGeom>
+              <a:blipFill rotWithShape="0">
+                <a:blip r:embed="rId5"/>
+                <a:stretch>
+                  <a:fillRect t="-10526" r="-490" b="-28947"/>
+                </a:stretch>
+              </a:blipFill>
+            </p:spPr>
+            <p:txBody>
+              <a:bodyPr/>
+              <a:lstStyle/>
+              <a:p>
+                <a:r>
+                  <a:rPr lang="en-US">
+                    <a:noFill/>
+                  </a:rPr>
+                  <a:t> </a:t>
+                </a:r>
+              </a:p>
+            </p:txBody>
+          </p:sp>
+        </mc:Fallback>
+      </mc:AlternateContent>
+      <mc:AlternateContent xmlns:mc="http://schemas.openxmlformats.org/markup-compatibility/2006">
+        <mc:Choice xmlns:a14="http://schemas.microsoft.com/office/drawing/2010/main" Requires="a14">
+          <p:sp>
+            <p:nvSpPr>
+              <p:cNvPr id="52" name="TextBox 51"/>
+              <p:cNvSpPr txBox="1"/>
+              <p:nvPr/>
+            </p:nvSpPr>
+            <p:spPr>
+              <a:xfrm>
+                <a:off x="6926180" y="3142330"/>
+                <a:ext cx="1884996" cy="837793"/>
+              </a:xfrm>
+              <a:prstGeom prst="rect">
+                <a:avLst/>
+              </a:prstGeom>
+              <a:noFill/>
+            </p:spPr>
+            <p:txBody>
+              <a:bodyPr wrap="square" rtlCol="0">
+                <a:spAutoFit/>
+              </a:bodyPr>
+              <a:lstStyle/>
+              <a:p>
+                <a:pPr algn="ctr"/>
+                <a14:m>
+                  <m:oMath xmlns:m="http://schemas.openxmlformats.org/officeDocument/2006/math">
+                    <m:r>
+                      <a:rPr lang="en-US" sz="2400" b="1" i="1" smtClean="0">
+                        <a:solidFill>
+                          <a:schemeClr val="accent1">
+                            <a:lumMod val="75000"/>
+                          </a:schemeClr>
+                        </a:solidFill>
+                        <a:latin typeface="Cambria Math" panose="02040503050406030204" pitchFamily="18" charset="0"/>
+                      </a:rPr>
+                      <m:t>𝒏</m:t>
+                    </m:r>
+                  </m:oMath>
+                </a14:m>
+                <a:r>
+                  <a:rPr lang="en-US" sz="2400" b="1" dirty="0" smtClean="0">
+                    <a:solidFill>
+                      <a:schemeClr val="accent1">
+                        <a:lumMod val="75000"/>
+                      </a:schemeClr>
+                    </a:solidFill>
+                  </a:rPr>
+                  <a:t> = </a:t>
+                </a:r>
+                <a:r>
+                  <a:rPr lang="en-US" sz="2400" b="1" dirty="0" smtClean="0">
+                    <a:solidFill>
+                      <a:schemeClr val="accent1">
+                        <a:lumMod val="75000"/>
+                      </a:schemeClr>
+                    </a:solidFill>
+                    <a:latin typeface="Cambria Math" panose="02040503050406030204" pitchFamily="18" charset="0"/>
+                  </a:rPr>
+                  <a:t>25</a:t>
+                </a:r>
+              </a:p>
+              <a:p>
+                <a:pPr algn="ctr"/>
+                <a14:m>
+                  <m:oMath xmlns:m="http://schemas.openxmlformats.org/officeDocument/2006/math">
+                    <m:r>
+                      <a:rPr lang="en-US" sz="2400" b="1" i="1" dirty="0" smtClean="0">
+                        <a:solidFill>
+                          <a:schemeClr val="accent1">
+                            <a:lumMod val="75000"/>
+                          </a:schemeClr>
+                        </a:solidFill>
+                        <a:latin typeface="Cambria Math" panose="02040503050406030204" pitchFamily="18" charset="0"/>
+                      </a:rPr>
+                      <m:t>𝝈</m:t>
+                    </m:r>
+                    <m:r>
+                      <a:rPr lang="en-US" sz="2400" b="1" i="1" dirty="0" smtClean="0">
+                        <a:solidFill>
+                          <a:schemeClr val="accent1">
+                            <a:lumMod val="75000"/>
+                          </a:schemeClr>
+                        </a:solidFill>
+                        <a:latin typeface="Cambria Math" panose="02040503050406030204" pitchFamily="18" charset="0"/>
+                      </a:rPr>
+                      <m:t>/</m:t>
+                    </m:r>
+                    <m:rad>
+                      <m:radPr>
+                        <m:degHide m:val="on"/>
+                        <m:ctrlPr>
+                          <a:rPr lang="en-US" sz="2400" b="1" i="1" dirty="0" smtClean="0">
+                            <a:solidFill>
+                              <a:schemeClr val="accent1">
+                                <a:lumMod val="75000"/>
+                              </a:schemeClr>
+                            </a:solidFill>
+                            <a:latin typeface="Cambria Math" panose="02040503050406030204" pitchFamily="18" charset="0"/>
+                          </a:rPr>
+                        </m:ctrlPr>
+                      </m:radPr>
+                      <m:deg/>
+                      <m:e>
+                        <m:r>
+                          <a:rPr lang="en-US" sz="2400" b="1" i="1" dirty="0" smtClean="0">
+                            <a:solidFill>
+                              <a:schemeClr val="accent1">
+                                <a:lumMod val="75000"/>
+                              </a:schemeClr>
+                            </a:solidFill>
+                            <a:latin typeface="Cambria Math" panose="02040503050406030204" pitchFamily="18" charset="0"/>
+                          </a:rPr>
+                          <m:t>𝒏</m:t>
+                        </m:r>
+                      </m:e>
+                    </m:rad>
+                  </m:oMath>
+                </a14:m>
+                <a:r>
+                  <a:rPr lang="en-US" sz="2400" b="1" dirty="0" smtClean="0">
+                    <a:solidFill>
+                      <a:schemeClr val="accent1">
+                        <a:lumMod val="75000"/>
+                      </a:schemeClr>
+                    </a:solidFill>
+                  </a:rPr>
+                  <a:t> = $12K</a:t>
+                </a:r>
+                <a:endParaRPr lang="en-US" sz="2400" b="1" dirty="0">
+                  <a:solidFill>
+                    <a:schemeClr val="accent1">
+                      <a:lumMod val="75000"/>
+                    </a:schemeClr>
+                  </a:solidFill>
+                </a:endParaRPr>
+              </a:p>
+            </p:txBody>
+          </p:sp>
+        </mc:Choice>
+        <mc:Fallback>
+          <p:sp>
+            <p:nvSpPr>
+              <p:cNvPr id="52" name="TextBox 51"/>
+              <p:cNvSpPr txBox="1">
+                <a:spLocks noRot="1" noChangeAspect="1" noMove="1" noResize="1" noEditPoints="1" noAdjustHandles="1" noChangeArrowheads="1" noChangeShapeType="1" noTextEdit="1"/>
+              </p:cNvSpPr>
+              <p:nvPr/>
+            </p:nvSpPr>
+            <p:spPr>
+              <a:xfrm>
+                <a:off x="6926180" y="3142330"/>
+                <a:ext cx="1884996" cy="837793"/>
+              </a:xfrm>
+              <a:prstGeom prst="rect">
+                <a:avLst/>
+              </a:prstGeom>
+              <a:blipFill rotWithShape="0">
+                <a:blip r:embed="rId6"/>
+                <a:stretch>
+                  <a:fillRect t="-7246" r="-3560" b="-15217"/>
+                </a:stretch>
+              </a:blipFill>
+            </p:spPr>
+            <p:txBody>
+              <a:bodyPr/>
+              <a:lstStyle/>
+              <a:p>
+                <a:r>
+                  <a:rPr lang="en-US">
+                    <a:noFill/>
+                  </a:rPr>
+                  <a:t> </a:t>
+                </a:r>
+              </a:p>
+            </p:txBody>
+          </p:sp>
+        </mc:Fallback>
+      </mc:AlternateContent>
     </p:spTree>
     <p:extLst>
       <p:ext uri="{BB962C8B-B14F-4D97-AF65-F5344CB8AC3E}">
-        <p14:creationId xmlns:p14="http://schemas.microsoft.com/office/powerpoint/2010/main" val="3906285873"/>
+        <p14:creationId xmlns:p14="http://schemas.microsoft.com/office/powerpoint/2010/main" val="208795819"/>
       </p:ext>
     </p:extLst>
   </p:cSld>
@@ -14749,7 +20777,7 @@
 </p:sld>
 </file>
 
-<file path=ppt/slides/slide3.xml><?xml version="1.0" encoding="utf-8"?>
+<file path=ppt/slides/slide4.xml><?xml version="1.0" encoding="utf-8"?>
 <p:sld xmlns:a="http://schemas.openxmlformats.org/drawingml/2006/main" xmlns:r="http://schemas.openxmlformats.org/officeDocument/2006/relationships" xmlns:p="http://schemas.openxmlformats.org/presentationml/2006/main">
   <p:cSld>
     <p:spTree>
@@ -14766,6 +20794,169 @@
           <a:chExt cx="0" cy="0"/>
         </a:xfrm>
       </p:grpSpPr>
+      <p:sp>
+        <p:nvSpPr>
+          <p:cNvPr id="2" name="Freeform 1"/>
+          <p:cNvSpPr/>
+          <p:nvPr/>
+        </p:nvSpPr>
+        <p:spPr>
+          <a:xfrm>
+            <a:off x="5864610" y="1027289"/>
+            <a:ext cx="2946367" cy="4238978"/>
+          </a:xfrm>
+          <a:custGeom>
+            <a:avLst/>
+            <a:gdLst>
+              <a:gd name="connsiteX0" fmla="*/ 11289 w 2946400"/>
+              <a:gd name="connsiteY0" fmla="*/ 4171244 h 4238978"/>
+              <a:gd name="connsiteX1" fmla="*/ 186266 w 2946400"/>
+              <a:gd name="connsiteY1" fmla="*/ 4064000 h 4238978"/>
+              <a:gd name="connsiteX2" fmla="*/ 366889 w 2946400"/>
+              <a:gd name="connsiteY2" fmla="*/ 3843867 h 4238978"/>
+              <a:gd name="connsiteX3" fmla="*/ 1134533 w 2946400"/>
+              <a:gd name="connsiteY3" fmla="*/ 95955 h 4238978"/>
+              <a:gd name="connsiteX4" fmla="*/ 1236133 w 2946400"/>
+              <a:gd name="connsiteY4" fmla="*/ 11289 h 4238978"/>
+              <a:gd name="connsiteX5" fmla="*/ 1286933 w 2946400"/>
+              <a:gd name="connsiteY5" fmla="*/ 0 h 4238978"/>
+              <a:gd name="connsiteX6" fmla="*/ 1394178 w 2946400"/>
+              <a:gd name="connsiteY6" fmla="*/ 242711 h 4238978"/>
+              <a:gd name="connsiteX7" fmla="*/ 1715911 w 2946400"/>
+              <a:gd name="connsiteY7" fmla="*/ 1947333 h 4238978"/>
+              <a:gd name="connsiteX8" fmla="*/ 2105378 w 2946400"/>
+              <a:gd name="connsiteY8" fmla="*/ 3674533 h 4238978"/>
+              <a:gd name="connsiteX9" fmla="*/ 2342444 w 2946400"/>
+              <a:gd name="connsiteY9" fmla="*/ 4064000 h 4238978"/>
+              <a:gd name="connsiteX10" fmla="*/ 2596444 w 2946400"/>
+              <a:gd name="connsiteY10" fmla="*/ 4171244 h 4238978"/>
+              <a:gd name="connsiteX11" fmla="*/ 2946400 w 2946400"/>
+              <a:gd name="connsiteY11" fmla="*/ 4238978 h 4238978"/>
+              <a:gd name="connsiteX12" fmla="*/ 0 w 2946400"/>
+              <a:gd name="connsiteY12" fmla="*/ 4238978 h 4238978"/>
+              <a:gd name="connsiteX13" fmla="*/ 11289 w 2946400"/>
+              <a:gd name="connsiteY13" fmla="*/ 4171244 h 4238978"/>
+            </a:gdLst>
+            <a:ahLst/>
+            <a:cxnLst>
+              <a:cxn ang="0">
+                <a:pos x="connsiteX0" y="connsiteY0"/>
+              </a:cxn>
+              <a:cxn ang="0">
+                <a:pos x="connsiteX1" y="connsiteY1"/>
+              </a:cxn>
+              <a:cxn ang="0">
+                <a:pos x="connsiteX2" y="connsiteY2"/>
+              </a:cxn>
+              <a:cxn ang="0">
+                <a:pos x="connsiteX3" y="connsiteY3"/>
+              </a:cxn>
+              <a:cxn ang="0">
+                <a:pos x="connsiteX4" y="connsiteY4"/>
+              </a:cxn>
+              <a:cxn ang="0">
+                <a:pos x="connsiteX5" y="connsiteY5"/>
+              </a:cxn>
+              <a:cxn ang="0">
+                <a:pos x="connsiteX6" y="connsiteY6"/>
+              </a:cxn>
+              <a:cxn ang="0">
+                <a:pos x="connsiteX7" y="connsiteY7"/>
+              </a:cxn>
+              <a:cxn ang="0">
+                <a:pos x="connsiteX8" y="connsiteY8"/>
+              </a:cxn>
+              <a:cxn ang="0">
+                <a:pos x="connsiteX9" y="connsiteY9"/>
+              </a:cxn>
+              <a:cxn ang="0">
+                <a:pos x="connsiteX10" y="connsiteY10"/>
+              </a:cxn>
+              <a:cxn ang="0">
+                <a:pos x="connsiteX11" y="connsiteY11"/>
+              </a:cxn>
+              <a:cxn ang="0">
+                <a:pos x="connsiteX12" y="connsiteY12"/>
+              </a:cxn>
+              <a:cxn ang="0">
+                <a:pos x="connsiteX13" y="connsiteY13"/>
+              </a:cxn>
+            </a:cxnLst>
+            <a:rect l="l" t="t" r="r" b="b"/>
+            <a:pathLst>
+              <a:path w="2946400" h="4238978">
+                <a:moveTo>
+                  <a:pt x="11289" y="4171244"/>
+                </a:moveTo>
+                <a:lnTo>
+                  <a:pt x="186266" y="4064000"/>
+                </a:lnTo>
+                <a:lnTo>
+                  <a:pt x="366889" y="3843867"/>
+                </a:lnTo>
+                <a:lnTo>
+                  <a:pt x="1134533" y="95955"/>
+                </a:lnTo>
+                <a:lnTo>
+                  <a:pt x="1236133" y="11289"/>
+                </a:lnTo>
+                <a:lnTo>
+                  <a:pt x="1286933" y="0"/>
+                </a:lnTo>
+                <a:lnTo>
+                  <a:pt x="1394178" y="242711"/>
+                </a:lnTo>
+                <a:lnTo>
+                  <a:pt x="1715911" y="1947333"/>
+                </a:lnTo>
+                <a:lnTo>
+                  <a:pt x="2105378" y="3674533"/>
+                </a:lnTo>
+                <a:lnTo>
+                  <a:pt x="2342444" y="4064000"/>
+                </a:lnTo>
+                <a:lnTo>
+                  <a:pt x="2596444" y="4171244"/>
+                </a:lnTo>
+                <a:lnTo>
+                  <a:pt x="2946400" y="4238978"/>
+                </a:lnTo>
+                <a:lnTo>
+                  <a:pt x="0" y="4238978"/>
+                </a:lnTo>
+                <a:lnTo>
+                  <a:pt x="11289" y="4171244"/>
+                </a:lnTo>
+                <a:close/>
+              </a:path>
+            </a:pathLst>
+          </a:custGeom>
+        </p:spPr>
+        <p:style>
+          <a:lnRef idx="2">
+            <a:schemeClr val="accent1">
+              <a:shade val="50000"/>
+            </a:schemeClr>
+          </a:lnRef>
+          <a:fillRef idx="1">
+            <a:schemeClr val="accent1"/>
+          </a:fillRef>
+          <a:effectRef idx="0">
+            <a:schemeClr val="accent1"/>
+          </a:effectRef>
+          <a:fontRef idx="minor">
+            <a:schemeClr val="lt1"/>
+          </a:fontRef>
+        </p:style>
+        <p:txBody>
+          <a:bodyPr rtlCol="0" anchor="ctr"/>
+          <a:lstStyle/>
+          <a:p>
+            <a:pPr algn="ctr"/>
+            <a:endParaRPr lang="en-US"/>
+          </a:p>
+        </p:txBody>
+      </p:sp>
       <p:sp>
         <p:nvSpPr>
           <p:cNvPr id="28" name="Rectangle 27"/>
@@ -15166,7 +21357,7 @@
         </p:nvGrpSpPr>
         <p:grpSpPr>
           <a:xfrm>
-            <a:off x="932864" y="1031003"/>
+            <a:off x="944153" y="1052249"/>
             <a:ext cx="8124509" cy="4269145"/>
             <a:chOff x="3579812" y="1611251"/>
             <a:chExt cx="5029200" cy="3131790"/>
@@ -20126,43 +26317,13 @@
       </p:sp>
       <p:sp>
         <p:nvSpPr>
-          <p:cNvPr id="39" name="TextBox 38"/>
-          <p:cNvSpPr txBox="1"/>
-          <p:nvPr/>
-        </p:nvSpPr>
-        <p:spPr>
-          <a:xfrm>
-            <a:off x="7900202" y="5300037"/>
-            <a:ext cx="1313403" cy="461665"/>
-          </a:xfrm>
-          <a:prstGeom prst="rect">
-            <a:avLst/>
-          </a:prstGeom>
-          <a:noFill/>
-        </p:spPr>
-        <p:txBody>
-          <a:bodyPr wrap="square" rtlCol="0">
-            <a:spAutoFit/>
-          </a:bodyPr>
-          <a:lstStyle/>
-          <a:p>
-            <a:r>
-              <a:rPr lang="en-US" sz="2400" b="1" smtClean="0"/>
-              <a:t>$1080K</a:t>
-            </a:r>
-            <a:endParaRPr lang="en-US" sz="2400" b="1" dirty="0"/>
-          </a:p>
-        </p:txBody>
-      </p:sp>
-      <p:sp>
-        <p:nvSpPr>
           <p:cNvPr id="40" name="TextBox 39"/>
           <p:cNvSpPr txBox="1"/>
           <p:nvPr/>
         </p:nvSpPr>
         <p:spPr>
           <a:xfrm>
-            <a:off x="5597597" y="5299589"/>
+            <a:off x="5413808" y="5300037"/>
             <a:ext cx="1078029" cy="461665"/>
           </a:xfrm>
           <a:prstGeom prst="rect">
@@ -20178,7 +26339,11 @@
           <a:p>
             <a:r>
               <a:rPr lang="en-US" sz="2400" b="1" dirty="0" smtClean="0"/>
-              <a:t>$920K</a:t>
+              <a:t>$</a:t>
+            </a:r>
+            <a:r>
+              <a:rPr lang="en-US" sz="2400" b="1" dirty="0" smtClean="0"/>
+              <a:t>980K</a:t>
             </a:r>
             <a:endParaRPr lang="en-US" sz="2400" b="1" dirty="0"/>
           </a:p>
@@ -20251,14 +26416,12 @@
       <p:cxnSp>
         <p:nvCxnSpPr>
           <p:cNvPr id="47" name="Straight Connector 46"/>
-          <p:cNvCxnSpPr>
-            <a:endCxn id="5" idx="1"/>
-          </p:cNvCxnSpPr>
+          <p:cNvCxnSpPr/>
           <p:nvPr/>
         </p:nvCxnSpPr>
         <p:spPr>
           <a:xfrm flipH="1">
-            <a:off x="932864" y="5250371"/>
+            <a:off x="944153" y="5249041"/>
             <a:ext cx="2318289" cy="22186"/>
           </a:xfrm>
           <a:prstGeom prst="line">
@@ -20324,6 +26487,70 @@
           </a:fontRef>
         </p:style>
       </p:cxnSp>
+      <p:cxnSp>
+        <p:nvCxnSpPr>
+          <p:cNvPr id="41" name="Straight Arrow Connector 40"/>
+          <p:cNvCxnSpPr/>
+          <p:nvPr/>
+        </p:nvCxnSpPr>
+        <p:spPr>
+          <a:xfrm flipH="1" flipV="1">
+            <a:off x="5275096" y="3783331"/>
+            <a:ext cx="1345303" cy="465396"/>
+          </a:xfrm>
+          <a:prstGeom prst="straightConnector1">
+            <a:avLst/>
+          </a:prstGeom>
+          <a:ln>
+            <a:tailEnd type="triangle"/>
+          </a:ln>
+        </p:spPr>
+        <p:style>
+          <a:lnRef idx="1">
+            <a:schemeClr val="accent2"/>
+          </a:lnRef>
+          <a:fillRef idx="0">
+            <a:schemeClr val="accent2"/>
+          </a:fillRef>
+          <a:effectRef idx="0">
+            <a:schemeClr val="accent2"/>
+          </a:effectRef>
+          <a:fontRef idx="minor">
+            <a:schemeClr val="tx1"/>
+          </a:fontRef>
+        </p:style>
+      </p:cxnSp>
+      <p:sp>
+        <p:nvSpPr>
+          <p:cNvPr id="44" name="TextBox 43"/>
+          <p:cNvSpPr txBox="1"/>
+          <p:nvPr/>
+        </p:nvSpPr>
+        <p:spPr>
+          <a:xfrm>
+            <a:off x="3806428" y="3387425"/>
+            <a:ext cx="1970637" cy="400110"/>
+          </a:xfrm>
+          <a:prstGeom prst="rect">
+            <a:avLst/>
+          </a:prstGeom>
+          <a:noFill/>
+        </p:spPr>
+        <p:txBody>
+          <a:bodyPr wrap="square" rtlCol="0">
+            <a:spAutoFit/>
+          </a:bodyPr>
+          <a:lstStyle/>
+          <a:p>
+            <a:pPr algn="ctr"/>
+            <a:r>
+              <a:rPr lang="en-US" sz="2000" dirty="0" smtClean="0"/>
+              <a:t>95% of surveys</a:t>
+            </a:r>
+            <a:endParaRPr lang="en-US" sz="2000" dirty="0"/>
+          </a:p>
+        </p:txBody>
+      </p:sp>
     </p:spTree>
     <p:extLst>
       <p:ext uri="{BB962C8B-B14F-4D97-AF65-F5344CB8AC3E}">

--- a/lectures/lecture-03/charts.pptx
+++ b/lectures/lecture-03/charts.pptx
@@ -9,6 +9,7 @@
     <p:sldId id="257" r:id="rId3"/>
     <p:sldId id="259" r:id="rId4"/>
     <p:sldId id="258" r:id="rId5"/>
+    <p:sldId id="260" r:id="rId6"/>
   </p:sldIdLst>
   <p:sldSz cx="12192000" cy="6858000"/>
   <p:notesSz cx="6858000" cy="9144000"/>
@@ -246,7 +247,7 @@
           <a:p>
             <a:fld id="{FB909918-2C9D-4B24-AD32-A958855B9F3C}" type="datetimeFigureOut">
               <a:rPr lang="en-US" smtClean="0"/>
-              <a:t>1/23/2017</a:t>
+              <a:t>1/24/2017</a:t>
             </a:fld>
             <a:endParaRPr lang="en-US"/>
           </a:p>
@@ -416,7 +417,7 @@
           <a:p>
             <a:fld id="{FB909918-2C9D-4B24-AD32-A958855B9F3C}" type="datetimeFigureOut">
               <a:rPr lang="en-US" smtClean="0"/>
-              <a:t>1/23/2017</a:t>
+              <a:t>1/24/2017</a:t>
             </a:fld>
             <a:endParaRPr lang="en-US"/>
           </a:p>
@@ -596,7 +597,7 @@
           <a:p>
             <a:fld id="{FB909918-2C9D-4B24-AD32-A958855B9F3C}" type="datetimeFigureOut">
               <a:rPr lang="en-US" smtClean="0"/>
-              <a:t>1/23/2017</a:t>
+              <a:t>1/24/2017</a:t>
             </a:fld>
             <a:endParaRPr lang="en-US"/>
           </a:p>
@@ -766,7 +767,7 @@
           <a:p>
             <a:fld id="{FB909918-2C9D-4B24-AD32-A958855B9F3C}" type="datetimeFigureOut">
               <a:rPr lang="en-US" smtClean="0"/>
-              <a:t>1/23/2017</a:t>
+              <a:t>1/24/2017</a:t>
             </a:fld>
             <a:endParaRPr lang="en-US"/>
           </a:p>
@@ -1012,7 +1013,7 @@
           <a:p>
             <a:fld id="{FB909918-2C9D-4B24-AD32-A958855B9F3C}" type="datetimeFigureOut">
               <a:rPr lang="en-US" smtClean="0"/>
-              <a:t>1/23/2017</a:t>
+              <a:t>1/24/2017</a:t>
             </a:fld>
             <a:endParaRPr lang="en-US"/>
           </a:p>
@@ -1244,7 +1245,7 @@
           <a:p>
             <a:fld id="{FB909918-2C9D-4B24-AD32-A958855B9F3C}" type="datetimeFigureOut">
               <a:rPr lang="en-US" smtClean="0"/>
-              <a:t>1/23/2017</a:t>
+              <a:t>1/24/2017</a:t>
             </a:fld>
             <a:endParaRPr lang="en-US"/>
           </a:p>
@@ -1611,7 +1612,7 @@
           <a:p>
             <a:fld id="{FB909918-2C9D-4B24-AD32-A958855B9F3C}" type="datetimeFigureOut">
               <a:rPr lang="en-US" smtClean="0"/>
-              <a:t>1/23/2017</a:t>
+              <a:t>1/24/2017</a:t>
             </a:fld>
             <a:endParaRPr lang="en-US"/>
           </a:p>
@@ -1729,7 +1730,7 @@
           <a:p>
             <a:fld id="{FB909918-2C9D-4B24-AD32-A958855B9F3C}" type="datetimeFigureOut">
               <a:rPr lang="en-US" smtClean="0"/>
-              <a:t>1/23/2017</a:t>
+              <a:t>1/24/2017</a:t>
             </a:fld>
             <a:endParaRPr lang="en-US"/>
           </a:p>
@@ -1824,7 +1825,7 @@
           <a:p>
             <a:fld id="{FB909918-2C9D-4B24-AD32-A958855B9F3C}" type="datetimeFigureOut">
               <a:rPr lang="en-US" smtClean="0"/>
-              <a:t>1/23/2017</a:t>
+              <a:t>1/24/2017</a:t>
             </a:fld>
             <a:endParaRPr lang="en-US"/>
           </a:p>
@@ -2101,7 +2102,7 @@
           <a:p>
             <a:fld id="{FB909918-2C9D-4B24-AD32-A958855B9F3C}" type="datetimeFigureOut">
               <a:rPr lang="en-US" smtClean="0"/>
-              <a:t>1/23/2017</a:t>
+              <a:t>1/24/2017</a:t>
             </a:fld>
             <a:endParaRPr lang="en-US"/>
           </a:p>
@@ -2354,7 +2355,7 @@
           <a:p>
             <a:fld id="{FB909918-2C9D-4B24-AD32-A958855B9F3C}" type="datetimeFigureOut">
               <a:rPr lang="en-US" smtClean="0"/>
-              <a:t>1/23/2017</a:t>
+              <a:t>1/24/2017</a:t>
             </a:fld>
             <a:endParaRPr lang="en-US"/>
           </a:p>
@@ -2567,7 +2568,7 @@
           <a:p>
             <a:fld id="{FB909918-2C9D-4B24-AD32-A958855B9F3C}" type="datetimeFigureOut">
               <a:rPr lang="en-US" smtClean="0"/>
-              <a:t>1/23/2017</a:t>
+              <a:t>1/24/2017</a:t>
             </a:fld>
             <a:endParaRPr lang="en-US"/>
           </a:p>
@@ -13547,8 +13548,8 @@
           </p:txBody>
         </p:sp>
       </p:grpSp>
-      <mc:AlternateContent xmlns:mc="http://schemas.openxmlformats.org/markup-compatibility/2006">
-        <mc:Choice xmlns:a14="http://schemas.microsoft.com/office/drawing/2010/main" Requires="a14">
+      <mc:AlternateContent xmlns:mc="http://schemas.openxmlformats.org/markup-compatibility/2006" xmlns:a14="http://schemas.microsoft.com/office/drawing/2010/main">
+        <mc:Choice Requires="a14">
           <p:sp>
             <p:nvSpPr>
               <p:cNvPr id="31" name="TextBox 30"/>
@@ -13596,7 +13597,7 @@
             </p:txBody>
           </p:sp>
         </mc:Choice>
-        <mc:Fallback>
+        <mc:Fallback xmlns="">
           <p:sp>
             <p:nvSpPr>
               <p:cNvPr id="31" name="TextBox 30"/>
@@ -13800,8 +13801,8 @@
           </a:fontRef>
         </p:style>
       </p:cxnSp>
-      <mc:AlternateContent xmlns:mc="http://schemas.openxmlformats.org/markup-compatibility/2006">
-        <mc:Choice xmlns:a14="http://schemas.microsoft.com/office/drawing/2010/main" Requires="a14">
+      <mc:AlternateContent xmlns:mc="http://schemas.openxmlformats.org/markup-compatibility/2006" xmlns:a14="http://schemas.microsoft.com/office/drawing/2010/main">
+        <mc:Choice Requires="a14">
           <p:sp>
             <p:nvSpPr>
               <p:cNvPr id="56" name="TextBox 55"/>
@@ -13824,6 +13825,7 @@
               </a:bodyPr>
               <a:lstStyle/>
               <a:p>
+                <a:pPr/>
                 <a14:m>
                   <m:oMathPara xmlns:m="http://schemas.openxmlformats.org/officeDocument/2006/math">
                     <m:oMathParaPr>
@@ -13855,7 +13857,7 @@
             </p:txBody>
           </p:sp>
         </mc:Choice>
-        <mc:Fallback>
+        <mc:Fallback xmlns="">
           <p:sp>
             <p:nvSpPr>
               <p:cNvPr id="56" name="TextBox 55"/>
@@ -13894,8 +13896,8 @@
           </p:sp>
         </mc:Fallback>
       </mc:AlternateContent>
-      <mc:AlternateContent xmlns:mc="http://schemas.openxmlformats.org/markup-compatibility/2006">
-        <mc:Choice xmlns:a14="http://schemas.microsoft.com/office/drawing/2010/main" Requires="a14">
+      <mc:AlternateContent xmlns:mc="http://schemas.openxmlformats.org/markup-compatibility/2006" xmlns:a14="http://schemas.microsoft.com/office/drawing/2010/main">
+        <mc:Choice Requires="a14">
           <p:sp>
             <p:nvSpPr>
               <p:cNvPr id="59" name="TextBox 58"/>
@@ -13954,7 +13956,7 @@
             </p:txBody>
           </p:sp>
         </mc:Choice>
-        <mc:Fallback>
+        <mc:Fallback xmlns="">
           <p:sp>
             <p:nvSpPr>
               <p:cNvPr id="59" name="TextBox 58"/>
@@ -19939,15 +19941,7 @@
             <a:pPr algn="ctr"/>
             <a:r>
               <a:rPr lang="en-US" sz="2400" b="1" dirty="0" smtClean="0"/>
-              <a:t>Sampling Distribution </a:t>
-            </a:r>
-            <a:r>
-              <a:rPr lang="en-US" sz="2400" b="1" dirty="0" smtClean="0"/>
-              <a:t>(survey results</a:t>
-            </a:r>
-            <a:r>
-              <a:rPr lang="en-US" sz="2400" b="1" dirty="0" smtClean="0"/>
-              <a:t>)</a:t>
+              <a:t>Sampling Distribution (survey results)</a:t>
             </a:r>
             <a:endParaRPr lang="en-US" sz="2400" b="1" dirty="0"/>
           </a:p>
@@ -20170,8 +20164,8 @@
           </a:fontRef>
         </p:style>
       </p:cxnSp>
-      <mc:AlternateContent xmlns:mc="http://schemas.openxmlformats.org/markup-compatibility/2006">
-        <mc:Choice xmlns:a14="http://schemas.microsoft.com/office/drawing/2010/main" Requires="a14">
+      <mc:AlternateContent xmlns:mc="http://schemas.openxmlformats.org/markup-compatibility/2006" xmlns:a14="http://schemas.microsoft.com/office/drawing/2010/main">
+        <mc:Choice Requires="a14">
           <p:sp>
             <p:nvSpPr>
               <p:cNvPr id="56" name="TextBox 55"/>
@@ -20194,6 +20188,7 @@
               </a:bodyPr>
               <a:lstStyle/>
               <a:p>
+                <a:pPr/>
                 <a14:m>
                   <m:oMathPara xmlns:m="http://schemas.openxmlformats.org/officeDocument/2006/math">
                     <m:oMathParaPr>
@@ -20225,7 +20220,7 @@
             </p:txBody>
           </p:sp>
         </mc:Choice>
-        <mc:Fallback>
+        <mc:Fallback xmlns="">
           <p:sp>
             <p:nvSpPr>
               <p:cNvPr id="56" name="TextBox 55"/>
@@ -20264,8 +20259,8 @@
           </p:sp>
         </mc:Fallback>
       </mc:AlternateContent>
-      <mc:AlternateContent xmlns:mc="http://schemas.openxmlformats.org/markup-compatibility/2006">
-        <mc:Choice xmlns:a14="http://schemas.microsoft.com/office/drawing/2010/main" Requires="a14">
+      <mc:AlternateContent xmlns:mc="http://schemas.openxmlformats.org/markup-compatibility/2006" xmlns:a14="http://schemas.microsoft.com/office/drawing/2010/main">
+        <mc:Choice Requires="a14">
           <p:sp>
             <p:nvSpPr>
               <p:cNvPr id="57" name="TextBox 56"/>
@@ -20288,6 +20283,7 @@
               </a:bodyPr>
               <a:lstStyle/>
               <a:p>
+                <a:pPr/>
                 <a14:m>
                   <m:oMathPara xmlns:m="http://schemas.openxmlformats.org/officeDocument/2006/math">
                     <m:oMathParaPr>
@@ -20359,7 +20355,7 @@
             </p:txBody>
           </p:sp>
         </mc:Choice>
-        <mc:Fallback>
+        <mc:Fallback xmlns="">
           <p:sp>
             <p:nvSpPr>
               <p:cNvPr id="57" name="TextBox 56"/>
@@ -20398,8 +20394,8 @@
           </p:sp>
         </mc:Fallback>
       </mc:AlternateContent>
-      <mc:AlternateContent xmlns:mc="http://schemas.openxmlformats.org/markup-compatibility/2006">
-        <mc:Choice xmlns:a14="http://schemas.microsoft.com/office/drawing/2010/main" Requires="a14">
+      <mc:AlternateContent xmlns:mc="http://schemas.openxmlformats.org/markup-compatibility/2006" xmlns:a14="http://schemas.microsoft.com/office/drawing/2010/main">
+        <mc:Choice Requires="a14">
           <p:sp>
             <p:nvSpPr>
               <p:cNvPr id="48" name="TextBox 47"/>
@@ -20447,7 +20443,7 @@
             </p:txBody>
           </p:sp>
         </mc:Choice>
-        <mc:Fallback>
+        <mc:Fallback xmlns="">
           <p:sp>
             <p:nvSpPr>
               <p:cNvPr id="48" name="TextBox 47"/>
@@ -20486,8 +20482,8 @@
           </p:sp>
         </mc:Fallback>
       </mc:AlternateContent>
-      <mc:AlternateContent xmlns:mc="http://schemas.openxmlformats.org/markup-compatibility/2006">
-        <mc:Choice xmlns:a14="http://schemas.microsoft.com/office/drawing/2010/main" Requires="a14">
+      <mc:AlternateContent xmlns:mc="http://schemas.openxmlformats.org/markup-compatibility/2006" xmlns:a14="http://schemas.microsoft.com/office/drawing/2010/main">
+        <mc:Choice Requires="a14">
           <p:sp>
             <p:nvSpPr>
               <p:cNvPr id="50" name="TextBox 49"/>
@@ -20546,7 +20542,7 @@
             </p:txBody>
           </p:sp>
         </mc:Choice>
-        <mc:Fallback>
+        <mc:Fallback xmlns="">
           <p:sp>
             <p:nvSpPr>
               <p:cNvPr id="50" name="TextBox 49"/>
@@ -20585,8 +20581,8 @@
           </p:sp>
         </mc:Fallback>
       </mc:AlternateContent>
-      <mc:AlternateContent xmlns:mc="http://schemas.openxmlformats.org/markup-compatibility/2006">
-        <mc:Choice xmlns:a14="http://schemas.microsoft.com/office/drawing/2010/main" Requires="a14">
+      <mc:AlternateContent xmlns:mc="http://schemas.openxmlformats.org/markup-compatibility/2006" xmlns:a14="http://schemas.microsoft.com/office/drawing/2010/main">
+        <mc:Choice Requires="a14">
           <p:sp>
             <p:nvSpPr>
               <p:cNvPr id="52" name="TextBox 51"/>
@@ -20725,7 +20721,7 @@
             </p:txBody>
           </p:sp>
         </mc:Choice>
-        <mc:Fallback>
+        <mc:Fallback xmlns="">
           <p:sp>
             <p:nvSpPr>
               <p:cNvPr id="52" name="TextBox 51"/>
@@ -26339,11 +26335,7 @@
           <a:p>
             <a:r>
               <a:rPr lang="en-US" sz="2400" b="1" dirty="0" smtClean="0"/>
-              <a:t>$</a:t>
-            </a:r>
-            <a:r>
-              <a:rPr lang="en-US" sz="2400" b="1" dirty="0" smtClean="0"/>
-              <a:t>980K</a:t>
+              <a:t>$980K</a:t>
             </a:r>
             <a:endParaRPr lang="en-US" sz="2400" b="1" dirty="0"/>
           </a:p>
@@ -26555,6 +26547,249 @@
     <p:extLst>
       <p:ext uri="{BB962C8B-B14F-4D97-AF65-F5344CB8AC3E}">
         <p14:creationId xmlns:p14="http://schemas.microsoft.com/office/powerpoint/2010/main" val="1901127454"/>
+      </p:ext>
+    </p:extLst>
+  </p:cSld>
+  <p:clrMapOvr>
+    <a:masterClrMapping/>
+  </p:clrMapOvr>
+</p:sld>
+</file>
+
+<file path=ppt/slides/slide5.xml><?xml version="1.0" encoding="utf-8"?>
+<p:sld xmlns:a="http://schemas.openxmlformats.org/drawingml/2006/main" xmlns:r="http://schemas.openxmlformats.org/officeDocument/2006/relationships" xmlns:p="http://schemas.openxmlformats.org/presentationml/2006/main">
+  <p:cSld>
+    <p:spTree>
+      <p:nvGrpSpPr>
+        <p:cNvPr id="1" name=""/>
+        <p:cNvGrpSpPr/>
+        <p:nvPr/>
+      </p:nvGrpSpPr>
+      <p:grpSpPr>
+        <a:xfrm>
+          <a:off x="0" y="0"/>
+          <a:ext cx="0" cy="0"/>
+          <a:chOff x="0" y="0"/>
+          <a:chExt cx="0" cy="0"/>
+        </a:xfrm>
+      </p:grpSpPr>
+      <p:pic>
+        <p:nvPicPr>
+          <p:cNvPr id="4" name="Picture 3"/>
+          <p:cNvPicPr>
+            <a:picLocks noChangeAspect="1"/>
+          </p:cNvPicPr>
+          <p:nvPr/>
+        </p:nvPicPr>
+        <p:blipFill>
+          <a:blip r:embed="rId2"/>
+          <a:stretch>
+            <a:fillRect/>
+          </a:stretch>
+        </p:blipFill>
+        <p:spPr>
+          <a:xfrm>
+            <a:off x="2858558" y="1299104"/>
+            <a:ext cx="6305550" cy="3819525"/>
+          </a:xfrm>
+          <a:prstGeom prst="rect">
+            <a:avLst/>
+          </a:prstGeom>
+        </p:spPr>
+      </p:pic>
+      <p:sp>
+        <p:nvSpPr>
+          <p:cNvPr id="5" name="TextBox 4"/>
+          <p:cNvSpPr txBox="1"/>
+          <p:nvPr/>
+        </p:nvSpPr>
+        <p:spPr>
+          <a:xfrm>
+            <a:off x="5356579" y="5118629"/>
+            <a:ext cx="1484488" cy="369332"/>
+          </a:xfrm>
+          <a:prstGeom prst="rect">
+            <a:avLst/>
+          </a:prstGeom>
+          <a:noFill/>
+        </p:spPr>
+        <p:txBody>
+          <a:bodyPr wrap="square" rtlCol="0">
+            <a:spAutoFit/>
+          </a:bodyPr>
+          <a:lstStyle/>
+          <a:p>
+            <a:r>
+              <a:rPr lang="en-US" dirty="0" smtClean="0"/>
+              <a:t>Survey no.</a:t>
+            </a:r>
+            <a:endParaRPr lang="en-US" dirty="0"/>
+          </a:p>
+        </p:txBody>
+      </p:sp>
+      <mc:AlternateContent xmlns:mc="http://schemas.openxmlformats.org/markup-compatibility/2006">
+        <mc:Choice xmlns:a14="http://schemas.microsoft.com/office/drawing/2010/main" Requires="a14">
+          <p:sp>
+            <p:nvSpPr>
+              <p:cNvPr id="6" name="TextBox 5"/>
+              <p:cNvSpPr txBox="1"/>
+              <p:nvPr/>
+            </p:nvSpPr>
+            <p:spPr>
+              <a:xfrm>
+                <a:off x="1857024" y="3024200"/>
+                <a:ext cx="1484488" cy="369332"/>
+              </a:xfrm>
+              <a:prstGeom prst="rect">
+                <a:avLst/>
+              </a:prstGeom>
+              <a:noFill/>
+            </p:spPr>
+            <p:txBody>
+              <a:bodyPr wrap="square" rtlCol="0">
+                <a:spAutoFit/>
+              </a:bodyPr>
+              <a:lstStyle/>
+              <a:p>
+                <a14:m>
+                  <m:oMath xmlns:m="http://schemas.openxmlformats.org/officeDocument/2006/math">
+                    <m:r>
+                      <a:rPr lang="en-US" b="0" i="1" dirty="0" smtClean="0">
+                        <a:latin typeface="Cambria Math" panose="02040503050406030204" pitchFamily="18" charset="0"/>
+                      </a:rPr>
+                      <m:t>𝜇</m:t>
+                    </m:r>
+                    <m:r>
+                      <a:rPr lang="en-US" b="0" i="1" dirty="0" smtClean="0">
+                        <a:latin typeface="Cambria Math" panose="02040503050406030204" pitchFamily="18" charset="0"/>
+                      </a:rPr>
+                      <m:t>=</m:t>
+                    </m:r>
+                  </m:oMath>
+                </a14:m>
+                <a:r>
+                  <a:rPr lang="en-US" dirty="0" smtClean="0"/>
+                  <a:t> $300K</a:t>
+                </a:r>
+                <a:endParaRPr lang="en-US" dirty="0"/>
+              </a:p>
+            </p:txBody>
+          </p:sp>
+        </mc:Choice>
+        <mc:Fallback>
+          <p:sp>
+            <p:nvSpPr>
+              <p:cNvPr id="6" name="TextBox 5"/>
+              <p:cNvSpPr txBox="1">
+                <a:spLocks noRot="1" noChangeAspect="1" noMove="1" noResize="1" noEditPoints="1" noAdjustHandles="1" noChangeArrowheads="1" noChangeShapeType="1" noTextEdit="1"/>
+              </p:cNvSpPr>
+              <p:nvPr/>
+            </p:nvSpPr>
+            <p:spPr>
+              <a:xfrm>
+                <a:off x="1857024" y="3024200"/>
+                <a:ext cx="1484488" cy="369332"/>
+              </a:xfrm>
+              <a:prstGeom prst="rect">
+                <a:avLst/>
+              </a:prstGeom>
+              <a:blipFill rotWithShape="0">
+                <a:blip r:embed="rId3"/>
+                <a:stretch>
+                  <a:fillRect t="-8197" b="-24590"/>
+                </a:stretch>
+              </a:blipFill>
+            </p:spPr>
+            <p:txBody>
+              <a:bodyPr/>
+              <a:lstStyle/>
+              <a:p>
+                <a:r>
+                  <a:rPr lang="en-US">
+                    <a:noFill/>
+                  </a:rPr>
+                  <a:t> </a:t>
+                </a:r>
+              </a:p>
+            </p:txBody>
+          </p:sp>
+        </mc:Fallback>
+      </mc:AlternateContent>
+      <p:cxnSp>
+        <p:nvCxnSpPr>
+          <p:cNvPr id="8" name="Straight Arrow Connector 7"/>
+          <p:cNvCxnSpPr/>
+          <p:nvPr/>
+        </p:nvCxnSpPr>
+        <p:spPr>
+          <a:xfrm flipV="1">
+            <a:off x="3392311" y="1811867"/>
+            <a:ext cx="677333" cy="1320800"/>
+          </a:xfrm>
+          <a:prstGeom prst="straightConnector1">
+            <a:avLst/>
+          </a:prstGeom>
+          <a:ln>
+            <a:tailEnd type="triangle"/>
+          </a:ln>
+        </p:spPr>
+        <p:style>
+          <a:lnRef idx="3">
+            <a:schemeClr val="dk1"/>
+          </a:lnRef>
+          <a:fillRef idx="0">
+            <a:schemeClr val="dk1"/>
+          </a:fillRef>
+          <a:effectRef idx="2">
+            <a:schemeClr val="dk1"/>
+          </a:effectRef>
+          <a:fontRef idx="minor">
+            <a:schemeClr val="tx1"/>
+          </a:fontRef>
+        </p:style>
+      </p:cxnSp>
+      <p:sp>
+        <p:nvSpPr>
+          <p:cNvPr id="10" name="TextBox 9"/>
+          <p:cNvSpPr txBox="1"/>
+          <p:nvPr/>
+        </p:nvSpPr>
+        <p:spPr>
+          <a:xfrm>
+            <a:off x="3804709" y="1232320"/>
+            <a:ext cx="1597376" cy="646331"/>
+          </a:xfrm>
+          <a:prstGeom prst="rect">
+            <a:avLst/>
+          </a:prstGeom>
+          <a:noFill/>
+        </p:spPr>
+        <p:txBody>
+          <a:bodyPr wrap="square" rtlCol="0">
+            <a:spAutoFit/>
+          </a:bodyPr>
+          <a:lstStyle/>
+          <a:p>
+            <a:pPr algn="ctr"/>
+            <a:r>
+              <a:rPr lang="en-US" dirty="0" smtClean="0"/>
+              <a:t>Sample mean</a:t>
+            </a:r>
+          </a:p>
+          <a:p>
+            <a:pPr algn="ctr"/>
+            <a:r>
+              <a:rPr lang="en-US" dirty="0" smtClean="0"/>
+              <a:t>in Survey 1</a:t>
+            </a:r>
+            <a:endParaRPr lang="en-US" dirty="0"/>
+          </a:p>
+        </p:txBody>
+      </p:sp>
+    </p:spTree>
+    <p:extLst>
+      <p:ext uri="{BB962C8B-B14F-4D97-AF65-F5344CB8AC3E}">
+        <p14:creationId xmlns:p14="http://schemas.microsoft.com/office/powerpoint/2010/main" val="2601210528"/>
       </p:ext>
     </p:extLst>
   </p:cSld>
